--- a/Aula 3/Aula 03 - Azure App Services.pptx
+++ b/Aula 3/Aula 03 - Azure App Services.pptx
@@ -7,22 +7,18 @@
     <p:sldMasterId id="2147483697" r:id="rId6"/>
   </p:sldMasterIdLst>
   <p:notesMasterIdLst>
-    <p:notesMasterId r:id="rId17"/>
+    <p:notesMasterId r:id="rId13"/>
   </p:notesMasterIdLst>
   <p:handoutMasterIdLst>
-    <p:handoutMasterId r:id="rId18"/>
+    <p:handoutMasterId r:id="rId14"/>
   </p:handoutMasterIdLst>
   <p:sldIdLst>
     <p:sldId id="376" r:id="rId7"/>
     <p:sldId id="378" r:id="rId8"/>
     <p:sldId id="361" r:id="rId9"/>
     <p:sldId id="379" r:id="rId10"/>
-    <p:sldId id="363" r:id="rId11"/>
-    <p:sldId id="380" r:id="rId12"/>
-    <p:sldId id="382" r:id="rId13"/>
-    <p:sldId id="381" r:id="rId14"/>
-    <p:sldId id="371" r:id="rId15"/>
-    <p:sldId id="347" r:id="rId16"/>
+    <p:sldId id="371" r:id="rId11"/>
+    <p:sldId id="347" r:id="rId12"/>
   </p:sldIdLst>
   <p:sldSz cx="12192000" cy="6858000"/>
   <p:notesSz cx="6858000" cy="9144000"/>
@@ -1203,12 +1199,9 @@
           <a:lstStyle/>
           <a:p>
             <a:r>
-              <a:rPr lang="en-US" dirty="0"/>
-              <a:t>Step 3 is to present the solution. Attendee teams pair up with another table to present their solutions to each other. During the presentations, be prepared to ask questions and encourage other attendees to raise questions and objections. This will help teams practice responding to customer objections. Also, make sure that teams have time to provide each other with feedback.  </a:t>
-            </a:r>
-          </a:p>
-          <a:p>
-            <a:endParaRPr lang="en-US" dirty="0"/>
+              <a:rPr lang="en-US"/>
+              <a:t>Next, we will review details for hands-on labs. </a:t>
+            </a:r>
           </a:p>
         </p:txBody>
       </p:sp>
@@ -1227,276 +1220,9 @@
           <a:bodyPr/>
           <a:lstStyle/>
           <a:p>
-            <a:fld id="{0998D5BB-B127-481F-BC0A-2F77C576BB34}" type="slidenum">
+            <a:fld id="{57DFA60E-AD5C-4264-884B-ECD9CC856FA7}" type="slidenum">
               <a:rPr lang="en-US" smtClean="0"/>
               <a:t>5</a:t>
-            </a:fld>
-            <a:endParaRPr lang="en-US"/>
-          </a:p>
-        </p:txBody>
-      </p:sp>
-    </p:spTree>
-    <p:extLst>
-      <p:ext uri="{BB962C8B-B14F-4D97-AF65-F5344CB8AC3E}">
-        <p14:creationId xmlns:p14="http://schemas.microsoft.com/office/powerpoint/2010/main" val="778408002"/>
-      </p:ext>
-    </p:extLst>
-  </p:cSld>
-  <p:clrMapOvr>
-    <a:masterClrMapping/>
-  </p:clrMapOvr>
-</p:notes>
-</file>
-
-<file path=ppt/notesSlides/notesSlide6.xml><?xml version="1.0" encoding="utf-8"?>
-<p:notes xmlns:a="http://schemas.openxmlformats.org/drawingml/2006/main" xmlns:r="http://schemas.openxmlformats.org/officeDocument/2006/relationships" xmlns:p="http://schemas.openxmlformats.org/presentationml/2006/main">
-  <p:cSld>
-    <p:spTree>
-      <p:nvGrpSpPr>
-        <p:cNvPr id="1" name=""/>
-        <p:cNvGrpSpPr/>
-        <p:nvPr/>
-      </p:nvGrpSpPr>
-      <p:grpSpPr>
-        <a:xfrm>
-          <a:off x="0" y="0"/>
-          <a:ext cx="0" cy="0"/>
-          <a:chOff x="0" y="0"/>
-          <a:chExt cx="0" cy="0"/>
-        </a:xfrm>
-      </p:grpSpPr>
-      <p:sp>
-        <p:nvSpPr>
-          <p:cNvPr id="2" name="Slide Image Placeholder 1"/>
-          <p:cNvSpPr>
-            <a:spLocks noGrp="1" noRot="1" noChangeAspect="1"/>
-          </p:cNvSpPr>
-          <p:nvPr>
-            <p:ph type="sldImg"/>
-          </p:nvPr>
-        </p:nvSpPr>
-        <p:spPr/>
-      </p:sp>
-      <p:sp>
-        <p:nvSpPr>
-          <p:cNvPr id="3" name="Notes Placeholder 2"/>
-          <p:cNvSpPr>
-            <a:spLocks noGrp="1"/>
-          </p:cNvSpPr>
-          <p:nvPr>
-            <p:ph type="body" idx="1"/>
-          </p:nvPr>
-        </p:nvSpPr>
-        <p:spPr/>
-        <p:txBody>
-          <a:bodyPr/>
-          <a:lstStyle/>
-          <a:p>
-            <a:r>
-              <a:rPr lang="en-US" dirty="0"/>
-              <a:t>Step 3 is to present the solution. Attendee teams pair up with another table to present their solutions to each other. During the presentations, be prepared to ask questions and encourage other attendees to raise questions and objections. This will help teams practice responding to customer objections. Also, make sure that teams have time to provide each other with feedback.  </a:t>
-            </a:r>
-          </a:p>
-          <a:p>
-            <a:endParaRPr lang="en-US" dirty="0"/>
-          </a:p>
-        </p:txBody>
-      </p:sp>
-      <p:sp>
-        <p:nvSpPr>
-          <p:cNvPr id="4" name="Slide Number Placeholder 3"/>
-          <p:cNvSpPr>
-            <a:spLocks noGrp="1"/>
-          </p:cNvSpPr>
-          <p:nvPr>
-            <p:ph type="sldNum" sz="quarter" idx="10"/>
-          </p:nvPr>
-        </p:nvSpPr>
-        <p:spPr/>
-        <p:txBody>
-          <a:bodyPr/>
-          <a:lstStyle/>
-          <a:p>
-            <a:fld id="{0998D5BB-B127-481F-BC0A-2F77C576BB34}" type="slidenum">
-              <a:rPr lang="en-US" smtClean="0"/>
-              <a:t>6</a:t>
-            </a:fld>
-            <a:endParaRPr lang="en-US"/>
-          </a:p>
-        </p:txBody>
-      </p:sp>
-    </p:spTree>
-    <p:extLst>
-      <p:ext uri="{BB962C8B-B14F-4D97-AF65-F5344CB8AC3E}">
-        <p14:creationId xmlns:p14="http://schemas.microsoft.com/office/powerpoint/2010/main" val="940376626"/>
-      </p:ext>
-    </p:extLst>
-  </p:cSld>
-  <p:clrMapOvr>
-    <a:masterClrMapping/>
-  </p:clrMapOvr>
-</p:notes>
-</file>
-
-<file path=ppt/notesSlides/notesSlide7.xml><?xml version="1.0" encoding="utf-8"?>
-<p:notes xmlns:a="http://schemas.openxmlformats.org/drawingml/2006/main" xmlns:r="http://schemas.openxmlformats.org/officeDocument/2006/relationships" xmlns:p="http://schemas.openxmlformats.org/presentationml/2006/main">
-  <p:cSld>
-    <p:spTree>
-      <p:nvGrpSpPr>
-        <p:cNvPr id="1" name=""/>
-        <p:cNvGrpSpPr/>
-        <p:nvPr/>
-      </p:nvGrpSpPr>
-      <p:grpSpPr>
-        <a:xfrm>
-          <a:off x="0" y="0"/>
-          <a:ext cx="0" cy="0"/>
-          <a:chOff x="0" y="0"/>
-          <a:chExt cx="0" cy="0"/>
-        </a:xfrm>
-      </p:grpSpPr>
-      <p:sp>
-        <p:nvSpPr>
-          <p:cNvPr id="2" name="Slide Image Placeholder 1"/>
-          <p:cNvSpPr>
-            <a:spLocks noGrp="1" noRot="1" noChangeAspect="1"/>
-          </p:cNvSpPr>
-          <p:nvPr>
-            <p:ph type="sldImg"/>
-          </p:nvPr>
-        </p:nvSpPr>
-        <p:spPr/>
-      </p:sp>
-      <p:sp>
-        <p:nvSpPr>
-          <p:cNvPr id="3" name="Notes Placeholder 2"/>
-          <p:cNvSpPr>
-            <a:spLocks noGrp="1"/>
-          </p:cNvSpPr>
-          <p:nvPr>
-            <p:ph type="body" idx="1"/>
-          </p:nvPr>
-        </p:nvSpPr>
-        <p:spPr/>
-        <p:txBody>
-          <a:bodyPr/>
-          <a:lstStyle/>
-          <a:p>
-            <a:r>
-              <a:rPr lang="en-US" dirty="0"/>
-              <a:t>Step 3 is to present the solution. Attendee teams pair up with another table to present their solutions to each other. During the presentations, be prepared to ask questions and encourage other attendees to raise questions and objections. This will help teams practice responding to customer objections. Also, make sure that teams have time to provide each other with feedback.  </a:t>
-            </a:r>
-          </a:p>
-          <a:p>
-            <a:endParaRPr lang="en-US" dirty="0"/>
-          </a:p>
-        </p:txBody>
-      </p:sp>
-      <p:sp>
-        <p:nvSpPr>
-          <p:cNvPr id="4" name="Slide Number Placeholder 3"/>
-          <p:cNvSpPr>
-            <a:spLocks noGrp="1"/>
-          </p:cNvSpPr>
-          <p:nvPr>
-            <p:ph type="sldNum" sz="quarter" idx="10"/>
-          </p:nvPr>
-        </p:nvSpPr>
-        <p:spPr/>
-        <p:txBody>
-          <a:bodyPr/>
-          <a:lstStyle/>
-          <a:p>
-            <a:fld id="{0998D5BB-B127-481F-BC0A-2F77C576BB34}" type="slidenum">
-              <a:rPr lang="en-US" smtClean="0"/>
-              <a:t>7</a:t>
-            </a:fld>
-            <a:endParaRPr lang="en-US"/>
-          </a:p>
-        </p:txBody>
-      </p:sp>
-    </p:spTree>
-    <p:extLst>
-      <p:ext uri="{BB962C8B-B14F-4D97-AF65-F5344CB8AC3E}">
-        <p14:creationId xmlns:p14="http://schemas.microsoft.com/office/powerpoint/2010/main" val="4128153296"/>
-      </p:ext>
-    </p:extLst>
-  </p:cSld>
-  <p:clrMapOvr>
-    <a:masterClrMapping/>
-  </p:clrMapOvr>
-</p:notes>
-</file>
-
-<file path=ppt/notesSlides/notesSlide8.xml><?xml version="1.0" encoding="utf-8"?>
-<p:notes xmlns:a="http://schemas.openxmlformats.org/drawingml/2006/main" xmlns:r="http://schemas.openxmlformats.org/officeDocument/2006/relationships" xmlns:p="http://schemas.openxmlformats.org/presentationml/2006/main">
-  <p:cSld>
-    <p:spTree>
-      <p:nvGrpSpPr>
-        <p:cNvPr id="1" name=""/>
-        <p:cNvGrpSpPr/>
-        <p:nvPr/>
-      </p:nvGrpSpPr>
-      <p:grpSpPr>
-        <a:xfrm>
-          <a:off x="0" y="0"/>
-          <a:ext cx="0" cy="0"/>
-          <a:chOff x="0" y="0"/>
-          <a:chExt cx="0" cy="0"/>
-        </a:xfrm>
-      </p:grpSpPr>
-      <p:sp>
-        <p:nvSpPr>
-          <p:cNvPr id="2" name="Slide Image Placeholder 1"/>
-          <p:cNvSpPr>
-            <a:spLocks noGrp="1" noRot="1" noChangeAspect="1"/>
-          </p:cNvSpPr>
-          <p:nvPr>
-            <p:ph type="sldImg"/>
-          </p:nvPr>
-        </p:nvSpPr>
-        <p:spPr/>
-      </p:sp>
-      <p:sp>
-        <p:nvSpPr>
-          <p:cNvPr id="3" name="Notes Placeholder 2"/>
-          <p:cNvSpPr>
-            <a:spLocks noGrp="1"/>
-          </p:cNvSpPr>
-          <p:nvPr>
-            <p:ph type="body" idx="1"/>
-          </p:nvPr>
-        </p:nvSpPr>
-        <p:spPr/>
-        <p:txBody>
-          <a:bodyPr/>
-          <a:lstStyle/>
-          <a:p>
-            <a:r>
-              <a:rPr lang="en-US"/>
-              <a:t>Next, we will review details for hands-on labs. </a:t>
-            </a:r>
-          </a:p>
-        </p:txBody>
-      </p:sp>
-      <p:sp>
-        <p:nvSpPr>
-          <p:cNvPr id="4" name="Slide Number Placeholder 3"/>
-          <p:cNvSpPr>
-            <a:spLocks noGrp="1"/>
-          </p:cNvSpPr>
-          <p:nvPr>
-            <p:ph type="sldNum" sz="quarter" idx="10"/>
-          </p:nvPr>
-        </p:nvSpPr>
-        <p:spPr/>
-        <p:txBody>
-          <a:bodyPr/>
-          <a:lstStyle/>
-          <a:p>
-            <a:fld id="{57DFA60E-AD5C-4264-884B-ECD9CC856FA7}" type="slidenum">
-              <a:rPr lang="en-US" smtClean="0"/>
-              <a:t>9</a:t>
             </a:fld>
             <a:endParaRPr lang="en-US"/>
           </a:p>
@@ -1515,7 +1241,7 @@
 </p:notes>
 </file>
 
-<file path=ppt/notesSlides/notesSlide9.xml><?xml version="1.0" encoding="utf-8"?>
+<file path=ppt/notesSlides/notesSlide6.xml><?xml version="1.0" encoding="utf-8"?>
 <p:notes xmlns:a="http://schemas.openxmlformats.org/drawingml/2006/main" xmlns:r="http://schemas.openxmlformats.org/officeDocument/2006/relationships" xmlns:p="http://schemas.openxmlformats.org/presentationml/2006/main">
   <p:cSld>
     <p:spTree>
@@ -1654,7 +1380,7 @@
                 </a:solidFill>
               </a:rPr>
               <a:pPr/>
-              <a:t>10</a:t>
+              <a:t>6</a:t>
             </a:fld>
             <a:endParaRPr lang="en-US">
               <a:solidFill>
@@ -18303,48 +18029,6 @@
 </p:sld>
 </file>
 
-<file path=ppt/slides/slide10.xml><?xml version="1.0" encoding="utf-8"?>
-<p:sld xmlns:a="http://schemas.openxmlformats.org/drawingml/2006/main" xmlns:r="http://schemas.openxmlformats.org/officeDocument/2006/relationships" xmlns:p="http://schemas.openxmlformats.org/presentationml/2006/main">
-  <p:cSld>
-    <p:spTree>
-      <p:nvGrpSpPr>
-        <p:cNvPr id="1" name=""/>
-        <p:cNvGrpSpPr/>
-        <p:nvPr/>
-      </p:nvGrpSpPr>
-      <p:grpSpPr>
-        <a:xfrm>
-          <a:off x="0" y="0"/>
-          <a:ext cx="0" cy="0"/>
-          <a:chOff x="0" y="0"/>
-          <a:chExt cx="0" cy="0"/>
-        </a:xfrm>
-      </p:grpSpPr>
-    </p:spTree>
-    <p:extLst>
-      <p:ext uri="{BB962C8B-B14F-4D97-AF65-F5344CB8AC3E}">
-        <p14:creationId xmlns:p14="http://schemas.microsoft.com/office/powerpoint/2010/main" val="1897784522"/>
-      </p:ext>
-    </p:extLst>
-  </p:cSld>
-  <p:clrMapOvr>
-    <a:masterClrMapping/>
-  </p:clrMapOvr>
-  <mc:AlternateContent xmlns:mc="http://schemas.openxmlformats.org/markup-compatibility/2006" xmlns:p14="http://schemas.microsoft.com/office/powerpoint/2010/main">
-    <mc:Choice Requires="p14">
-      <p:transition spd="med" p14:dur="700">
-        <p:fade/>
-      </p:transition>
-    </mc:Choice>
-    <mc:Fallback xmlns="">
-      <p:transition spd="med">
-        <p:fade/>
-      </p:transition>
-    </mc:Fallback>
-  </mc:AlternateContent>
-</p:sld>
-</file>
-
 <file path=ppt/slides/slide2.xml><?xml version="1.0" encoding="utf-8"?>
 <p:sld xmlns:a="http://schemas.openxmlformats.org/drawingml/2006/main" xmlns:r="http://schemas.openxmlformats.org/officeDocument/2006/relationships" xmlns:p="http://schemas.openxmlformats.org/presentationml/2006/main">
   <p:cSld>
@@ -19093,6 +18777,107 @@
               <a:defRPr/>
             </a:pPr>
             <a:r>
+              <a:rPr kumimoji="0" lang="en-US" sz="2750" b="0" i="0" u="none" strike="noStrike" kern="1200" cap="none" spc="0" normalizeH="0" baseline="0" noProof="0" dirty="0">
+                <a:ln>
+                  <a:noFill/>
+                </a:ln>
+                <a:solidFill>
+                  <a:srgbClr val="505050"/>
+                </a:solidFill>
+                <a:effectLst/>
+                <a:uLnTx/>
+                <a:uFillTx/>
+                <a:latin typeface="Segoe UI Semibold" panose="020B0702040204020203" pitchFamily="34" charset="0"/>
+                <a:ea typeface="+mn-ea"/>
+                <a:cs typeface="Segoe UI Semibold" panose="020B0702040204020203" pitchFamily="34" charset="0"/>
+              </a:rPr>
+              <a:t>PaaS – Plataforma </a:t>
+            </a:r>
+            <a:r>
+              <a:rPr kumimoji="0" lang="en-US" sz="2750" b="0" i="0" u="none" strike="noStrike" kern="1200" cap="none" spc="0" normalizeH="0" baseline="0" noProof="0" dirty="0" err="1">
+                <a:ln>
+                  <a:noFill/>
+                </a:ln>
+                <a:solidFill>
+                  <a:srgbClr val="505050"/>
+                </a:solidFill>
+                <a:effectLst/>
+                <a:uLnTx/>
+                <a:uFillTx/>
+                <a:latin typeface="Segoe UI Semibold" panose="020B0702040204020203" pitchFamily="34" charset="0"/>
+                <a:ea typeface="+mn-ea"/>
+                <a:cs typeface="Segoe UI Semibold" panose="020B0702040204020203" pitchFamily="34" charset="0"/>
+              </a:rPr>
+              <a:t>como</a:t>
+            </a:r>
+            <a:r>
+              <a:rPr kumimoji="0" lang="en-US" sz="2750" b="0" i="0" u="none" strike="noStrike" kern="1200" cap="none" spc="0" normalizeH="0" baseline="0" noProof="0" dirty="0">
+                <a:ln>
+                  <a:noFill/>
+                </a:ln>
+                <a:solidFill>
+                  <a:srgbClr val="505050"/>
+                </a:solidFill>
+                <a:effectLst/>
+                <a:uLnTx/>
+                <a:uFillTx/>
+                <a:latin typeface="Segoe UI Semibold" panose="020B0702040204020203" pitchFamily="34" charset="0"/>
+                <a:ea typeface="+mn-ea"/>
+                <a:cs typeface="Segoe UI Semibold" panose="020B0702040204020203" pitchFamily="34" charset="0"/>
+              </a:rPr>
+              <a:t> </a:t>
+            </a:r>
+            <a:r>
+              <a:rPr kumimoji="0" lang="en-US" sz="2750" b="0" i="0" u="none" strike="noStrike" kern="1200" cap="none" spc="0" normalizeH="0" baseline="0" noProof="0" dirty="0" err="1">
+                <a:ln>
+                  <a:noFill/>
+                </a:ln>
+                <a:solidFill>
+                  <a:srgbClr val="505050"/>
+                </a:solidFill>
+                <a:effectLst/>
+                <a:uLnTx/>
+                <a:uFillTx/>
+                <a:latin typeface="Segoe UI Semibold" panose="020B0702040204020203" pitchFamily="34" charset="0"/>
+                <a:ea typeface="+mn-ea"/>
+                <a:cs typeface="Segoe UI Semibold" panose="020B0702040204020203" pitchFamily="34" charset="0"/>
+              </a:rPr>
+              <a:t>Serviço</a:t>
+            </a:r>
+            <a:endParaRPr kumimoji="0" lang="en-US" sz="2750" b="0" i="0" u="none" strike="noStrike" kern="1200" cap="none" spc="0" normalizeH="0" baseline="0" noProof="0" dirty="0">
+              <a:ln>
+                <a:noFill/>
+              </a:ln>
+              <a:solidFill>
+                <a:srgbClr val="505050"/>
+              </a:solidFill>
+              <a:effectLst/>
+              <a:uLnTx/>
+              <a:uFillTx/>
+              <a:latin typeface="Segoe UI Semibold" panose="020B0702040204020203" pitchFamily="34" charset="0"/>
+              <a:ea typeface="+mn-ea"/>
+              <a:cs typeface="Segoe UI Semibold" panose="020B0702040204020203" pitchFamily="34" charset="0"/>
+            </a:endParaRPr>
+          </a:p>
+          <a:p>
+            <a:pPr marL="457200" marR="0" lvl="0" indent="-457200" algn="l" defTabSz="508623" rtl="0" eaLnBrk="1" fontAlgn="auto" latinLnBrk="0" hangingPunct="1">
+              <a:lnSpc>
+                <a:spcPct val="100000"/>
+              </a:lnSpc>
+              <a:spcBef>
+                <a:spcPts val="0"/>
+              </a:spcBef>
+              <a:spcAft>
+                <a:spcPts val="0"/>
+              </a:spcAft>
+              <a:buClrTx/>
+              <a:buSzTx/>
+              <a:buFont typeface="Arial" panose="020B0604020202020204" pitchFamily="34" charset="0"/>
+              <a:buChar char="•"/>
+              <a:tabLst/>
+              <a:defRPr/>
+            </a:pPr>
+            <a:r>
               <a:rPr kumimoji="0" lang="en-US" sz="2750" b="0" i="0" u="none" strike="noStrike" kern="1200" cap="none" spc="0" normalizeH="0" baseline="0" noProof="0" dirty="0" err="1">
                 <a:ln>
                   <a:noFill/>
@@ -19498,7 +19283,7 @@
                 <a:latin typeface="Segoe UI Semibold" panose="020B0702040204020203" pitchFamily="34" charset="0"/>
                 <a:cs typeface="Segoe UI Semibold" panose="020B0702040204020203" pitchFamily="34" charset="0"/>
               </a:rPr>
-              <a:t>Storage - BLOB</a:t>
+              <a:t>Azure App Service</a:t>
             </a:r>
           </a:p>
         </p:txBody>
@@ -19518,7 +19303,7 @@
         <p:spPr>
           <a:xfrm>
             <a:off x="421329" y="1343179"/>
-            <a:ext cx="9752685" cy="4238468"/>
+            <a:ext cx="9752685" cy="2738057"/>
           </a:xfrm>
           <a:prstGeom prst="rect">
             <a:avLst/>
@@ -19595,7 +19380,7 @@
                 <a:ea typeface="Calibri" panose="020F0502020204030204" pitchFamily="34" charset="0"/>
                 <a:cs typeface="Segoe UI Semilight" panose="020B0402040204020203" pitchFamily="34" charset="0"/>
               </a:rPr>
-              <a:t>Projetado</a:t>
+              <a:t>Escalabilidade</a:t>
             </a:r>
             <a:r>
               <a:rPr kumimoji="0" lang="en-US" sz="2750" b="0" i="0" u="none" strike="noStrike" kern="0" cap="none" spc="0" normalizeH="0" baseline="0" noProof="0" dirty="0">
@@ -19612,175 +19397,8 @@
                 <a:ea typeface="Calibri" panose="020F0502020204030204" pitchFamily="34" charset="0"/>
                 <a:cs typeface="Segoe UI Semilight" panose="020B0402040204020203" pitchFamily="34" charset="0"/>
               </a:rPr>
-              <a:t> para </a:t>
-            </a:r>
-            <a:r>
-              <a:rPr kumimoji="0" lang="en-US" sz="2750" b="0" i="0" u="none" strike="noStrike" kern="0" cap="none" spc="0" normalizeH="0" baseline="0" noProof="0" dirty="0" err="1">
-                <a:ln>
-                  <a:noFill/>
-                </a:ln>
-                <a:solidFill>
-                  <a:srgbClr val="505050"/>
-                </a:solidFill>
-                <a:effectLst/>
-                <a:uLnTx/>
-                <a:uFillTx/>
-                <a:latin typeface="Segoe UI Semilight" panose="020B0402040204020203" pitchFamily="34" charset="0"/>
-                <a:ea typeface="Calibri" panose="020F0502020204030204" pitchFamily="34" charset="0"/>
-                <a:cs typeface="Segoe UI Semilight" panose="020B0402040204020203" pitchFamily="34" charset="0"/>
-              </a:rPr>
-              <a:t>armazenar</a:t>
-            </a:r>
-            <a:r>
-              <a:rPr kumimoji="0" lang="en-US" sz="2750" b="0" i="0" u="none" strike="noStrike" kern="0" cap="none" spc="0" normalizeH="0" baseline="0" noProof="0" dirty="0">
-                <a:ln>
-                  <a:noFill/>
-                </a:ln>
-                <a:solidFill>
-                  <a:srgbClr val="505050"/>
-                </a:solidFill>
-                <a:effectLst/>
-                <a:uLnTx/>
-                <a:uFillTx/>
-                <a:latin typeface="Segoe UI Semilight" panose="020B0402040204020203" pitchFamily="34" charset="0"/>
-                <a:ea typeface="Calibri" panose="020F0502020204030204" pitchFamily="34" charset="0"/>
-                <a:cs typeface="Segoe UI Semilight" panose="020B0402040204020203" pitchFamily="34" charset="0"/>
-              </a:rPr>
-              <a:t> </a:t>
-            </a:r>
-            <a:r>
-              <a:rPr kumimoji="0" lang="en-US" sz="2750" b="0" i="0" u="none" strike="noStrike" kern="0" cap="none" spc="0" normalizeH="0" baseline="0" noProof="0" dirty="0" err="1">
-                <a:ln>
-                  <a:noFill/>
-                </a:ln>
-                <a:solidFill>
-                  <a:srgbClr val="505050"/>
-                </a:solidFill>
-                <a:effectLst/>
-                <a:uLnTx/>
-                <a:uFillTx/>
-                <a:latin typeface="Segoe UI Semilight" panose="020B0402040204020203" pitchFamily="34" charset="0"/>
-                <a:ea typeface="Calibri" panose="020F0502020204030204" pitchFamily="34" charset="0"/>
-                <a:cs typeface="Segoe UI Semilight" panose="020B0402040204020203" pitchFamily="34" charset="0"/>
-              </a:rPr>
-              <a:t>grandes</a:t>
-            </a:r>
-            <a:r>
-              <a:rPr kumimoji="0" lang="en-US" sz="2750" b="0" i="0" u="none" strike="noStrike" kern="0" cap="none" spc="0" normalizeH="0" baseline="0" noProof="0" dirty="0">
-                <a:ln>
-                  <a:noFill/>
-                </a:ln>
-                <a:solidFill>
-                  <a:srgbClr val="505050"/>
-                </a:solidFill>
-                <a:effectLst/>
-                <a:uLnTx/>
-                <a:uFillTx/>
-                <a:latin typeface="Segoe UI Semilight" panose="020B0402040204020203" pitchFamily="34" charset="0"/>
-                <a:ea typeface="Calibri" panose="020F0502020204030204" pitchFamily="34" charset="0"/>
-                <a:cs typeface="Segoe UI Semilight" panose="020B0402040204020203" pitchFamily="34" charset="0"/>
-              </a:rPr>
-              <a:t> </a:t>
-            </a:r>
-            <a:r>
-              <a:rPr kumimoji="0" lang="en-US" sz="2750" b="0" i="0" u="none" strike="noStrike" kern="0" cap="none" spc="0" normalizeH="0" baseline="0" noProof="0" dirty="0" err="1">
-                <a:ln>
-                  <a:noFill/>
-                </a:ln>
-                <a:solidFill>
-                  <a:srgbClr val="505050"/>
-                </a:solidFill>
-                <a:effectLst/>
-                <a:uLnTx/>
-                <a:uFillTx/>
-                <a:latin typeface="Segoe UI Semilight" panose="020B0402040204020203" pitchFamily="34" charset="0"/>
-                <a:ea typeface="Calibri" panose="020F0502020204030204" pitchFamily="34" charset="0"/>
-                <a:cs typeface="Segoe UI Semilight" panose="020B0402040204020203" pitchFamily="34" charset="0"/>
-              </a:rPr>
-              <a:t>quantidades</a:t>
-            </a:r>
-            <a:r>
-              <a:rPr kumimoji="0" lang="en-US" sz="2750" b="0" i="0" u="none" strike="noStrike" kern="0" cap="none" spc="0" normalizeH="0" baseline="0" noProof="0" dirty="0">
-                <a:ln>
-                  <a:noFill/>
-                </a:ln>
-                <a:solidFill>
-                  <a:srgbClr val="505050"/>
-                </a:solidFill>
-                <a:effectLst/>
-                <a:uLnTx/>
-                <a:uFillTx/>
-                <a:latin typeface="Segoe UI Semilight" panose="020B0402040204020203" pitchFamily="34" charset="0"/>
-                <a:ea typeface="Calibri" panose="020F0502020204030204" pitchFamily="34" charset="0"/>
-                <a:cs typeface="Segoe UI Semilight" panose="020B0402040204020203" pitchFamily="34" charset="0"/>
-              </a:rPr>
-              <a:t> de dados </a:t>
-            </a:r>
-            <a:r>
-              <a:rPr kumimoji="0" lang="en-US" sz="2750" b="0" i="0" u="none" strike="noStrike" kern="0" cap="none" spc="0" normalizeH="0" baseline="0" noProof="0" dirty="0" err="1">
-                <a:ln>
-                  <a:noFill/>
-                </a:ln>
-                <a:solidFill>
-                  <a:srgbClr val="505050"/>
-                </a:solidFill>
-                <a:effectLst/>
-                <a:uLnTx/>
-                <a:uFillTx/>
-                <a:latin typeface="Segoe UI Semilight" panose="020B0402040204020203" pitchFamily="34" charset="0"/>
-                <a:ea typeface="Calibri" panose="020F0502020204030204" pitchFamily="34" charset="0"/>
-                <a:cs typeface="Segoe UI Semilight" panose="020B0402040204020203" pitchFamily="34" charset="0"/>
-              </a:rPr>
-              <a:t>não</a:t>
-            </a:r>
-            <a:r>
-              <a:rPr kumimoji="0" lang="en-US" sz="2750" b="0" i="0" u="none" strike="noStrike" kern="0" cap="none" spc="0" normalizeH="0" baseline="0" noProof="0" dirty="0">
-                <a:ln>
-                  <a:noFill/>
-                </a:ln>
-                <a:solidFill>
-                  <a:srgbClr val="505050"/>
-                </a:solidFill>
-                <a:effectLst/>
-                <a:uLnTx/>
-                <a:uFillTx/>
-                <a:latin typeface="Segoe UI Semilight" panose="020B0402040204020203" pitchFamily="34" charset="0"/>
-                <a:ea typeface="Calibri" panose="020F0502020204030204" pitchFamily="34" charset="0"/>
-                <a:cs typeface="Segoe UI Semilight" panose="020B0402040204020203" pitchFamily="34" charset="0"/>
-              </a:rPr>
-              <a:t> </a:t>
-            </a:r>
-            <a:r>
-              <a:rPr kumimoji="0" lang="en-US" sz="2750" b="0" i="0" u="none" strike="noStrike" kern="0" cap="none" spc="0" normalizeH="0" baseline="0" noProof="0" dirty="0" err="1">
-                <a:ln>
-                  <a:noFill/>
-                </a:ln>
-                <a:solidFill>
-                  <a:srgbClr val="505050"/>
-                </a:solidFill>
-                <a:effectLst/>
-                <a:uLnTx/>
-                <a:uFillTx/>
-                <a:latin typeface="Segoe UI Semilight" panose="020B0402040204020203" pitchFamily="34" charset="0"/>
-                <a:ea typeface="Calibri" panose="020F0502020204030204" pitchFamily="34" charset="0"/>
-                <a:cs typeface="Segoe UI Semilight" panose="020B0402040204020203" pitchFamily="34" charset="0"/>
-              </a:rPr>
-              <a:t>estruturados</a:t>
-            </a:r>
-            <a:endParaRPr kumimoji="0" lang="en-US" sz="2750" b="0" i="0" u="none" strike="noStrike" kern="0" cap="none" spc="0" normalizeH="0" baseline="0" noProof="0" dirty="0">
-              <a:ln>
-                <a:noFill/>
-              </a:ln>
-              <a:solidFill>
-                <a:srgbClr val="505050"/>
-              </a:solidFill>
-              <a:effectLst/>
-              <a:uLnTx/>
-              <a:uFillTx/>
-              <a:latin typeface="Segoe UI Semilight" panose="020B0402040204020203" pitchFamily="34" charset="0"/>
-              <a:ea typeface="Calibri" panose="020F0502020204030204" pitchFamily="34" charset="0"/>
-              <a:cs typeface="Segoe UI Semilight" panose="020B0402040204020203" pitchFamily="34" charset="0"/>
-            </a:endParaRPr>
+              <a:t> ( Vertical e Horizontal )</a:t>
+            </a:r>
           </a:p>
           <a:p>
             <a:pPr marL="285750" marR="0" lvl="0" indent="-285750" defTabSz="914367" eaLnBrk="1" fontAlgn="auto" latinLnBrk="0" hangingPunct="1">
@@ -19815,7 +19433,7 @@
                 <a:ea typeface="Calibri" panose="020F0502020204030204" pitchFamily="34" charset="0"/>
                 <a:cs typeface="Segoe UI Semilight" panose="020B0402040204020203" pitchFamily="34" charset="0"/>
               </a:rPr>
-              <a:t>Os</a:t>
+              <a:t>Suporte</a:t>
             </a:r>
             <a:r>
               <a:rPr kumimoji="0" lang="en-GB" sz="2750" b="0" i="0" u="none" strike="noStrike" kern="0" cap="none" spc="0" normalizeH="0" baseline="0" noProof="0" dirty="0">
@@ -19832,109 +19450,7 @@
                 <a:ea typeface="Calibri" panose="020F0502020204030204" pitchFamily="34" charset="0"/>
                 <a:cs typeface="Segoe UI Semilight" panose="020B0402040204020203" pitchFamily="34" charset="0"/>
               </a:rPr>
-              <a:t> dados </a:t>
-            </a:r>
-            <a:r>
-              <a:rPr kumimoji="0" lang="en-GB" sz="2750" b="0" i="0" u="none" strike="noStrike" kern="0" cap="none" spc="0" normalizeH="0" baseline="0" noProof="0" dirty="0" err="1">
-                <a:ln>
-                  <a:noFill/>
-                </a:ln>
-                <a:solidFill>
-                  <a:srgbClr val="505050"/>
-                </a:solidFill>
-                <a:effectLst/>
-                <a:uLnTx/>
-                <a:uFillTx/>
-                <a:latin typeface="Segoe UI Semilight" panose="020B0402040204020203" pitchFamily="34" charset="0"/>
-                <a:ea typeface="Calibri" panose="020F0502020204030204" pitchFamily="34" charset="0"/>
-                <a:cs typeface="Segoe UI Semilight" panose="020B0402040204020203" pitchFamily="34" charset="0"/>
-              </a:rPr>
-              <a:t>são</a:t>
-            </a:r>
-            <a:r>
-              <a:rPr kumimoji="0" lang="en-GB" sz="2750" b="0" i="0" u="none" strike="noStrike" kern="0" cap="none" spc="0" normalizeH="0" baseline="0" noProof="0" dirty="0">
-                <a:ln>
-                  <a:noFill/>
-                </a:ln>
-                <a:solidFill>
-                  <a:srgbClr val="505050"/>
-                </a:solidFill>
-                <a:effectLst/>
-                <a:uLnTx/>
-                <a:uFillTx/>
-                <a:latin typeface="Segoe UI Semilight" panose="020B0402040204020203" pitchFamily="34" charset="0"/>
-                <a:ea typeface="Calibri" panose="020F0502020204030204" pitchFamily="34" charset="0"/>
-                <a:cs typeface="Segoe UI Semilight" panose="020B0402040204020203" pitchFamily="34" charset="0"/>
-              </a:rPr>
-              <a:t> </a:t>
-            </a:r>
-            <a:r>
-              <a:rPr kumimoji="0" lang="en-GB" sz="2750" b="0" i="0" u="none" strike="noStrike" kern="0" cap="none" spc="0" normalizeH="0" baseline="0" noProof="0" dirty="0" err="1">
-                <a:ln>
-                  <a:noFill/>
-                </a:ln>
-                <a:solidFill>
-                  <a:srgbClr val="505050"/>
-                </a:solidFill>
-                <a:effectLst/>
-                <a:uLnTx/>
-                <a:uFillTx/>
-                <a:latin typeface="Segoe UI Semilight" panose="020B0402040204020203" pitchFamily="34" charset="0"/>
-                <a:ea typeface="Calibri" panose="020F0502020204030204" pitchFamily="34" charset="0"/>
-                <a:cs typeface="Segoe UI Semilight" panose="020B0402040204020203" pitchFamily="34" charset="0"/>
-              </a:rPr>
-              <a:t>armazenados</a:t>
-            </a:r>
-            <a:r>
-              <a:rPr kumimoji="0" lang="en-GB" sz="2750" b="0" i="0" u="none" strike="noStrike" kern="0" cap="none" spc="0" normalizeH="0" baseline="0" noProof="0" dirty="0">
-                <a:ln>
-                  <a:noFill/>
-                </a:ln>
-                <a:solidFill>
-                  <a:srgbClr val="505050"/>
-                </a:solidFill>
-                <a:effectLst/>
-                <a:uLnTx/>
-                <a:uFillTx/>
-                <a:latin typeface="Segoe UI Semilight" panose="020B0402040204020203" pitchFamily="34" charset="0"/>
-                <a:ea typeface="Calibri" panose="020F0502020204030204" pitchFamily="34" charset="0"/>
-                <a:cs typeface="Segoe UI Semilight" panose="020B0402040204020203" pitchFamily="34" charset="0"/>
-              </a:rPr>
-              <a:t> </a:t>
-            </a:r>
-            <a:r>
-              <a:rPr kumimoji="0" lang="en-GB" sz="2750" b="0" i="0" u="none" strike="noStrike" kern="0" cap="none" spc="0" normalizeH="0" baseline="0" noProof="0" dirty="0" err="1">
-                <a:ln>
-                  <a:noFill/>
-                </a:ln>
-                <a:solidFill>
-                  <a:srgbClr val="505050"/>
-                </a:solidFill>
-                <a:effectLst/>
-                <a:uLnTx/>
-                <a:uFillTx/>
-                <a:latin typeface="Segoe UI Semilight" panose="020B0402040204020203" pitchFamily="34" charset="0"/>
-                <a:ea typeface="Calibri" panose="020F0502020204030204" pitchFamily="34" charset="0"/>
-                <a:cs typeface="Segoe UI Semilight" panose="020B0402040204020203" pitchFamily="34" charset="0"/>
-              </a:rPr>
-              <a:t>em</a:t>
-            </a:r>
-            <a:r>
-              <a:rPr kumimoji="0" lang="en-GB" sz="2750" b="0" i="0" u="none" strike="noStrike" kern="0" cap="none" spc="0" normalizeH="0" baseline="0" noProof="0" dirty="0">
-                <a:ln>
-                  <a:noFill/>
-                </a:ln>
-                <a:solidFill>
-                  <a:srgbClr val="505050"/>
-                </a:solidFill>
-                <a:effectLst/>
-                <a:uLnTx/>
-                <a:uFillTx/>
-                <a:latin typeface="Segoe UI Semilight" panose="020B0402040204020203" pitchFamily="34" charset="0"/>
-                <a:ea typeface="Calibri" panose="020F0502020204030204" pitchFamily="34" charset="0"/>
-                <a:cs typeface="Segoe UI Semilight" panose="020B0402040204020203" pitchFamily="34" charset="0"/>
-              </a:rPr>
-              <a:t> “containers”</a:t>
+              <a:t> a HTTPS</a:t>
             </a:r>
           </a:p>
           <a:p>
@@ -19970,7 +19486,7 @@
                 <a:ea typeface="Calibri" panose="020F0502020204030204" pitchFamily="34" charset="0"/>
                 <a:cs typeface="Segoe UI Semilight" panose="020B0402040204020203" pitchFamily="34" charset="0"/>
               </a:rPr>
-              <a:t>Armazena</a:t>
+              <a:t>Integração</a:t>
             </a:r>
             <a:r>
               <a:rPr kumimoji="0" lang="en-GB" sz="2750" b="0" i="0" u="none" strike="noStrike" kern="0" cap="none" spc="0" normalizeH="0" baseline="0" noProof="0" dirty="0">
@@ -19987,7 +19503,7 @@
                 <a:ea typeface="Calibri" panose="020F0502020204030204" pitchFamily="34" charset="0"/>
                 <a:cs typeface="Segoe UI Semilight" panose="020B0402040204020203" pitchFamily="34" charset="0"/>
               </a:rPr>
-              <a:t> sites </a:t>
+              <a:t> / Deployment </a:t>
             </a:r>
             <a:r>
               <a:rPr kumimoji="0" lang="en-GB" sz="2750" b="0" i="0" u="none" strike="noStrike" kern="0" cap="none" spc="0" normalizeH="0" baseline="0" noProof="0" dirty="0" err="1">
@@ -20004,7 +19520,41 @@
                 <a:ea typeface="Calibri" panose="020F0502020204030204" pitchFamily="34" charset="0"/>
                 <a:cs typeface="Segoe UI Semilight" panose="020B0402040204020203" pitchFamily="34" charset="0"/>
               </a:rPr>
-              <a:t>estáticos</a:t>
+              <a:t>Contínuos</a:t>
+            </a:r>
+            <a:r>
+              <a:rPr kumimoji="0" lang="en-GB" sz="2750" b="0" i="0" u="none" strike="noStrike" kern="0" cap="none" spc="0" normalizeH="0" baseline="0" noProof="0" dirty="0">
+                <a:ln>
+                  <a:noFill/>
+                </a:ln>
+                <a:solidFill>
+                  <a:srgbClr val="505050"/>
+                </a:solidFill>
+                <a:effectLst/>
+                <a:uLnTx/>
+                <a:uFillTx/>
+                <a:latin typeface="Segoe UI Semilight" panose="020B0402040204020203" pitchFamily="34" charset="0"/>
+                <a:ea typeface="Calibri" panose="020F0502020204030204" pitchFamily="34" charset="0"/>
+                <a:cs typeface="Segoe UI Semilight" panose="020B0402040204020203" pitchFamily="34" charset="0"/>
+              </a:rPr>
+              <a:t>: Azure DevOps, GitHub, GitHub Actions e </a:t>
+            </a:r>
+            <a:r>
+              <a:rPr kumimoji="0" lang="en-GB" sz="2750" b="0" i="0" u="none" strike="noStrike" kern="0" cap="none" spc="0" normalizeH="0" baseline="0" noProof="0" dirty="0" err="1">
+                <a:ln>
+                  <a:noFill/>
+                </a:ln>
+                <a:solidFill>
+                  <a:srgbClr val="505050"/>
+                </a:solidFill>
+                <a:effectLst/>
+                <a:uLnTx/>
+                <a:uFillTx/>
+                <a:latin typeface="Segoe UI Semilight" panose="020B0402040204020203" pitchFamily="34" charset="0"/>
+                <a:ea typeface="Calibri" panose="020F0502020204030204" pitchFamily="34" charset="0"/>
+                <a:cs typeface="Segoe UI Semilight" panose="020B0402040204020203" pitchFamily="34" charset="0"/>
+              </a:rPr>
+              <a:t>outras</a:t>
             </a:r>
             <a:r>
               <a:rPr kumimoji="0" lang="en-GB" sz="2750" b="0" i="0" u="none" strike="noStrike" kern="0" cap="none" spc="0" normalizeH="0" baseline="0" noProof="0" dirty="0">
@@ -20038,75 +19588,7 @@
                 <a:ea typeface="Calibri" panose="020F0502020204030204" pitchFamily="34" charset="0"/>
                 <a:cs typeface="Segoe UI Semilight" panose="020B0402040204020203" pitchFamily="34" charset="0"/>
               </a:rPr>
-              <a:t>sem</a:t>
-            </a:r>
-            <a:r>
-              <a:rPr kumimoji="0" lang="en-GB" sz="2750" b="0" i="0" u="none" strike="noStrike" kern="0" cap="none" spc="0" normalizeH="0" baseline="0" noProof="0" dirty="0">
-                <a:ln>
-                  <a:noFill/>
-                </a:ln>
-                <a:solidFill>
-                  <a:srgbClr val="505050"/>
-                </a:solidFill>
-                <a:effectLst/>
-                <a:uLnTx/>
-                <a:uFillTx/>
-                <a:latin typeface="Segoe UI Semilight" panose="020B0402040204020203" pitchFamily="34" charset="0"/>
-                <a:ea typeface="Calibri" panose="020F0502020204030204" pitchFamily="34" charset="0"/>
-                <a:cs typeface="Segoe UI Semilight" panose="020B0402040204020203" pitchFamily="34" charset="0"/>
-              </a:rPr>
-              <a:t> </a:t>
-            </a:r>
-            <a:r>
-              <a:rPr kumimoji="0" lang="en-GB" sz="2750" b="0" i="0" u="none" strike="noStrike" kern="0" cap="none" spc="0" normalizeH="0" baseline="0" noProof="0" dirty="0" err="1">
-                <a:ln>
-                  <a:noFill/>
-                </a:ln>
-                <a:solidFill>
-                  <a:srgbClr val="505050"/>
-                </a:solidFill>
-                <a:effectLst/>
-                <a:uLnTx/>
-                <a:uFillTx/>
-                <a:latin typeface="Segoe UI Semilight" panose="020B0402040204020203" pitchFamily="34" charset="0"/>
-                <a:ea typeface="Calibri" panose="020F0502020204030204" pitchFamily="34" charset="0"/>
-                <a:cs typeface="Segoe UI Semilight" panose="020B0402040204020203" pitchFamily="34" charset="0"/>
-              </a:rPr>
-              <a:t>custo</a:t>
-            </a:r>
-            <a:r>
-              <a:rPr kumimoji="0" lang="en-GB" sz="2750" b="0" i="0" u="none" strike="noStrike" kern="0" cap="none" spc="0" normalizeH="0" baseline="0" noProof="0" dirty="0">
-                <a:ln>
-                  <a:noFill/>
-                </a:ln>
-                <a:solidFill>
-                  <a:srgbClr val="505050"/>
-                </a:solidFill>
-                <a:effectLst/>
-                <a:uLnTx/>
-                <a:uFillTx/>
-                <a:latin typeface="Segoe UI Semilight" panose="020B0402040204020203" pitchFamily="34" charset="0"/>
-                <a:ea typeface="Calibri" panose="020F0502020204030204" pitchFamily="34" charset="0"/>
-                <a:cs typeface="Segoe UI Semilight" panose="020B0402040204020203" pitchFamily="34" charset="0"/>
-              </a:rPr>
-              <a:t> de </a:t>
-            </a:r>
-            <a:r>
-              <a:rPr kumimoji="0" lang="en-GB" sz="2750" b="0" i="0" u="none" strike="noStrike" kern="0" cap="none" spc="0" normalizeH="0" baseline="0" noProof="0" dirty="0" err="1">
-                <a:ln>
-                  <a:noFill/>
-                </a:ln>
-                <a:solidFill>
-                  <a:srgbClr val="505050"/>
-                </a:solidFill>
-                <a:effectLst/>
-                <a:uLnTx/>
-                <a:uFillTx/>
-                <a:latin typeface="Segoe UI Semilight" panose="020B0402040204020203" pitchFamily="34" charset="0"/>
-                <a:ea typeface="Calibri" panose="020F0502020204030204" pitchFamily="34" charset="0"/>
-                <a:cs typeface="Segoe UI Semilight" panose="020B0402040204020203" pitchFamily="34" charset="0"/>
-              </a:rPr>
-              <a:t>computação</a:t>
+              <a:t>opções</a:t>
             </a:r>
             <a:endParaRPr kumimoji="0" lang="en-GB" sz="2750" b="0" i="0" u="none" strike="noStrike" kern="0" cap="none" spc="0" normalizeH="0" baseline="0" noProof="0" dirty="0">
               <a:ln>
@@ -20142,6 +19624,17 @@
               <a:defRPr/>
             </a:pPr>
             <a:r>
+              <a:rPr lang="en-GB" sz="2750" kern="0" dirty="0">
+                <a:solidFill>
+                  <a:srgbClr val="505050"/>
+                </a:solidFill>
+                <a:latin typeface="Segoe UI Semilight" panose="020B0402040204020203" pitchFamily="34" charset="0"/>
+                <a:ea typeface="Calibri" panose="020F0502020204030204" pitchFamily="34" charset="0"/>
+                <a:cs typeface="Segoe UI Semilight" panose="020B0402040204020203" pitchFamily="34" charset="0"/>
+              </a:rPr>
+              <a:t>Slots, </a:t>
+            </a:r>
+            <a:r>
               <a:rPr lang="en-GB" sz="2750" kern="0" dirty="0" err="1">
                 <a:solidFill>
                   <a:srgbClr val="505050"/>
@@ -20150,158 +19643,7 @@
                 <a:ea typeface="Calibri" panose="020F0502020204030204" pitchFamily="34" charset="0"/>
                 <a:cs typeface="Segoe UI Semilight" panose="020B0402040204020203" pitchFamily="34" charset="0"/>
               </a:rPr>
-              <a:t>Tipos</a:t>
-            </a:r>
-            <a:r>
-              <a:rPr lang="en-GB" sz="2750" kern="0" dirty="0">
-                <a:solidFill>
-                  <a:srgbClr val="505050"/>
-                </a:solidFill>
-                <a:latin typeface="Segoe UI Semilight" panose="020B0402040204020203" pitchFamily="34" charset="0"/>
-                <a:ea typeface="Calibri" panose="020F0502020204030204" pitchFamily="34" charset="0"/>
-                <a:cs typeface="Segoe UI Semilight" panose="020B0402040204020203" pitchFamily="34" charset="0"/>
-              </a:rPr>
-              <a:t> de Blob:</a:t>
-            </a:r>
-          </a:p>
-          <a:p>
-            <a:pPr marL="742950" lvl="1" indent="-285750" defTabSz="914367">
-              <a:spcAft>
-                <a:spcPts val="588"/>
-              </a:spcAft>
-              <a:buFont typeface="Arial" panose="020B0604020202020204" pitchFamily="34" charset="0"/>
-              <a:buChar char="•"/>
-              <a:defRPr/>
-            </a:pPr>
-            <a:r>
-              <a:rPr kumimoji="0" lang="en-GB" sz="2750" b="0" i="0" u="none" strike="noStrike" kern="0" cap="none" spc="0" normalizeH="0" baseline="0" noProof="0" dirty="0">
-                <a:ln>
-                  <a:noFill/>
-                </a:ln>
-                <a:solidFill>
-                  <a:srgbClr val="505050"/>
-                </a:solidFill>
-                <a:effectLst/>
-                <a:uLnTx/>
-                <a:uFillTx/>
-                <a:latin typeface="Segoe UI Semilight" panose="020B0402040204020203" pitchFamily="34" charset="0"/>
-                <a:ea typeface="Calibri" panose="020F0502020204030204" pitchFamily="34" charset="0"/>
-                <a:cs typeface="Segoe UI Semilight" panose="020B0402040204020203" pitchFamily="34" charset="0"/>
-              </a:rPr>
-              <a:t>Block Blob: 4.77tb de </a:t>
-            </a:r>
-            <a:r>
-              <a:rPr kumimoji="0" lang="en-GB" sz="2750" b="0" i="0" u="none" strike="noStrike" kern="0" cap="none" spc="0" normalizeH="0" baseline="0" noProof="0" dirty="0" err="1">
-                <a:ln>
-                  <a:noFill/>
-                </a:ln>
-                <a:solidFill>
-                  <a:srgbClr val="505050"/>
-                </a:solidFill>
-                <a:effectLst/>
-                <a:uLnTx/>
-                <a:uFillTx/>
-                <a:latin typeface="Segoe UI Semilight" panose="020B0402040204020203" pitchFamily="34" charset="0"/>
-                <a:ea typeface="Calibri" panose="020F0502020204030204" pitchFamily="34" charset="0"/>
-                <a:cs typeface="Segoe UI Semilight" panose="020B0402040204020203" pitchFamily="34" charset="0"/>
-              </a:rPr>
-              <a:t>tamanho</a:t>
-            </a:r>
-            <a:r>
-              <a:rPr kumimoji="0" lang="en-GB" sz="2750" b="0" i="0" u="none" strike="noStrike" kern="0" cap="none" spc="0" normalizeH="0" baseline="0" noProof="0" dirty="0">
-                <a:ln>
-                  <a:noFill/>
-                </a:ln>
-                <a:solidFill>
-                  <a:srgbClr val="505050"/>
-                </a:solidFill>
-                <a:effectLst/>
-                <a:uLnTx/>
-                <a:uFillTx/>
-                <a:latin typeface="Segoe UI Semilight" panose="020B0402040204020203" pitchFamily="34" charset="0"/>
-                <a:ea typeface="Calibri" panose="020F0502020204030204" pitchFamily="34" charset="0"/>
-                <a:cs typeface="Segoe UI Semilight" panose="020B0402040204020203" pitchFamily="34" charset="0"/>
-              </a:rPr>
-              <a:t> m</a:t>
-            </a:r>
-            <a:r>
-              <a:rPr lang="en-GB" sz="2750" kern="0" dirty="0" err="1">
-                <a:solidFill>
-                  <a:srgbClr val="505050"/>
-                </a:solidFill>
-                <a:latin typeface="Segoe UI Semilight" panose="020B0402040204020203" pitchFamily="34" charset="0"/>
-                <a:ea typeface="Calibri" panose="020F0502020204030204" pitchFamily="34" charset="0"/>
-                <a:cs typeface="Segoe UI Semilight" panose="020B0402040204020203" pitchFamily="34" charset="0"/>
-              </a:rPr>
-              <a:t>áximo</a:t>
-            </a:r>
-            <a:r>
-              <a:rPr lang="en-GB" sz="2750" kern="0" dirty="0">
-                <a:solidFill>
-                  <a:srgbClr val="505050"/>
-                </a:solidFill>
-                <a:latin typeface="Segoe UI Semilight" panose="020B0402040204020203" pitchFamily="34" charset="0"/>
-                <a:ea typeface="Calibri" panose="020F0502020204030204" pitchFamily="34" charset="0"/>
-                <a:cs typeface="Segoe UI Semilight" panose="020B0402040204020203" pitchFamily="34" charset="0"/>
-              </a:rPr>
-              <a:t> por </a:t>
-            </a:r>
-            <a:r>
-              <a:rPr lang="en-GB" sz="2750" kern="0" dirty="0" err="1">
-                <a:solidFill>
-                  <a:srgbClr val="505050"/>
-                </a:solidFill>
-                <a:latin typeface="Segoe UI Semilight" panose="020B0402040204020203" pitchFamily="34" charset="0"/>
-                <a:ea typeface="Calibri" panose="020F0502020204030204" pitchFamily="34" charset="0"/>
-                <a:cs typeface="Segoe UI Semilight" panose="020B0402040204020203" pitchFamily="34" charset="0"/>
-              </a:rPr>
-              <a:t>arquivo</a:t>
-            </a:r>
-            <a:endParaRPr lang="en-GB" sz="2750" kern="0" dirty="0">
-              <a:solidFill>
-                <a:srgbClr val="505050"/>
-              </a:solidFill>
-              <a:latin typeface="Segoe UI Semilight" panose="020B0402040204020203" pitchFamily="34" charset="0"/>
-              <a:ea typeface="Calibri" panose="020F0502020204030204" pitchFamily="34" charset="0"/>
-              <a:cs typeface="Segoe UI Semilight" panose="020B0402040204020203" pitchFamily="34" charset="0"/>
-            </a:endParaRPr>
-          </a:p>
-          <a:p>
-            <a:pPr marL="742950" lvl="1" indent="-285750" defTabSz="914367">
-              <a:spcAft>
-                <a:spcPts val="588"/>
-              </a:spcAft>
-              <a:buFont typeface="Arial" panose="020B0604020202020204" pitchFamily="34" charset="0"/>
-              <a:buChar char="•"/>
-              <a:defRPr/>
-            </a:pPr>
-            <a:r>
-              <a:rPr kumimoji="0" lang="en-GB" sz="2750" b="0" i="0" u="none" strike="noStrike" kern="0" cap="none" spc="0" normalizeH="0" baseline="0" noProof="0" dirty="0">
-                <a:ln>
-                  <a:noFill/>
-                </a:ln>
-                <a:solidFill>
-                  <a:srgbClr val="505050"/>
-                </a:solidFill>
-                <a:effectLst/>
-                <a:uLnTx/>
-                <a:uFillTx/>
-                <a:latin typeface="Segoe UI Semilight" panose="020B0402040204020203" pitchFamily="34" charset="0"/>
-                <a:ea typeface="Calibri" panose="020F0502020204030204" pitchFamily="34" charset="0"/>
-                <a:cs typeface="Segoe UI Semilight" panose="020B0402040204020203" pitchFamily="34" charset="0"/>
-              </a:rPr>
-              <a:t>Append Blob: 195gb de </a:t>
-            </a:r>
-            <a:r>
-              <a:rPr lang="en-GB" sz="2750" kern="0" dirty="0" err="1">
-                <a:solidFill>
-                  <a:srgbClr val="505050"/>
-                </a:solidFill>
-                <a:latin typeface="Segoe UI Semilight" panose="020B0402040204020203" pitchFamily="34" charset="0"/>
-                <a:ea typeface="Calibri" panose="020F0502020204030204" pitchFamily="34" charset="0"/>
-                <a:cs typeface="Segoe UI Semilight" panose="020B0402040204020203" pitchFamily="34" charset="0"/>
-              </a:rPr>
-              <a:t>tamanho</a:t>
+              <a:t>Domínios</a:t>
             </a:r>
             <a:r>
               <a:rPr lang="en-GB" sz="2750" kern="0" dirty="0">
@@ -20323,130 +19665,7 @@
                 <a:ea typeface="Calibri" panose="020F0502020204030204" pitchFamily="34" charset="0"/>
                 <a:cs typeface="Segoe UI Semilight" panose="020B0402040204020203" pitchFamily="34" charset="0"/>
               </a:rPr>
-              <a:t>máximo</a:t>
-            </a:r>
-            <a:r>
-              <a:rPr lang="en-GB" sz="2750" kern="0" dirty="0">
-                <a:solidFill>
-                  <a:srgbClr val="505050"/>
-                </a:solidFill>
-                <a:latin typeface="Segoe UI Semilight" panose="020B0402040204020203" pitchFamily="34" charset="0"/>
-                <a:ea typeface="Calibri" panose="020F0502020204030204" pitchFamily="34" charset="0"/>
-                <a:cs typeface="Segoe UI Semilight" panose="020B0402040204020203" pitchFamily="34" charset="0"/>
-              </a:rPr>
-              <a:t> por </a:t>
-            </a:r>
-            <a:r>
-              <a:rPr lang="en-GB" sz="2750" kern="0" dirty="0" err="1">
-                <a:solidFill>
-                  <a:srgbClr val="505050"/>
-                </a:solidFill>
-                <a:latin typeface="Segoe UI Semilight" panose="020B0402040204020203" pitchFamily="34" charset="0"/>
-                <a:ea typeface="Calibri" panose="020F0502020204030204" pitchFamily="34" charset="0"/>
-                <a:cs typeface="Segoe UI Semilight" panose="020B0402040204020203" pitchFamily="34" charset="0"/>
-              </a:rPr>
-              <a:t>arquivo</a:t>
-            </a:r>
-            <a:endParaRPr lang="en-GB" sz="2750" kern="0" dirty="0">
-              <a:solidFill>
-                <a:srgbClr val="505050"/>
-              </a:solidFill>
-              <a:latin typeface="Segoe UI Semilight" panose="020B0402040204020203" pitchFamily="34" charset="0"/>
-              <a:ea typeface="Calibri" panose="020F0502020204030204" pitchFamily="34" charset="0"/>
-              <a:cs typeface="Segoe UI Semilight" panose="020B0402040204020203" pitchFamily="34" charset="0"/>
-            </a:endParaRPr>
-          </a:p>
-          <a:p>
-            <a:pPr marL="742950" lvl="1" indent="-285750" defTabSz="914367">
-              <a:spcAft>
-                <a:spcPts val="588"/>
-              </a:spcAft>
-              <a:buFont typeface="Arial" panose="020B0604020202020204" pitchFamily="34" charset="0"/>
-              <a:buChar char="•"/>
-              <a:defRPr/>
-            </a:pPr>
-            <a:r>
-              <a:rPr kumimoji="0" lang="en-GB" sz="2750" b="0" i="0" u="none" strike="noStrike" kern="0" cap="none" spc="0" normalizeH="0" baseline="0" noProof="0" dirty="0">
-                <a:ln>
-                  <a:noFill/>
-                </a:ln>
-                <a:solidFill>
-                  <a:srgbClr val="505050"/>
-                </a:solidFill>
-                <a:effectLst/>
-                <a:uLnTx/>
-                <a:uFillTx/>
-                <a:latin typeface="Segoe UI Semilight" panose="020B0402040204020203" pitchFamily="34" charset="0"/>
-                <a:ea typeface="Calibri" panose="020F0502020204030204" pitchFamily="34" charset="0"/>
-                <a:cs typeface="Segoe UI Semilight" panose="020B0402040204020203" pitchFamily="34" charset="0"/>
-              </a:rPr>
-              <a:t>Page Blob: 8</a:t>
-            </a:r>
-            <a:r>
-              <a:rPr lang="en-GB" sz="2750" kern="0" dirty="0">
-                <a:solidFill>
-                  <a:srgbClr val="505050"/>
-                </a:solidFill>
-                <a:latin typeface="Segoe UI Semilight" panose="020B0402040204020203" pitchFamily="34" charset="0"/>
-                <a:ea typeface="Calibri" panose="020F0502020204030204" pitchFamily="34" charset="0"/>
-                <a:cs typeface="Segoe UI Semilight" panose="020B0402040204020203" pitchFamily="34" charset="0"/>
-              </a:rPr>
-              <a:t>tb de </a:t>
-            </a:r>
-            <a:r>
-              <a:rPr lang="en-GB" sz="2750" kern="0" dirty="0" err="1">
-                <a:solidFill>
-                  <a:srgbClr val="505050"/>
-                </a:solidFill>
-                <a:latin typeface="Segoe UI Semilight" panose="020B0402040204020203" pitchFamily="34" charset="0"/>
-                <a:ea typeface="Calibri" panose="020F0502020204030204" pitchFamily="34" charset="0"/>
-                <a:cs typeface="Segoe UI Semilight" panose="020B0402040204020203" pitchFamily="34" charset="0"/>
-              </a:rPr>
-              <a:t>tamanho</a:t>
-            </a:r>
-            <a:r>
-              <a:rPr lang="en-GB" sz="2750" kern="0" dirty="0">
-                <a:solidFill>
-                  <a:srgbClr val="505050"/>
-                </a:solidFill>
-                <a:latin typeface="Segoe UI Semilight" panose="020B0402040204020203" pitchFamily="34" charset="0"/>
-                <a:ea typeface="Calibri" panose="020F0502020204030204" pitchFamily="34" charset="0"/>
-                <a:cs typeface="Segoe UI Semilight" panose="020B0402040204020203" pitchFamily="34" charset="0"/>
-              </a:rPr>
-              <a:t> </a:t>
-            </a:r>
-            <a:r>
-              <a:rPr lang="en-GB" sz="2750" kern="0" dirty="0" err="1">
-                <a:solidFill>
-                  <a:srgbClr val="505050"/>
-                </a:solidFill>
-                <a:latin typeface="Segoe UI Semilight" panose="020B0402040204020203" pitchFamily="34" charset="0"/>
-                <a:ea typeface="Calibri" panose="020F0502020204030204" pitchFamily="34" charset="0"/>
-                <a:cs typeface="Segoe UI Semilight" panose="020B0402040204020203" pitchFamily="34" charset="0"/>
-              </a:rPr>
-              <a:t>máximo</a:t>
-            </a:r>
-            <a:r>
-              <a:rPr lang="en-GB" sz="2750" kern="0" dirty="0">
-                <a:solidFill>
-                  <a:srgbClr val="505050"/>
-                </a:solidFill>
-                <a:latin typeface="Segoe UI Semilight" panose="020B0402040204020203" pitchFamily="34" charset="0"/>
-                <a:ea typeface="Calibri" panose="020F0502020204030204" pitchFamily="34" charset="0"/>
-                <a:cs typeface="Segoe UI Semilight" panose="020B0402040204020203" pitchFamily="34" charset="0"/>
-              </a:rPr>
-              <a:t> por </a:t>
-            </a:r>
-            <a:r>
-              <a:rPr lang="en-GB" sz="2750" kern="0" dirty="0" err="1">
-                <a:solidFill>
-                  <a:srgbClr val="505050"/>
-                </a:solidFill>
-                <a:latin typeface="Segoe UI Semilight" panose="020B0402040204020203" pitchFamily="34" charset="0"/>
-                <a:ea typeface="Calibri" panose="020F0502020204030204" pitchFamily="34" charset="0"/>
-                <a:cs typeface="Segoe UI Semilight" panose="020B0402040204020203" pitchFamily="34" charset="0"/>
-              </a:rPr>
-              <a:t>arquivo</a:t>
+              <a:t>personalizados</a:t>
             </a:r>
             <a:endParaRPr kumimoji="0" lang="en-GB" sz="2750" b="0" i="0" u="none" strike="noStrike" kern="0" cap="none" spc="0" normalizeH="0" baseline="0" noProof="0" dirty="0">
               <a:ln>
@@ -20594,7 +19813,7 @@
                 <a:latin typeface="Segoe UI Semibold" panose="020B0702040204020203" pitchFamily="34" charset="0"/>
                 <a:cs typeface="Segoe UI Semibold" panose="020B0702040204020203" pitchFamily="34" charset="0"/>
               </a:rPr>
-              <a:t>Storage - Table</a:t>
+              <a:t>Application Insights</a:t>
             </a:r>
           </a:p>
         </p:txBody>
@@ -20614,7 +19833,7 @@
         <p:spPr>
           <a:xfrm>
             <a:off x="421329" y="1343179"/>
-            <a:ext cx="9752685" cy="4661661"/>
+            <a:ext cx="9752685" cy="3507499"/>
           </a:xfrm>
           <a:prstGeom prst="rect">
             <a:avLst/>
@@ -20677,7 +19896,7 @@
               <a:defRPr/>
             </a:pPr>
             <a:r>
-              <a:rPr kumimoji="0" lang="en-US" sz="2750" b="0" i="0" u="none" strike="noStrike" kern="0" cap="none" spc="0" normalizeH="0" baseline="0" noProof="0" dirty="0">
+              <a:rPr kumimoji="0" lang="pt-BR" sz="2750" b="0" i="0" u="none" strike="noStrike" kern="0" cap="none" spc="0" normalizeH="0" baseline="0" noProof="0" dirty="0">
                 <a:ln>
                   <a:noFill/>
                 </a:ln>
@@ -20691,7 +19910,40 @@
                 <a:ea typeface="Calibri" panose="020F0502020204030204" pitchFamily="34" charset="0"/>
                 <a:cs typeface="Segoe UI Semilight" panose="020B0402040204020203" pitchFamily="34" charset="0"/>
               </a:rPr>
-              <a:t>NoSQL ( Key/Value )</a:t>
+              <a:t>Serviço </a:t>
+            </a:r>
+            <a:r>
+              <a:rPr lang="pt-BR" sz="2750" kern="0" dirty="0">
+                <a:solidFill>
+                  <a:srgbClr val="505050"/>
+                </a:solidFill>
+                <a:latin typeface="Segoe UI Semilight" panose="020B0402040204020203" pitchFamily="34" charset="0"/>
+                <a:ea typeface="Calibri" panose="020F0502020204030204" pitchFamily="34" charset="0"/>
+                <a:cs typeface="Segoe UI Semilight" panose="020B0402040204020203" pitchFamily="34" charset="0"/>
+              </a:rPr>
+              <a:t>que integra o Microsoft </a:t>
+            </a:r>
+            <a:r>
+              <a:rPr lang="pt-BR" sz="2750" kern="0" dirty="0" err="1">
+                <a:solidFill>
+                  <a:srgbClr val="505050"/>
+                </a:solidFill>
+                <a:latin typeface="Segoe UI Semilight" panose="020B0402040204020203" pitchFamily="34" charset="0"/>
+                <a:ea typeface="Calibri" panose="020F0502020204030204" pitchFamily="34" charset="0"/>
+                <a:cs typeface="Segoe UI Semilight" panose="020B0402040204020203" pitchFamily="34" charset="0"/>
+              </a:rPr>
+              <a:t>Azure</a:t>
+            </a:r>
+            <a:r>
+              <a:rPr lang="pt-BR" sz="2750" kern="0" dirty="0">
+                <a:solidFill>
+                  <a:srgbClr val="505050"/>
+                </a:solidFill>
+                <a:latin typeface="Segoe UI Semilight" panose="020B0402040204020203" pitchFamily="34" charset="0"/>
+                <a:ea typeface="Calibri" panose="020F0502020204030204" pitchFamily="34" charset="0"/>
+                <a:cs typeface="Segoe UI Semilight" panose="020B0402040204020203" pitchFamily="34" charset="0"/>
+              </a:rPr>
+              <a:t>, estando voltado ao monitoramento de aplicações Web ( sites e serviços )</a:t>
             </a:r>
           </a:p>
           <a:p>
@@ -20712,8 +19964,35 @@
               <a:tabLst/>
               <a:defRPr/>
             </a:pPr>
-            <a:r>
-              <a:rPr kumimoji="0" lang="en-GB" sz="2750" b="0" i="0" u="none" strike="noStrike" kern="0" cap="none" spc="0" normalizeH="0" baseline="0" noProof="0" dirty="0">
+            <a:endParaRPr lang="pt-BR" sz="2750" kern="0" dirty="0">
+              <a:solidFill>
+                <a:srgbClr val="505050"/>
+              </a:solidFill>
+              <a:latin typeface="Segoe UI Semilight" panose="020B0402040204020203" pitchFamily="34" charset="0"/>
+              <a:ea typeface="Calibri" panose="020F0502020204030204" pitchFamily="34" charset="0"/>
+              <a:cs typeface="Segoe UI Semilight" panose="020B0402040204020203" pitchFamily="34" charset="0"/>
+            </a:endParaRPr>
+          </a:p>
+          <a:p>
+            <a:pPr marL="285750" marR="0" lvl="0" indent="-285750" defTabSz="914367" eaLnBrk="1" fontAlgn="auto" latinLnBrk="0" hangingPunct="1">
+              <a:lnSpc>
+                <a:spcPct val="100000"/>
+              </a:lnSpc>
+              <a:spcBef>
+                <a:spcPts val="0"/>
+              </a:spcBef>
+              <a:spcAft>
+                <a:spcPts val="0"/>
+              </a:spcAft>
+              <a:buClrTx/>
+              <a:buSzTx/>
+              <a:buFont typeface="Arial" panose="020B0604020202020204" pitchFamily="34" charset="0"/>
+              <a:buChar char="•"/>
+              <a:tabLst/>
+              <a:defRPr/>
+            </a:pPr>
+            <a:r>
+              <a:rPr kumimoji="0" lang="pt-BR" sz="2750" b="0" i="0" u="none" strike="noStrike" kern="0" cap="none" spc="0" normalizeH="0" baseline="0" noProof="0" dirty="0">
                 <a:ln>
                   <a:noFill/>
                 </a:ln>
@@ -20727,7 +20006,7 @@
                 <a:ea typeface="Calibri" panose="020F0502020204030204" pitchFamily="34" charset="0"/>
                 <a:cs typeface="Segoe UI Semilight" panose="020B0402040204020203" pitchFamily="34" charset="0"/>
               </a:rPr>
-              <a:t>Schema-less design</a:t>
+              <a:t>Uso de telemetria para coleta de dados</a:t>
             </a:r>
           </a:p>
           <a:p>
@@ -20739,7 +20018,7 @@
                 <a:spcPts val="0"/>
               </a:spcBef>
               <a:spcAft>
-                <a:spcPts val="588"/>
+                <a:spcPts val="0"/>
               </a:spcAft>
               <a:buClrTx/>
               <a:buSzTx/>
@@ -20748,8 +20027,41 @@
               <a:tabLst/>
               <a:defRPr/>
             </a:pPr>
-            <a:r>
-              <a:rPr kumimoji="0" lang="en-GB" sz="2750" b="0" i="0" u="none" strike="noStrike" kern="0" cap="none" spc="0" normalizeH="0" baseline="0" noProof="0" dirty="0" err="1">
+            <a:endParaRPr kumimoji="0" lang="pt-BR" sz="2750" b="0" i="0" u="none" strike="noStrike" kern="0" cap="none" spc="0" normalizeH="0" baseline="0" noProof="0" dirty="0">
+              <a:ln>
+                <a:noFill/>
+              </a:ln>
+              <a:solidFill>
+                <a:srgbClr val="505050"/>
+              </a:solidFill>
+              <a:effectLst/>
+              <a:uLnTx/>
+              <a:uFillTx/>
+              <a:latin typeface="Segoe UI Semilight" panose="020B0402040204020203" pitchFamily="34" charset="0"/>
+              <a:ea typeface="Calibri" panose="020F0502020204030204" pitchFamily="34" charset="0"/>
+              <a:cs typeface="Segoe UI Semilight" panose="020B0402040204020203" pitchFamily="34" charset="0"/>
+            </a:endParaRPr>
+          </a:p>
+          <a:p>
+            <a:pPr marL="285750" marR="0" lvl="0" indent="-285750" defTabSz="914367" eaLnBrk="1" fontAlgn="auto" latinLnBrk="0" hangingPunct="1">
+              <a:lnSpc>
+                <a:spcPct val="100000"/>
+              </a:lnSpc>
+              <a:spcBef>
+                <a:spcPts val="0"/>
+              </a:spcBef>
+              <a:spcAft>
+                <a:spcPts val="0"/>
+              </a:spcAft>
+              <a:buClrTx/>
+              <a:buSzTx/>
+              <a:buFont typeface="Arial" panose="020B0604020202020204" pitchFamily="34" charset="0"/>
+              <a:buChar char="•"/>
+              <a:tabLst/>
+              <a:defRPr/>
+            </a:pPr>
+            <a:r>
+              <a:rPr kumimoji="0" lang="pt-BR" sz="2750" b="0" i="0" u="none" strike="noStrike" kern="0" cap="none" spc="0" normalizeH="0" baseline="0" noProof="0" dirty="0">
                 <a:ln>
                   <a:noFill/>
                 </a:ln>
@@ -20763,10 +20075,61 @@
                 <a:ea typeface="Calibri" panose="020F0502020204030204" pitchFamily="34" charset="0"/>
                 <a:cs typeface="Segoe UI Semilight" panose="020B0402040204020203" pitchFamily="34" charset="0"/>
               </a:rPr>
-              <a:t>Indexação</a:t>
-            </a:r>
-            <a:r>
-              <a:rPr kumimoji="0" lang="en-GB" sz="2750" b="0" i="0" u="none" strike="noStrike" kern="0" cap="none" spc="0" normalizeH="0" baseline="0" noProof="0" dirty="0">
+              <a:t>Tecnologias com suporte: .NET, Java, </a:t>
+            </a:r>
+            <a:r>
+              <a:rPr kumimoji="0" lang="pt-BR" sz="2750" b="0" i="0" u="none" strike="noStrike" kern="0" cap="none" spc="0" normalizeH="0" baseline="0" noProof="0" dirty="0" err="1">
+                <a:ln>
+                  <a:noFill/>
+                </a:ln>
+                <a:solidFill>
+                  <a:srgbClr val="505050"/>
+                </a:solidFill>
+                <a:effectLst/>
+                <a:uLnTx/>
+                <a:uFillTx/>
+                <a:latin typeface="Segoe UI Semilight" panose="020B0402040204020203" pitchFamily="34" charset="0"/>
+                <a:ea typeface="Calibri" panose="020F0502020204030204" pitchFamily="34" charset="0"/>
+                <a:cs typeface="Segoe UI Semilight" panose="020B0402040204020203" pitchFamily="34" charset="0"/>
+              </a:rPr>
+              <a:t>Node.JS</a:t>
+            </a:r>
+            <a:r>
+              <a:rPr kumimoji="0" lang="pt-BR" sz="2750" b="0" i="0" u="none" strike="noStrike" kern="0" cap="none" spc="0" normalizeH="0" baseline="0" noProof="0" dirty="0">
+                <a:ln>
+                  <a:noFill/>
+                </a:ln>
+                <a:solidFill>
+                  <a:srgbClr val="505050"/>
+                </a:solidFill>
+                <a:effectLst/>
+                <a:uLnTx/>
+                <a:uFillTx/>
+                <a:latin typeface="Segoe UI Semilight" panose="020B0402040204020203" pitchFamily="34" charset="0"/>
+                <a:ea typeface="Calibri" panose="020F0502020204030204" pitchFamily="34" charset="0"/>
+                <a:cs typeface="Segoe UI Semilight" panose="020B0402040204020203" pitchFamily="34" charset="0"/>
+              </a:rPr>
+              <a:t> , PHP, Ruby, Python, </a:t>
+            </a:r>
+            <a:r>
+              <a:rPr kumimoji="0" lang="pt-BR" sz="2750" b="0" i="0" u="none" strike="noStrike" kern="0" cap="none" spc="0" normalizeH="0" baseline="0" noProof="0" dirty="0" err="1">
+                <a:ln>
+                  <a:noFill/>
+                </a:ln>
+                <a:solidFill>
+                  <a:srgbClr val="505050"/>
+                </a:solidFill>
+                <a:effectLst/>
+                <a:uLnTx/>
+                <a:uFillTx/>
+                <a:latin typeface="Segoe UI Semilight" panose="020B0402040204020203" pitchFamily="34" charset="0"/>
+                <a:ea typeface="Calibri" panose="020F0502020204030204" pitchFamily="34" charset="0"/>
+                <a:cs typeface="Segoe UI Semilight" panose="020B0402040204020203" pitchFamily="34" charset="0"/>
+              </a:rPr>
+              <a:t>Azure</a:t>
+            </a:r>
+            <a:r>
+              <a:rPr kumimoji="0" lang="pt-BR" sz="2750" b="0" i="0" u="none" strike="noStrike" kern="0" cap="none" spc="0" normalizeH="0" baseline="0" noProof="0" dirty="0">
                 <a:ln>
                   <a:noFill/>
                 </a:ln>
@@ -20783,7 +20146,7 @@
               <a:t> </a:t>
             </a:r>
             <a:r>
-              <a:rPr kumimoji="0" lang="en-GB" sz="2750" b="0" i="0" u="none" strike="noStrike" kern="0" cap="none" spc="0" normalizeH="0" baseline="0" noProof="0" dirty="0" err="1">
+              <a:rPr kumimoji="0" lang="pt-BR" sz="2750" b="0" i="0" u="none" strike="noStrike" kern="0" cap="none" spc="0" normalizeH="0" baseline="0" noProof="0" dirty="0" err="1">
                 <a:ln>
                   <a:noFill/>
                 </a:ln>
@@ -20797,10 +20160,10 @@
                 <a:ea typeface="Calibri" panose="020F0502020204030204" pitchFamily="34" charset="0"/>
                 <a:cs typeface="Segoe UI Semilight" panose="020B0402040204020203" pitchFamily="34" charset="0"/>
               </a:rPr>
-              <a:t>através</a:t>
-            </a:r>
-            <a:r>
-              <a:rPr kumimoji="0" lang="en-GB" sz="2750" b="0" i="0" u="none" strike="noStrike" kern="0" cap="none" spc="0" normalizeH="0" baseline="0" noProof="0" dirty="0">
+              <a:t>App</a:t>
+            </a:r>
+            <a:r>
+              <a:rPr kumimoji="0" lang="pt-BR" sz="2750" b="0" i="0" u="none" strike="noStrike" kern="0" cap="none" spc="0" normalizeH="0" baseline="0" noProof="0" dirty="0">
                 <a:ln>
                   <a:noFill/>
                 </a:ln>
@@ -20814,10 +20177,10 @@
                 <a:ea typeface="Calibri" panose="020F0502020204030204" pitchFamily="34" charset="0"/>
                 <a:cs typeface="Segoe UI Semilight" panose="020B0402040204020203" pitchFamily="34" charset="0"/>
               </a:rPr>
-              <a:t> da </a:t>
-            </a:r>
-            <a:r>
-              <a:rPr kumimoji="0" lang="en-GB" sz="2750" b="0" i="0" u="none" strike="noStrike" kern="0" cap="none" spc="0" normalizeH="0" baseline="0" noProof="0" dirty="0" err="1">
+              <a:t> Service, </a:t>
+            </a:r>
+            <a:r>
+              <a:rPr kumimoji="0" lang="pt-BR" sz="2750" b="0" i="0" u="none" strike="noStrike" kern="0" cap="none" spc="0" normalizeH="0" baseline="0" noProof="0" dirty="0" err="1">
                 <a:ln>
                   <a:noFill/>
                 </a:ln>
@@ -20831,160 +20194,10 @@
                 <a:ea typeface="Calibri" panose="020F0502020204030204" pitchFamily="34" charset="0"/>
                 <a:cs typeface="Segoe UI Semilight" panose="020B0402040204020203" pitchFamily="34" charset="0"/>
               </a:rPr>
-              <a:t>PartitionKey</a:t>
-            </a:r>
-            <a:r>
-              <a:rPr kumimoji="0" lang="en-GB" sz="2750" b="0" i="0" u="none" strike="noStrike" kern="0" cap="none" spc="0" normalizeH="0" baseline="0" noProof="0" dirty="0">
-                <a:ln>
-                  <a:noFill/>
-                </a:ln>
-                <a:solidFill>
-                  <a:srgbClr val="505050"/>
-                </a:solidFill>
-                <a:effectLst/>
-                <a:uLnTx/>
-                <a:uFillTx/>
-                <a:latin typeface="Segoe UI Semilight" panose="020B0402040204020203" pitchFamily="34" charset="0"/>
-                <a:ea typeface="Calibri" panose="020F0502020204030204" pitchFamily="34" charset="0"/>
-                <a:cs typeface="Segoe UI Semilight" panose="020B0402040204020203" pitchFamily="34" charset="0"/>
-              </a:rPr>
-              <a:t> e </a:t>
-            </a:r>
-            <a:r>
-              <a:rPr kumimoji="0" lang="en-GB" sz="2750" b="0" i="0" u="none" strike="noStrike" kern="0" cap="none" spc="0" normalizeH="0" baseline="0" noProof="0" dirty="0" err="1">
-                <a:ln>
-                  <a:noFill/>
-                </a:ln>
-                <a:solidFill>
-                  <a:srgbClr val="505050"/>
-                </a:solidFill>
-                <a:effectLst/>
-                <a:uLnTx/>
-                <a:uFillTx/>
-                <a:latin typeface="Segoe UI Semilight" panose="020B0402040204020203" pitchFamily="34" charset="0"/>
-                <a:ea typeface="Calibri" panose="020F0502020204030204" pitchFamily="34" charset="0"/>
-                <a:cs typeface="Segoe UI Semilight" panose="020B0402040204020203" pitchFamily="34" charset="0"/>
-              </a:rPr>
-              <a:t>RowKey</a:t>
-            </a:r>
-            <a:endParaRPr kumimoji="0" lang="en-GB" sz="2750" b="0" i="0" u="none" strike="noStrike" kern="0" cap="none" spc="0" normalizeH="0" baseline="0" noProof="0" dirty="0">
-              <a:ln>
-                <a:noFill/>
-              </a:ln>
-              <a:solidFill>
-                <a:srgbClr val="505050"/>
-              </a:solidFill>
-              <a:effectLst/>
-              <a:uLnTx/>
-              <a:uFillTx/>
-              <a:latin typeface="Segoe UI Semilight" panose="020B0402040204020203" pitchFamily="34" charset="0"/>
-              <a:ea typeface="Calibri" panose="020F0502020204030204" pitchFamily="34" charset="0"/>
-              <a:cs typeface="Segoe UI Semilight" panose="020B0402040204020203" pitchFamily="34" charset="0"/>
-            </a:endParaRPr>
-          </a:p>
-          <a:p>
-            <a:pPr marL="285750" marR="0" lvl="0" indent="-285750" defTabSz="914367" eaLnBrk="1" fontAlgn="auto" latinLnBrk="0" hangingPunct="1">
-              <a:lnSpc>
-                <a:spcPct val="100000"/>
-              </a:lnSpc>
-              <a:spcBef>
-                <a:spcPts val="0"/>
-              </a:spcBef>
-              <a:spcAft>
-                <a:spcPts val="588"/>
-              </a:spcAft>
-              <a:buClrTx/>
-              <a:buSzTx/>
-              <a:buFont typeface="Arial" panose="020B0604020202020204" pitchFamily="34" charset="0"/>
-              <a:buChar char="•"/>
-              <a:tabLst/>
-              <a:defRPr/>
-            </a:pPr>
-            <a:r>
-              <a:rPr lang="en-GB" sz="2750" kern="0" dirty="0" err="1">
-                <a:solidFill>
-                  <a:srgbClr val="505050"/>
-                </a:solidFill>
-                <a:latin typeface="Segoe UI Semilight" panose="020B0402040204020203" pitchFamily="34" charset="0"/>
-                <a:ea typeface="Calibri" panose="020F0502020204030204" pitchFamily="34" charset="0"/>
-                <a:cs typeface="Segoe UI Semilight" panose="020B0402040204020203" pitchFamily="34" charset="0"/>
-              </a:rPr>
-              <a:t>Conceito</a:t>
-            </a:r>
-            <a:r>
-              <a:rPr lang="en-GB" sz="2750" kern="0" dirty="0">
-                <a:solidFill>
-                  <a:srgbClr val="505050"/>
-                </a:solidFill>
-                <a:latin typeface="Segoe UI Semilight" panose="020B0402040204020203" pitchFamily="34" charset="0"/>
-                <a:ea typeface="Calibri" panose="020F0502020204030204" pitchFamily="34" charset="0"/>
-                <a:cs typeface="Segoe UI Semilight" panose="020B0402040204020203" pitchFamily="34" charset="0"/>
-              </a:rPr>
-              <a:t>:</a:t>
-            </a:r>
-          </a:p>
-          <a:p>
-            <a:pPr marL="742950" lvl="1" indent="-285750" defTabSz="914367">
-              <a:spcAft>
-                <a:spcPts val="588"/>
-              </a:spcAft>
-              <a:buFont typeface="Arial" panose="020B0604020202020204" pitchFamily="34" charset="0"/>
-              <a:buChar char="•"/>
-              <a:defRPr/>
-            </a:pPr>
-            <a:r>
-              <a:rPr kumimoji="0" lang="en-GB" sz="2750" b="0" i="0" u="none" strike="noStrike" kern="0" cap="none" spc="0" normalizeH="0" baseline="0" noProof="0" dirty="0" err="1">
-                <a:ln>
-                  <a:noFill/>
-                </a:ln>
-                <a:solidFill>
-                  <a:srgbClr val="505050"/>
-                </a:solidFill>
-                <a:effectLst/>
-                <a:uLnTx/>
-                <a:uFillTx/>
-                <a:latin typeface="Segoe UI Semilight" panose="020B0402040204020203" pitchFamily="34" charset="0"/>
-                <a:ea typeface="Calibri" panose="020F0502020204030204" pitchFamily="34" charset="0"/>
-                <a:cs typeface="Segoe UI Semilight" panose="020B0402040204020203" pitchFamily="34" charset="0"/>
-              </a:rPr>
-              <a:t>Tabela</a:t>
-            </a:r>
-            <a:r>
-              <a:rPr kumimoji="0" lang="en-GB" sz="2750" b="0" i="0" u="none" strike="noStrike" kern="0" cap="none" spc="0" normalizeH="0" baseline="0" noProof="0" dirty="0">
-                <a:ln>
-                  <a:noFill/>
-                </a:ln>
-                <a:solidFill>
-                  <a:srgbClr val="505050"/>
-                </a:solidFill>
-                <a:effectLst/>
-                <a:uLnTx/>
-                <a:uFillTx/>
-                <a:latin typeface="Segoe UI Semilight" panose="020B0402040204020203" pitchFamily="34" charset="0"/>
-                <a:ea typeface="Calibri" panose="020F0502020204030204" pitchFamily="34" charset="0"/>
-                <a:cs typeface="Segoe UI Semilight" panose="020B0402040204020203" pitchFamily="34" charset="0"/>
-              </a:rPr>
-              <a:t>: </a:t>
-            </a:r>
-            <a:r>
-              <a:rPr kumimoji="0" lang="en-GB" sz="2750" b="0" i="0" u="none" strike="noStrike" kern="0" cap="none" spc="0" normalizeH="0" baseline="0" noProof="0" dirty="0" err="1">
-                <a:ln>
-                  <a:noFill/>
-                </a:ln>
-                <a:solidFill>
-                  <a:srgbClr val="505050"/>
-                </a:solidFill>
-                <a:effectLst/>
-                <a:uLnTx/>
-                <a:uFillTx/>
-                <a:latin typeface="Segoe UI Semilight" panose="020B0402040204020203" pitchFamily="34" charset="0"/>
-                <a:ea typeface="Calibri" panose="020F0502020204030204" pitchFamily="34" charset="0"/>
-                <a:cs typeface="Segoe UI Semilight" panose="020B0402040204020203" pitchFamily="34" charset="0"/>
-              </a:rPr>
-              <a:t>é</a:t>
-            </a:r>
-            <a:r>
-              <a:rPr kumimoji="0" lang="en-GB" sz="2750" b="0" i="0" u="none" strike="noStrike" kern="0" cap="none" spc="0" normalizeH="0" baseline="0" noProof="0" dirty="0">
+              <a:t>Azure</a:t>
+            </a:r>
+            <a:r>
+              <a:rPr kumimoji="0" lang="pt-BR" sz="2750" b="0" i="0" u="none" strike="noStrike" kern="0" cap="none" spc="0" normalizeH="0" baseline="0" noProof="0" dirty="0">
                 <a:ln>
                   <a:noFill/>
                 </a:ln>
@@ -21001,7 +20214,7 @@
               <a:t> </a:t>
             </a:r>
             <a:r>
-              <a:rPr kumimoji="0" lang="en-GB" sz="2750" b="0" i="0" u="none" strike="noStrike" kern="0" cap="none" spc="0" normalizeH="0" baseline="0" noProof="0" dirty="0" err="1">
+              <a:rPr kumimoji="0" lang="pt-BR" sz="2750" b="0" i="0" u="none" strike="noStrike" kern="0" cap="none" spc="0" normalizeH="0" baseline="0" noProof="0" dirty="0" err="1">
                 <a:ln>
                   <a:noFill/>
                 </a:ln>
@@ -21015,502 +20228,7 @@
                 <a:ea typeface="Calibri" panose="020F0502020204030204" pitchFamily="34" charset="0"/>
                 <a:cs typeface="Segoe UI Semilight" panose="020B0402040204020203" pitchFamily="34" charset="0"/>
               </a:rPr>
-              <a:t>uma</a:t>
-            </a:r>
-            <a:r>
-              <a:rPr kumimoji="0" lang="en-GB" sz="2750" b="0" i="0" u="none" strike="noStrike" kern="0" cap="none" spc="0" normalizeH="0" baseline="0" noProof="0" dirty="0">
-                <a:ln>
-                  <a:noFill/>
-                </a:ln>
-                <a:solidFill>
-                  <a:srgbClr val="505050"/>
-                </a:solidFill>
-                <a:effectLst/>
-                <a:uLnTx/>
-                <a:uFillTx/>
-                <a:latin typeface="Segoe UI Semilight" panose="020B0402040204020203" pitchFamily="34" charset="0"/>
-                <a:ea typeface="Calibri" panose="020F0502020204030204" pitchFamily="34" charset="0"/>
-                <a:cs typeface="Segoe UI Semilight" panose="020B0402040204020203" pitchFamily="34" charset="0"/>
-              </a:rPr>
-              <a:t> </a:t>
-            </a:r>
-            <a:r>
-              <a:rPr kumimoji="0" lang="en-GB" sz="2750" b="0" i="0" u="none" strike="noStrike" kern="0" cap="none" spc="0" normalizeH="0" baseline="0" noProof="0" dirty="0" err="1">
-                <a:ln>
-                  <a:noFill/>
-                </a:ln>
-                <a:solidFill>
-                  <a:srgbClr val="505050"/>
-                </a:solidFill>
-                <a:effectLst/>
-                <a:uLnTx/>
-                <a:uFillTx/>
-                <a:latin typeface="Segoe UI Semilight" panose="020B0402040204020203" pitchFamily="34" charset="0"/>
-                <a:ea typeface="Calibri" panose="020F0502020204030204" pitchFamily="34" charset="0"/>
-                <a:cs typeface="Segoe UI Semilight" panose="020B0402040204020203" pitchFamily="34" charset="0"/>
-              </a:rPr>
-              <a:t>coleção</a:t>
-            </a:r>
-            <a:r>
-              <a:rPr kumimoji="0" lang="en-GB" sz="2750" b="0" i="0" u="none" strike="noStrike" kern="0" cap="none" spc="0" normalizeH="0" baseline="0" noProof="0" dirty="0">
-                <a:ln>
-                  <a:noFill/>
-                </a:ln>
-                <a:solidFill>
-                  <a:srgbClr val="505050"/>
-                </a:solidFill>
-                <a:effectLst/>
-                <a:uLnTx/>
-                <a:uFillTx/>
-                <a:latin typeface="Segoe UI Semilight" panose="020B0402040204020203" pitchFamily="34" charset="0"/>
-                <a:ea typeface="Calibri" panose="020F0502020204030204" pitchFamily="34" charset="0"/>
-                <a:cs typeface="Segoe UI Semilight" panose="020B0402040204020203" pitchFamily="34" charset="0"/>
-              </a:rPr>
-              <a:t> de </a:t>
-            </a:r>
-            <a:r>
-              <a:rPr kumimoji="0" lang="en-GB" sz="2750" b="0" i="0" u="none" strike="noStrike" kern="0" cap="none" spc="0" normalizeH="0" baseline="0" noProof="0" dirty="0" err="1">
-                <a:ln>
-                  <a:noFill/>
-                </a:ln>
-                <a:solidFill>
-                  <a:srgbClr val="505050"/>
-                </a:solidFill>
-                <a:effectLst/>
-                <a:uLnTx/>
-                <a:uFillTx/>
-                <a:latin typeface="Segoe UI Semilight" panose="020B0402040204020203" pitchFamily="34" charset="0"/>
-                <a:ea typeface="Calibri" panose="020F0502020204030204" pitchFamily="34" charset="0"/>
-                <a:cs typeface="Segoe UI Semilight" panose="020B0402040204020203" pitchFamily="34" charset="0"/>
-              </a:rPr>
-              <a:t>entidades</a:t>
-            </a:r>
-            <a:endParaRPr lang="en-GB" sz="2750" kern="0" dirty="0">
-              <a:solidFill>
-                <a:srgbClr val="505050"/>
-              </a:solidFill>
-              <a:latin typeface="Segoe UI Semilight" panose="020B0402040204020203" pitchFamily="34" charset="0"/>
-              <a:ea typeface="Calibri" panose="020F0502020204030204" pitchFamily="34" charset="0"/>
-              <a:cs typeface="Segoe UI Semilight" panose="020B0402040204020203" pitchFamily="34" charset="0"/>
-            </a:endParaRPr>
-          </a:p>
-          <a:p>
-            <a:pPr marL="742950" lvl="1" indent="-285750" defTabSz="914367">
-              <a:spcAft>
-                <a:spcPts val="588"/>
-              </a:spcAft>
-              <a:buFont typeface="Arial" panose="020B0604020202020204" pitchFamily="34" charset="0"/>
-              <a:buChar char="•"/>
-              <a:defRPr/>
-            </a:pPr>
-            <a:r>
-              <a:rPr kumimoji="0" lang="en-GB" sz="2750" b="0" i="0" u="none" strike="noStrike" kern="0" cap="none" spc="0" normalizeH="0" baseline="0" noProof="0" dirty="0" err="1">
-                <a:ln>
-                  <a:noFill/>
-                </a:ln>
-                <a:solidFill>
-                  <a:srgbClr val="505050"/>
-                </a:solidFill>
-                <a:effectLst/>
-                <a:uLnTx/>
-                <a:uFillTx/>
-                <a:latin typeface="Segoe UI Semilight" panose="020B0402040204020203" pitchFamily="34" charset="0"/>
-                <a:ea typeface="Calibri" panose="020F0502020204030204" pitchFamily="34" charset="0"/>
-                <a:cs typeface="Segoe UI Semilight" panose="020B0402040204020203" pitchFamily="34" charset="0"/>
-              </a:rPr>
-              <a:t>Entidade</a:t>
-            </a:r>
-            <a:r>
-              <a:rPr kumimoji="0" lang="en-GB" sz="2750" b="0" i="0" u="none" strike="noStrike" kern="0" cap="none" spc="0" normalizeH="0" baseline="0" noProof="0" dirty="0">
-                <a:ln>
-                  <a:noFill/>
-                </a:ln>
-                <a:solidFill>
-                  <a:srgbClr val="505050"/>
-                </a:solidFill>
-                <a:effectLst/>
-                <a:uLnTx/>
-                <a:uFillTx/>
-                <a:latin typeface="Segoe UI Semilight" panose="020B0402040204020203" pitchFamily="34" charset="0"/>
-                <a:ea typeface="Calibri" panose="020F0502020204030204" pitchFamily="34" charset="0"/>
-                <a:cs typeface="Segoe UI Semilight" panose="020B0402040204020203" pitchFamily="34" charset="0"/>
-              </a:rPr>
-              <a:t>: </a:t>
-            </a:r>
-            <a:r>
-              <a:rPr kumimoji="0" lang="en-GB" sz="2750" b="0" i="0" u="none" strike="noStrike" kern="0" cap="none" spc="0" normalizeH="0" baseline="0" noProof="0" dirty="0" err="1">
-                <a:ln>
-                  <a:noFill/>
-                </a:ln>
-                <a:solidFill>
-                  <a:srgbClr val="505050"/>
-                </a:solidFill>
-                <a:effectLst/>
-                <a:uLnTx/>
-                <a:uFillTx/>
-                <a:latin typeface="Segoe UI Semilight" panose="020B0402040204020203" pitchFamily="34" charset="0"/>
-                <a:ea typeface="Calibri" panose="020F0502020204030204" pitchFamily="34" charset="0"/>
-                <a:cs typeface="Segoe UI Semilight" panose="020B0402040204020203" pitchFamily="34" charset="0"/>
-              </a:rPr>
-              <a:t>é</a:t>
-            </a:r>
-            <a:r>
-              <a:rPr kumimoji="0" lang="en-GB" sz="2750" b="0" i="0" u="none" strike="noStrike" kern="0" cap="none" spc="0" normalizeH="0" baseline="0" noProof="0" dirty="0">
-                <a:ln>
-                  <a:noFill/>
-                </a:ln>
-                <a:solidFill>
-                  <a:srgbClr val="505050"/>
-                </a:solidFill>
-                <a:effectLst/>
-                <a:uLnTx/>
-                <a:uFillTx/>
-                <a:latin typeface="Segoe UI Semilight" panose="020B0402040204020203" pitchFamily="34" charset="0"/>
-                <a:ea typeface="Calibri" panose="020F0502020204030204" pitchFamily="34" charset="0"/>
-                <a:cs typeface="Segoe UI Semilight" panose="020B0402040204020203" pitchFamily="34" charset="0"/>
-              </a:rPr>
-              <a:t> um conjunto de </a:t>
-            </a:r>
-            <a:r>
-              <a:rPr kumimoji="0" lang="en-GB" sz="2750" b="0" i="0" u="none" strike="noStrike" kern="0" cap="none" spc="0" normalizeH="0" baseline="0" noProof="0" dirty="0" err="1">
-                <a:ln>
-                  <a:noFill/>
-                </a:ln>
-                <a:solidFill>
-                  <a:srgbClr val="505050"/>
-                </a:solidFill>
-                <a:effectLst/>
-                <a:uLnTx/>
-                <a:uFillTx/>
-                <a:latin typeface="Segoe UI Semilight" panose="020B0402040204020203" pitchFamily="34" charset="0"/>
-                <a:ea typeface="Calibri" panose="020F0502020204030204" pitchFamily="34" charset="0"/>
-                <a:cs typeface="Segoe UI Semilight" panose="020B0402040204020203" pitchFamily="34" charset="0"/>
-              </a:rPr>
-              <a:t>propriedades</a:t>
-            </a:r>
-            <a:r>
-              <a:rPr kumimoji="0" lang="en-GB" sz="2750" b="0" i="0" u="none" strike="noStrike" kern="0" cap="none" spc="0" normalizeH="0" baseline="0" noProof="0" dirty="0">
-                <a:ln>
-                  <a:noFill/>
-                </a:ln>
-                <a:solidFill>
-                  <a:srgbClr val="505050"/>
-                </a:solidFill>
-                <a:effectLst/>
-                <a:uLnTx/>
-                <a:uFillTx/>
-                <a:latin typeface="Segoe UI Semilight" panose="020B0402040204020203" pitchFamily="34" charset="0"/>
-                <a:ea typeface="Calibri" panose="020F0502020204030204" pitchFamily="34" charset="0"/>
-                <a:cs typeface="Segoe UI Semilight" panose="020B0402040204020203" pitchFamily="34" charset="0"/>
-              </a:rPr>
-              <a:t>, similar a </a:t>
-            </a:r>
-            <a:r>
-              <a:rPr kumimoji="0" lang="en-GB" sz="2750" b="0" i="0" u="none" strike="noStrike" kern="0" cap="none" spc="0" normalizeH="0" baseline="0" noProof="0" dirty="0" err="1">
-                <a:ln>
-                  <a:noFill/>
-                </a:ln>
-                <a:solidFill>
-                  <a:srgbClr val="505050"/>
-                </a:solidFill>
-                <a:effectLst/>
-                <a:uLnTx/>
-                <a:uFillTx/>
-                <a:latin typeface="Segoe UI Semilight" panose="020B0402040204020203" pitchFamily="34" charset="0"/>
-                <a:ea typeface="Calibri" panose="020F0502020204030204" pitchFamily="34" charset="0"/>
-                <a:cs typeface="Segoe UI Semilight" panose="020B0402040204020203" pitchFamily="34" charset="0"/>
-              </a:rPr>
-              <a:t>uma</a:t>
-            </a:r>
-            <a:r>
-              <a:rPr kumimoji="0" lang="en-GB" sz="2750" b="0" i="0" u="none" strike="noStrike" kern="0" cap="none" spc="0" normalizeH="0" baseline="0" noProof="0" dirty="0">
-                <a:ln>
-                  <a:noFill/>
-                </a:ln>
-                <a:solidFill>
-                  <a:srgbClr val="505050"/>
-                </a:solidFill>
-                <a:effectLst/>
-                <a:uLnTx/>
-                <a:uFillTx/>
-                <a:latin typeface="Segoe UI Semilight" panose="020B0402040204020203" pitchFamily="34" charset="0"/>
-                <a:ea typeface="Calibri" panose="020F0502020204030204" pitchFamily="34" charset="0"/>
-                <a:cs typeface="Segoe UI Semilight" panose="020B0402040204020203" pitchFamily="34" charset="0"/>
-              </a:rPr>
-              <a:t> </a:t>
-            </a:r>
-            <a:r>
-              <a:rPr kumimoji="0" lang="en-GB" sz="2750" b="0" i="0" u="none" strike="noStrike" kern="0" cap="none" spc="0" normalizeH="0" baseline="0" noProof="0" dirty="0" err="1">
-                <a:ln>
-                  <a:noFill/>
-                </a:ln>
-                <a:solidFill>
-                  <a:srgbClr val="505050"/>
-                </a:solidFill>
-                <a:effectLst/>
-                <a:uLnTx/>
-                <a:uFillTx/>
-                <a:latin typeface="Segoe UI Semilight" panose="020B0402040204020203" pitchFamily="34" charset="0"/>
-                <a:ea typeface="Calibri" panose="020F0502020204030204" pitchFamily="34" charset="0"/>
-                <a:cs typeface="Segoe UI Semilight" panose="020B0402040204020203" pitchFamily="34" charset="0"/>
-              </a:rPr>
-              <a:t>linha</a:t>
-            </a:r>
-            <a:r>
-              <a:rPr kumimoji="0" lang="en-GB" sz="2750" b="0" i="0" u="none" strike="noStrike" kern="0" cap="none" spc="0" normalizeH="0" baseline="0" noProof="0" dirty="0">
-                <a:ln>
-                  <a:noFill/>
-                </a:ln>
-                <a:solidFill>
-                  <a:srgbClr val="505050"/>
-                </a:solidFill>
-                <a:effectLst/>
-                <a:uLnTx/>
-                <a:uFillTx/>
-                <a:latin typeface="Segoe UI Semilight" panose="020B0402040204020203" pitchFamily="34" charset="0"/>
-                <a:ea typeface="Calibri" panose="020F0502020204030204" pitchFamily="34" charset="0"/>
-                <a:cs typeface="Segoe UI Semilight" panose="020B0402040204020203" pitchFamily="34" charset="0"/>
-              </a:rPr>
-              <a:t> de banco de dados</a:t>
-            </a:r>
-            <a:endParaRPr lang="en-GB" sz="2750" kern="0" dirty="0">
-              <a:solidFill>
-                <a:srgbClr val="505050"/>
-              </a:solidFill>
-              <a:latin typeface="Segoe UI Semilight" panose="020B0402040204020203" pitchFamily="34" charset="0"/>
-              <a:ea typeface="Calibri" panose="020F0502020204030204" pitchFamily="34" charset="0"/>
-              <a:cs typeface="Segoe UI Semilight" panose="020B0402040204020203" pitchFamily="34" charset="0"/>
-            </a:endParaRPr>
-          </a:p>
-          <a:p>
-            <a:pPr marL="742950" lvl="1" indent="-285750" defTabSz="914367">
-              <a:spcAft>
-                <a:spcPts val="588"/>
-              </a:spcAft>
-              <a:buFont typeface="Arial" panose="020B0604020202020204" pitchFamily="34" charset="0"/>
-              <a:buChar char="•"/>
-              <a:defRPr/>
-            </a:pPr>
-            <a:r>
-              <a:rPr kumimoji="0" lang="en-GB" sz="2750" b="0" i="0" u="none" strike="noStrike" kern="0" cap="none" spc="0" normalizeH="0" baseline="0" noProof="0" dirty="0" err="1">
-                <a:ln>
-                  <a:noFill/>
-                </a:ln>
-                <a:solidFill>
-                  <a:srgbClr val="505050"/>
-                </a:solidFill>
-                <a:effectLst/>
-                <a:uLnTx/>
-                <a:uFillTx/>
-                <a:latin typeface="Segoe UI Semilight" panose="020B0402040204020203" pitchFamily="34" charset="0"/>
-                <a:ea typeface="Calibri" panose="020F0502020204030204" pitchFamily="34" charset="0"/>
-                <a:cs typeface="Segoe UI Semilight" panose="020B0402040204020203" pitchFamily="34" charset="0"/>
-              </a:rPr>
-              <a:t>Propriedade</a:t>
-            </a:r>
-            <a:r>
-              <a:rPr kumimoji="0" lang="en-GB" sz="2750" b="0" i="0" u="none" strike="noStrike" kern="0" cap="none" spc="0" normalizeH="0" baseline="0" noProof="0" dirty="0">
-                <a:ln>
-                  <a:noFill/>
-                </a:ln>
-                <a:solidFill>
-                  <a:srgbClr val="505050"/>
-                </a:solidFill>
-                <a:effectLst/>
-                <a:uLnTx/>
-                <a:uFillTx/>
-                <a:latin typeface="Segoe UI Semilight" panose="020B0402040204020203" pitchFamily="34" charset="0"/>
-                <a:ea typeface="Calibri" panose="020F0502020204030204" pitchFamily="34" charset="0"/>
-                <a:cs typeface="Segoe UI Semilight" panose="020B0402040204020203" pitchFamily="34" charset="0"/>
-              </a:rPr>
-              <a:t>: </a:t>
-            </a:r>
-            <a:r>
-              <a:rPr kumimoji="0" lang="en-GB" sz="2750" b="0" i="0" u="none" strike="noStrike" kern="0" cap="none" spc="0" normalizeH="0" baseline="0" noProof="0" dirty="0" err="1">
-                <a:ln>
-                  <a:noFill/>
-                </a:ln>
-                <a:solidFill>
-                  <a:srgbClr val="505050"/>
-                </a:solidFill>
-                <a:effectLst/>
-                <a:uLnTx/>
-                <a:uFillTx/>
-                <a:latin typeface="Segoe UI Semilight" panose="020B0402040204020203" pitchFamily="34" charset="0"/>
-                <a:ea typeface="Calibri" panose="020F0502020204030204" pitchFamily="34" charset="0"/>
-                <a:cs typeface="Segoe UI Semilight" panose="020B0402040204020203" pitchFamily="34" charset="0"/>
-              </a:rPr>
-              <a:t>Cada</a:t>
-            </a:r>
-            <a:r>
-              <a:rPr kumimoji="0" lang="en-GB" sz="2750" b="0" i="0" u="none" strike="noStrike" kern="0" cap="none" spc="0" normalizeH="0" baseline="0" noProof="0" dirty="0">
-                <a:ln>
-                  <a:noFill/>
-                </a:ln>
-                <a:solidFill>
-                  <a:srgbClr val="505050"/>
-                </a:solidFill>
-                <a:effectLst/>
-                <a:uLnTx/>
-                <a:uFillTx/>
-                <a:latin typeface="Segoe UI Semilight" panose="020B0402040204020203" pitchFamily="34" charset="0"/>
-                <a:ea typeface="Calibri" panose="020F0502020204030204" pitchFamily="34" charset="0"/>
-                <a:cs typeface="Segoe UI Semilight" panose="020B0402040204020203" pitchFamily="34" charset="0"/>
-              </a:rPr>
-              <a:t> </a:t>
-            </a:r>
-            <a:r>
-              <a:rPr kumimoji="0" lang="en-GB" sz="2750" b="0" i="0" u="none" strike="noStrike" kern="0" cap="none" spc="0" normalizeH="0" baseline="0" noProof="0" dirty="0" err="1">
-                <a:ln>
-                  <a:noFill/>
-                </a:ln>
-                <a:solidFill>
-                  <a:srgbClr val="505050"/>
-                </a:solidFill>
-                <a:effectLst/>
-                <a:uLnTx/>
-                <a:uFillTx/>
-                <a:latin typeface="Segoe UI Semilight" panose="020B0402040204020203" pitchFamily="34" charset="0"/>
-                <a:ea typeface="Calibri" panose="020F0502020204030204" pitchFamily="34" charset="0"/>
-                <a:cs typeface="Segoe UI Semilight" panose="020B0402040204020203" pitchFamily="34" charset="0"/>
-              </a:rPr>
-              <a:t>entdade</a:t>
-            </a:r>
-            <a:r>
-              <a:rPr kumimoji="0" lang="en-GB" sz="2750" b="0" i="0" u="none" strike="noStrike" kern="0" cap="none" spc="0" normalizeH="0" baseline="0" noProof="0" dirty="0">
-                <a:ln>
-                  <a:noFill/>
-                </a:ln>
-                <a:solidFill>
-                  <a:srgbClr val="505050"/>
-                </a:solidFill>
-                <a:effectLst/>
-                <a:uLnTx/>
-                <a:uFillTx/>
-                <a:latin typeface="Segoe UI Semilight" panose="020B0402040204020203" pitchFamily="34" charset="0"/>
-                <a:ea typeface="Calibri" panose="020F0502020204030204" pitchFamily="34" charset="0"/>
-                <a:cs typeface="Segoe UI Semilight" panose="020B0402040204020203" pitchFamily="34" charset="0"/>
-              </a:rPr>
-              <a:t> </a:t>
-            </a:r>
-            <a:r>
-              <a:rPr kumimoji="0" lang="en-GB" sz="2750" b="0" i="0" u="none" strike="noStrike" kern="0" cap="none" spc="0" normalizeH="0" baseline="0" noProof="0" dirty="0" err="1">
-                <a:ln>
-                  <a:noFill/>
-                </a:ln>
-                <a:solidFill>
-                  <a:srgbClr val="505050"/>
-                </a:solidFill>
-                <a:effectLst/>
-                <a:uLnTx/>
-                <a:uFillTx/>
-                <a:latin typeface="Segoe UI Semilight" panose="020B0402040204020203" pitchFamily="34" charset="0"/>
-                <a:ea typeface="Calibri" panose="020F0502020204030204" pitchFamily="34" charset="0"/>
-                <a:cs typeface="Segoe UI Semilight" panose="020B0402040204020203" pitchFamily="34" charset="0"/>
-              </a:rPr>
-              <a:t>pode</a:t>
-            </a:r>
-            <a:r>
-              <a:rPr kumimoji="0" lang="en-GB" sz="2750" b="0" i="0" u="none" strike="noStrike" kern="0" cap="none" spc="0" normalizeH="0" baseline="0" noProof="0" dirty="0">
-                <a:ln>
-                  <a:noFill/>
-                </a:ln>
-                <a:solidFill>
-                  <a:srgbClr val="505050"/>
-                </a:solidFill>
-                <a:effectLst/>
-                <a:uLnTx/>
-                <a:uFillTx/>
-                <a:latin typeface="Segoe UI Semilight" panose="020B0402040204020203" pitchFamily="34" charset="0"/>
-                <a:ea typeface="Calibri" panose="020F0502020204030204" pitchFamily="34" charset="0"/>
-                <a:cs typeface="Segoe UI Semilight" panose="020B0402040204020203" pitchFamily="34" charset="0"/>
-              </a:rPr>
-              <a:t> </a:t>
-            </a:r>
-            <a:r>
-              <a:rPr kumimoji="0" lang="en-GB" sz="2750" b="0" i="0" u="none" strike="noStrike" kern="0" cap="none" spc="0" normalizeH="0" baseline="0" noProof="0" dirty="0" err="1">
-                <a:ln>
-                  <a:noFill/>
-                </a:ln>
-                <a:solidFill>
-                  <a:srgbClr val="505050"/>
-                </a:solidFill>
-                <a:effectLst/>
-                <a:uLnTx/>
-                <a:uFillTx/>
-                <a:latin typeface="Segoe UI Semilight" panose="020B0402040204020203" pitchFamily="34" charset="0"/>
-                <a:ea typeface="Calibri" panose="020F0502020204030204" pitchFamily="34" charset="0"/>
-                <a:cs typeface="Segoe UI Semilight" panose="020B0402040204020203" pitchFamily="34" charset="0"/>
-              </a:rPr>
-              <a:t>incluir</a:t>
-            </a:r>
-            <a:r>
-              <a:rPr kumimoji="0" lang="en-GB" sz="2750" b="0" i="0" u="none" strike="noStrike" kern="0" cap="none" spc="0" normalizeH="0" baseline="0" noProof="0" dirty="0">
-                <a:ln>
-                  <a:noFill/>
-                </a:ln>
-                <a:solidFill>
-                  <a:srgbClr val="505050"/>
-                </a:solidFill>
-                <a:effectLst/>
-                <a:uLnTx/>
-                <a:uFillTx/>
-                <a:latin typeface="Segoe UI Semilight" panose="020B0402040204020203" pitchFamily="34" charset="0"/>
-                <a:ea typeface="Calibri" panose="020F0502020204030204" pitchFamily="34" charset="0"/>
-                <a:cs typeface="Segoe UI Semilight" panose="020B0402040204020203" pitchFamily="34" charset="0"/>
-              </a:rPr>
-              <a:t> </a:t>
-            </a:r>
-            <a:r>
-              <a:rPr kumimoji="0" lang="en-GB" sz="2750" b="0" i="0" u="none" strike="noStrike" kern="0" cap="none" spc="0" normalizeH="0" baseline="0" noProof="0" dirty="0" err="1">
-                <a:ln>
-                  <a:noFill/>
-                </a:ln>
-                <a:solidFill>
-                  <a:srgbClr val="505050"/>
-                </a:solidFill>
-                <a:effectLst/>
-                <a:uLnTx/>
-                <a:uFillTx/>
-                <a:latin typeface="Segoe UI Semilight" panose="020B0402040204020203" pitchFamily="34" charset="0"/>
-                <a:ea typeface="Calibri" panose="020F0502020204030204" pitchFamily="34" charset="0"/>
-                <a:cs typeface="Segoe UI Semilight" panose="020B0402040204020203" pitchFamily="34" charset="0"/>
-              </a:rPr>
-              <a:t>até</a:t>
-            </a:r>
-            <a:r>
-              <a:rPr kumimoji="0" lang="en-GB" sz="2750" b="0" i="0" u="none" strike="noStrike" kern="0" cap="none" spc="0" normalizeH="0" baseline="0" noProof="0" dirty="0">
-                <a:ln>
-                  <a:noFill/>
-                </a:ln>
-                <a:solidFill>
-                  <a:srgbClr val="505050"/>
-                </a:solidFill>
-                <a:effectLst/>
-                <a:uLnTx/>
-                <a:uFillTx/>
-                <a:latin typeface="Segoe UI Semilight" panose="020B0402040204020203" pitchFamily="34" charset="0"/>
-                <a:ea typeface="Calibri" panose="020F0502020204030204" pitchFamily="34" charset="0"/>
-                <a:cs typeface="Segoe UI Semilight" panose="020B0402040204020203" pitchFamily="34" charset="0"/>
-              </a:rPr>
-              <a:t> 252 </a:t>
-            </a:r>
-            <a:r>
-              <a:rPr kumimoji="0" lang="en-GB" sz="2750" b="0" i="0" u="none" strike="noStrike" kern="0" cap="none" spc="0" normalizeH="0" baseline="0" noProof="0" dirty="0" err="1">
-                <a:ln>
-                  <a:noFill/>
-                </a:ln>
-                <a:solidFill>
-                  <a:srgbClr val="505050"/>
-                </a:solidFill>
-                <a:effectLst/>
-                <a:uLnTx/>
-                <a:uFillTx/>
-                <a:latin typeface="Segoe UI Semilight" panose="020B0402040204020203" pitchFamily="34" charset="0"/>
-                <a:ea typeface="Calibri" panose="020F0502020204030204" pitchFamily="34" charset="0"/>
-                <a:cs typeface="Segoe UI Semilight" panose="020B0402040204020203" pitchFamily="34" charset="0"/>
-              </a:rPr>
-              <a:t>propriedades</a:t>
+              <a:t>Functions</a:t>
             </a:r>
             <a:endParaRPr kumimoji="0" lang="en-GB" sz="2750" b="0" i="0" u="none" strike="noStrike" kern="0" cap="none" spc="0" normalizeH="0" baseline="0" noProof="0" dirty="0">
               <a:ln>
@@ -21596,88 +20314,7 @@
       </p:grpSpPr>
       <p:sp>
         <p:nvSpPr>
-          <p:cNvPr id="5" name="Title 2">
-            <a:extLst>
-              <a:ext uri="{FF2B5EF4-FFF2-40B4-BE49-F238E27FC236}">
-                <a16:creationId xmlns:a16="http://schemas.microsoft.com/office/drawing/2014/main" id="{4774A367-9F67-4C2B-A29F-54605E3BFCCC}"/>
-              </a:ext>
-            </a:extLst>
-          </p:cNvPr>
-          <p:cNvSpPr txBox="1">
-            <a:spLocks/>
-          </p:cNvSpPr>
-          <p:nvPr/>
-        </p:nvSpPr>
-        <p:spPr>
-          <a:xfrm>
-            <a:off x="421329" y="443514"/>
-            <a:ext cx="11655840" cy="899665"/>
-          </a:xfrm>
-          <a:prstGeom prst="rect">
-            <a:avLst/>
-          </a:prstGeom>
-        </p:spPr>
-        <p:txBody>
-          <a:bodyPr vert="horz" wrap="square" lIns="146304" tIns="91440" rIns="146304" bIns="91440" rtlCol="0" anchor="t">
-            <a:noAutofit/>
-          </a:bodyPr>
-          <a:lstStyle>
-            <a:lvl1pPr algn="l" defTabSz="685692" rtl="0" eaLnBrk="1" latinLnBrk="0" hangingPunct="1">
-              <a:lnSpc>
-                <a:spcPct val="90000"/>
-              </a:lnSpc>
-              <a:spcBef>
-                <a:spcPct val="0"/>
-              </a:spcBef>
-              <a:buNone/>
-              <a:defRPr lang="en-US" sz="3970" b="0" kern="1200" cap="none" spc="-75" baseline="0" dirty="0" smtClean="0">
-                <a:ln w="3175">
-                  <a:noFill/>
-                </a:ln>
-                <a:gradFill>
-                  <a:gsLst>
-                    <a:gs pos="1250">
-                      <a:schemeClr val="tx1"/>
-                    </a:gs>
-                    <a:gs pos="100000">
-                      <a:schemeClr val="tx1"/>
-                    </a:gs>
-                  </a:gsLst>
-                  <a:lin ang="5400000" scaled="0"/>
-                </a:gradFill>
-                <a:effectLst/>
-                <a:latin typeface="+mj-lt"/>
-                <a:ea typeface="+mn-ea"/>
-                <a:cs typeface="Segoe UI" pitchFamily="34" charset="0"/>
-              </a:defRPr>
-            </a:lvl1pPr>
-          </a:lstStyle>
-          <a:p>
-            <a:r>
-              <a:rPr lang="en-US" dirty="0">
-                <a:latin typeface="Segoe UI Semibold" panose="020B0702040204020203" pitchFamily="34" charset="0"/>
-                <a:cs typeface="Segoe UI Semibold" panose="020B0702040204020203" pitchFamily="34" charset="0"/>
-              </a:rPr>
-              <a:t>Storage -QUEUE</a:t>
-            </a:r>
-          </a:p>
-          <a:p>
-            <a:endParaRPr lang="en-US" dirty="0">
-              <a:latin typeface="Segoe UI Semibold" panose="020B0702040204020203" pitchFamily="34" charset="0"/>
-              <a:cs typeface="Segoe UI Semibold" panose="020B0702040204020203" pitchFamily="34" charset="0"/>
-            </a:endParaRPr>
-          </a:p>
-        </p:txBody>
-      </p:sp>
-      <p:sp>
-        <p:nvSpPr>
-          <p:cNvPr id="2" name="Title 1" hidden="1">
-            <a:extLst>
-              <a:ext uri="{FF2B5EF4-FFF2-40B4-BE49-F238E27FC236}">
-                <a16:creationId xmlns:a16="http://schemas.microsoft.com/office/drawing/2014/main" id="{2CC14988-42DA-4966-8C15-24A11D4C19B0}"/>
-              </a:ext>
-            </a:extLst>
-          </p:cNvPr>
+          <p:cNvPr id="2" name="Title 1"/>
           <p:cNvSpPr>
             <a:spLocks noGrp="1"/>
           </p:cNvSpPr>
@@ -21685,452 +20322,66 @@
             <p:ph type="title"/>
           </p:nvPr>
         </p:nvSpPr>
-        <p:spPr/>
+        <p:spPr>
+          <a:xfrm>
+            <a:off x="269239" y="2084172"/>
+            <a:ext cx="11653523" cy="3117200"/>
+          </a:xfrm>
+        </p:spPr>
         <p:txBody>
           <a:bodyPr/>
           <a:lstStyle/>
           <a:p>
             <a:r>
               <a:rPr lang="en-US" dirty="0">
-                <a:latin typeface="Segoe UI Semibold" panose="020B0702040204020203" pitchFamily="34" charset="0"/>
-                <a:cs typeface="Segoe UI Semibold" panose="020B0702040204020203" pitchFamily="34" charset="0"/>
+                <a:solidFill>
+                  <a:schemeClr val="bg1"/>
+                </a:solidFill>
               </a:rPr>
-              <a:t>Whiteboard design session walk-through</a:t>
-            </a:r>
-            <a:endParaRPr lang="en-US" dirty="0"/>
-          </a:p>
-        </p:txBody>
-      </p:sp>
-      <p:sp>
-        <p:nvSpPr>
-          <p:cNvPr id="7" name="Rectangle 3">
-            <a:extLst>
-              <a:ext uri="{FF2B5EF4-FFF2-40B4-BE49-F238E27FC236}">
-                <a16:creationId xmlns:a16="http://schemas.microsoft.com/office/drawing/2014/main" id="{8095550C-0821-5346-A1F3-95897DBA0B8D}"/>
-              </a:ext>
-            </a:extLst>
-          </p:cNvPr>
-          <p:cNvSpPr/>
-          <p:nvPr/>
-        </p:nvSpPr>
-        <p:spPr>
-          <a:xfrm>
-            <a:off x="421329" y="1343179"/>
-            <a:ext cx="9752685" cy="2314864"/>
-          </a:xfrm>
-          <a:prstGeom prst="rect">
-            <a:avLst/>
-          </a:prstGeom>
-        </p:spPr>
-        <p:txBody>
-          <a:bodyPr wrap="square">
-            <a:spAutoFit/>
-          </a:bodyPr>
-          <a:lstStyle/>
-          <a:p>
-            <a:pPr marL="0" marR="0" lvl="0" indent="0" defTabSz="914367" eaLnBrk="1" fontAlgn="auto" latinLnBrk="0" hangingPunct="1">
-              <a:lnSpc>
-                <a:spcPct val="107000"/>
-              </a:lnSpc>
-              <a:spcBef>
-                <a:spcPts val="0"/>
-              </a:spcBef>
-              <a:spcAft>
-                <a:spcPts val="0"/>
-              </a:spcAft>
-              <a:buClrTx/>
-              <a:buSzTx/>
-              <a:buFontTx/>
-              <a:buNone/>
-              <a:tabLst/>
-              <a:defRPr/>
-            </a:pPr>
-            <a:endParaRPr kumimoji="0" lang="en-US" sz="2750" b="0" i="0" u="none" strike="noStrike" kern="0" cap="none" spc="0" normalizeH="0" baseline="0" noProof="0" dirty="0">
-              <a:ln>
-                <a:noFill/>
-              </a:ln>
+              <a:t>Hands-on lab</a:t>
+            </a:r>
+            <a:br>
+              <a:rPr lang="en-US" dirty="0">
+                <a:solidFill>
+                  <a:schemeClr val="bg1"/>
+                </a:solidFill>
+              </a:rPr>
+            </a:br>
+            <a:r>
+              <a:rPr lang="en-US" dirty="0">
+                <a:solidFill>
+                  <a:schemeClr val="bg1"/>
+                </a:solidFill>
+              </a:rPr>
+              <a:t>Azure App Services</a:t>
+            </a:r>
+            <a:br>
+              <a:rPr lang="en-US" dirty="0">
+                <a:solidFill>
+                  <a:schemeClr val="bg1"/>
+                </a:solidFill>
+              </a:rPr>
+            </a:br>
+            <a:r>
+              <a:rPr lang="en-US" dirty="0">
+                <a:solidFill>
+                  <a:schemeClr val="bg1"/>
+                </a:solidFill>
+              </a:rPr>
+              <a:t>Application </a:t>
+            </a:r>
+            <a:r>
+              <a:rPr lang="en-US" dirty="0" err="1">
+                <a:solidFill>
+                  <a:schemeClr val="bg1"/>
+                </a:solidFill>
+              </a:rPr>
+              <a:t>Insigths</a:t>
+            </a:r>
+            <a:endParaRPr lang="en-US" dirty="0">
               <a:solidFill>
-                <a:srgbClr val="505050"/>
+                <a:schemeClr val="bg1"/>
               </a:solidFill>
-              <a:effectLst/>
-              <a:uLnTx/>
-              <a:uFillTx/>
-              <a:latin typeface="Segoe UI Semilight" panose="020B0402040204020203" pitchFamily="34" charset="0"/>
-              <a:ea typeface="Calibri" panose="020F0502020204030204" pitchFamily="34" charset="0"/>
-              <a:cs typeface="Segoe UI Semilight" panose="020B0402040204020203" pitchFamily="34" charset="0"/>
-            </a:endParaRPr>
-          </a:p>
-          <a:p>
-            <a:pPr marL="285750" marR="0" lvl="0" indent="-285750" defTabSz="914367" eaLnBrk="1" fontAlgn="auto" latinLnBrk="0" hangingPunct="1">
-              <a:lnSpc>
-                <a:spcPct val="100000"/>
-              </a:lnSpc>
-              <a:spcBef>
-                <a:spcPts val="0"/>
-              </a:spcBef>
-              <a:spcAft>
-                <a:spcPts val="0"/>
-              </a:spcAft>
-              <a:buClrTx/>
-              <a:buSzTx/>
-              <a:buFont typeface="Arial" panose="020B0604020202020204" pitchFamily="34" charset="0"/>
-              <a:buChar char="•"/>
-              <a:tabLst/>
-              <a:defRPr/>
-            </a:pPr>
-            <a:r>
-              <a:rPr kumimoji="0" lang="en-US" sz="2750" b="0" i="0" u="none" strike="noStrike" kern="0" cap="none" spc="0" normalizeH="0" baseline="0" noProof="0" dirty="0" err="1">
-                <a:ln>
-                  <a:noFill/>
-                </a:ln>
-                <a:solidFill>
-                  <a:srgbClr val="505050"/>
-                </a:solidFill>
-                <a:effectLst/>
-                <a:uLnTx/>
-                <a:uFillTx/>
-                <a:latin typeface="Segoe UI Semilight" panose="020B0402040204020203" pitchFamily="34" charset="0"/>
-                <a:ea typeface="Calibri" panose="020F0502020204030204" pitchFamily="34" charset="0"/>
-                <a:cs typeface="Segoe UI Semilight" panose="020B0402040204020203" pitchFamily="34" charset="0"/>
-              </a:rPr>
-              <a:t>Serviço</a:t>
-            </a:r>
-            <a:r>
-              <a:rPr kumimoji="0" lang="en-US" sz="2750" b="0" i="0" u="none" strike="noStrike" kern="0" cap="none" spc="0" normalizeH="0" baseline="0" noProof="0" dirty="0">
-                <a:ln>
-                  <a:noFill/>
-                </a:ln>
-                <a:solidFill>
-                  <a:srgbClr val="505050"/>
-                </a:solidFill>
-                <a:effectLst/>
-                <a:uLnTx/>
-                <a:uFillTx/>
-                <a:latin typeface="Segoe UI Semilight" panose="020B0402040204020203" pitchFamily="34" charset="0"/>
-                <a:ea typeface="Calibri" panose="020F0502020204030204" pitchFamily="34" charset="0"/>
-                <a:cs typeface="Segoe UI Semilight" panose="020B0402040204020203" pitchFamily="34" charset="0"/>
-              </a:rPr>
-              <a:t> de </a:t>
-            </a:r>
-            <a:r>
-              <a:rPr kumimoji="0" lang="en-US" sz="2750" b="0" i="0" u="none" strike="noStrike" kern="0" cap="none" spc="0" normalizeH="0" baseline="0" noProof="0" dirty="0" err="1">
-                <a:ln>
-                  <a:noFill/>
-                </a:ln>
-                <a:solidFill>
-                  <a:srgbClr val="505050"/>
-                </a:solidFill>
-                <a:effectLst/>
-                <a:uLnTx/>
-                <a:uFillTx/>
-                <a:latin typeface="Segoe UI Semilight" panose="020B0402040204020203" pitchFamily="34" charset="0"/>
-                <a:ea typeface="Calibri" panose="020F0502020204030204" pitchFamily="34" charset="0"/>
-                <a:cs typeface="Segoe UI Semilight" panose="020B0402040204020203" pitchFamily="34" charset="0"/>
-              </a:rPr>
-              <a:t>mensageria</a:t>
-            </a:r>
-            <a:r>
-              <a:rPr kumimoji="0" lang="en-US" sz="2750" b="0" i="0" u="none" strike="noStrike" kern="0" cap="none" spc="0" normalizeH="0" baseline="0" noProof="0" dirty="0">
-                <a:ln>
-                  <a:noFill/>
-                </a:ln>
-                <a:solidFill>
-                  <a:srgbClr val="505050"/>
-                </a:solidFill>
-                <a:effectLst/>
-                <a:uLnTx/>
-                <a:uFillTx/>
-                <a:latin typeface="Segoe UI Semilight" panose="020B0402040204020203" pitchFamily="34" charset="0"/>
-                <a:ea typeface="Calibri" panose="020F0502020204030204" pitchFamily="34" charset="0"/>
-                <a:cs typeface="Segoe UI Semilight" panose="020B0402040204020203" pitchFamily="34" charset="0"/>
-              </a:rPr>
-              <a:t> </a:t>
-            </a:r>
-            <a:r>
-              <a:rPr kumimoji="0" lang="en-US" sz="2750" b="0" i="0" u="none" strike="noStrike" kern="0" cap="none" spc="0" normalizeH="0" baseline="0" noProof="0" dirty="0" err="1">
-                <a:ln>
-                  <a:noFill/>
-                </a:ln>
-                <a:solidFill>
-                  <a:srgbClr val="505050"/>
-                </a:solidFill>
-                <a:effectLst/>
-                <a:uLnTx/>
-                <a:uFillTx/>
-                <a:latin typeface="Segoe UI Semilight" panose="020B0402040204020203" pitchFamily="34" charset="0"/>
-                <a:ea typeface="Calibri" panose="020F0502020204030204" pitchFamily="34" charset="0"/>
-                <a:cs typeface="Segoe UI Semilight" panose="020B0402040204020203" pitchFamily="34" charset="0"/>
-              </a:rPr>
-              <a:t>disponível</a:t>
-            </a:r>
-            <a:r>
-              <a:rPr kumimoji="0" lang="en-US" sz="2750" b="0" i="0" u="none" strike="noStrike" kern="0" cap="none" spc="0" normalizeH="0" baseline="0" noProof="0" dirty="0">
-                <a:ln>
-                  <a:noFill/>
-                </a:ln>
-                <a:solidFill>
-                  <a:srgbClr val="505050"/>
-                </a:solidFill>
-                <a:effectLst/>
-                <a:uLnTx/>
-                <a:uFillTx/>
-                <a:latin typeface="Segoe UI Semilight" panose="020B0402040204020203" pitchFamily="34" charset="0"/>
-                <a:ea typeface="Calibri" panose="020F0502020204030204" pitchFamily="34" charset="0"/>
-                <a:cs typeface="Segoe UI Semilight" panose="020B0402040204020203" pitchFamily="34" charset="0"/>
-              </a:rPr>
-              <a:t> no Azure Storage</a:t>
-            </a:r>
-          </a:p>
-          <a:p>
-            <a:pPr marL="285750" marR="0" lvl="0" indent="-285750" defTabSz="914367" eaLnBrk="1" fontAlgn="auto" latinLnBrk="0" hangingPunct="1">
-              <a:lnSpc>
-                <a:spcPct val="100000"/>
-              </a:lnSpc>
-              <a:spcBef>
-                <a:spcPts val="0"/>
-              </a:spcBef>
-              <a:spcAft>
-                <a:spcPts val="0"/>
-              </a:spcAft>
-              <a:buClrTx/>
-              <a:buSzTx/>
-              <a:buFont typeface="Arial" panose="020B0604020202020204" pitchFamily="34" charset="0"/>
-              <a:buChar char="•"/>
-              <a:tabLst/>
-              <a:defRPr/>
-            </a:pPr>
-            <a:r>
-              <a:rPr kumimoji="0" lang="en-GB" sz="2750" b="0" i="0" u="none" strike="noStrike" kern="0" cap="none" spc="0" normalizeH="0" baseline="0" noProof="0" dirty="0" err="1">
-                <a:ln>
-                  <a:noFill/>
-                </a:ln>
-                <a:solidFill>
-                  <a:srgbClr val="505050"/>
-                </a:solidFill>
-                <a:effectLst/>
-                <a:uLnTx/>
-                <a:uFillTx/>
-                <a:latin typeface="Segoe UI Semilight" panose="020B0402040204020203" pitchFamily="34" charset="0"/>
-                <a:ea typeface="Calibri" panose="020F0502020204030204" pitchFamily="34" charset="0"/>
-                <a:cs typeface="Segoe UI Semilight" panose="020B0402040204020203" pitchFamily="34" charset="0"/>
-              </a:rPr>
-              <a:t>Utilizadas</a:t>
-            </a:r>
-            <a:r>
-              <a:rPr lang="en-GB" sz="2750" kern="0" dirty="0">
-                <a:solidFill>
-                  <a:srgbClr val="505050"/>
-                </a:solidFill>
-                <a:latin typeface="Segoe UI Semilight" panose="020B0402040204020203" pitchFamily="34" charset="0"/>
-                <a:ea typeface="Calibri" panose="020F0502020204030204" pitchFamily="34" charset="0"/>
-                <a:cs typeface="Segoe UI Semilight" panose="020B0402040204020203" pitchFamily="34" charset="0"/>
-              </a:rPr>
-              <a:t> para </a:t>
-            </a:r>
-            <a:r>
-              <a:rPr lang="en-GB" sz="2750" kern="0" dirty="0" err="1">
-                <a:solidFill>
-                  <a:srgbClr val="505050"/>
-                </a:solidFill>
-                <a:latin typeface="Segoe UI Semilight" panose="020B0402040204020203" pitchFamily="34" charset="0"/>
-                <a:ea typeface="Calibri" panose="020F0502020204030204" pitchFamily="34" charset="0"/>
-                <a:cs typeface="Segoe UI Semilight" panose="020B0402040204020203" pitchFamily="34" charset="0"/>
-              </a:rPr>
-              <a:t>processamento</a:t>
-            </a:r>
-            <a:r>
-              <a:rPr lang="en-GB" sz="2750" kern="0" dirty="0">
-                <a:solidFill>
-                  <a:srgbClr val="505050"/>
-                </a:solidFill>
-                <a:latin typeface="Segoe UI Semilight" panose="020B0402040204020203" pitchFamily="34" charset="0"/>
-                <a:ea typeface="Calibri" panose="020F0502020204030204" pitchFamily="34" charset="0"/>
-                <a:cs typeface="Segoe UI Semilight" panose="020B0402040204020203" pitchFamily="34" charset="0"/>
-              </a:rPr>
-              <a:t> </a:t>
-            </a:r>
-            <a:r>
-              <a:rPr lang="en-GB" sz="2750" kern="0" dirty="0" err="1">
-                <a:solidFill>
-                  <a:srgbClr val="505050"/>
-                </a:solidFill>
-                <a:latin typeface="Segoe UI Semilight" panose="020B0402040204020203" pitchFamily="34" charset="0"/>
-                <a:ea typeface="Calibri" panose="020F0502020204030204" pitchFamily="34" charset="0"/>
-                <a:cs typeface="Segoe UI Semilight" panose="020B0402040204020203" pitchFamily="34" charset="0"/>
-              </a:rPr>
-              <a:t>assíncrono</a:t>
-            </a:r>
-            <a:endParaRPr kumimoji="0" lang="en-GB" sz="2750" b="0" i="0" u="none" strike="noStrike" kern="0" cap="none" spc="0" normalizeH="0" baseline="0" noProof="0" dirty="0">
-              <a:ln>
-                <a:noFill/>
-              </a:ln>
-              <a:solidFill>
-                <a:srgbClr val="505050"/>
-              </a:solidFill>
-              <a:effectLst/>
-              <a:uLnTx/>
-              <a:uFillTx/>
-              <a:latin typeface="Segoe UI Semilight" panose="020B0402040204020203" pitchFamily="34" charset="0"/>
-              <a:ea typeface="Calibri" panose="020F0502020204030204" pitchFamily="34" charset="0"/>
-              <a:cs typeface="Segoe UI Semilight" panose="020B0402040204020203" pitchFamily="34" charset="0"/>
-            </a:endParaRPr>
-          </a:p>
-          <a:p>
-            <a:pPr marL="285750" marR="0" lvl="0" indent="-285750" defTabSz="914367" eaLnBrk="1" fontAlgn="auto" latinLnBrk="0" hangingPunct="1">
-              <a:lnSpc>
-                <a:spcPct val="100000"/>
-              </a:lnSpc>
-              <a:spcBef>
-                <a:spcPts val="0"/>
-              </a:spcBef>
-              <a:spcAft>
-                <a:spcPts val="588"/>
-              </a:spcAft>
-              <a:buClrTx/>
-              <a:buSzTx/>
-              <a:buFont typeface="Arial" panose="020B0604020202020204" pitchFamily="34" charset="0"/>
-              <a:buChar char="•"/>
-              <a:tabLst/>
-              <a:defRPr/>
-            </a:pPr>
-            <a:r>
-              <a:rPr kumimoji="0" lang="en-GB" sz="2750" b="0" i="0" u="none" strike="noStrike" kern="0" cap="none" spc="0" normalizeH="0" baseline="0" noProof="0" dirty="0" err="1">
-                <a:ln>
-                  <a:noFill/>
-                </a:ln>
-                <a:solidFill>
-                  <a:srgbClr val="505050"/>
-                </a:solidFill>
-                <a:effectLst/>
-                <a:uLnTx/>
-                <a:uFillTx/>
-                <a:latin typeface="Segoe UI Semilight" panose="020B0402040204020203" pitchFamily="34" charset="0"/>
-                <a:ea typeface="Calibri" panose="020F0502020204030204" pitchFamily="34" charset="0"/>
-                <a:cs typeface="Segoe UI Semilight" panose="020B0402040204020203" pitchFamily="34" charset="0"/>
-              </a:rPr>
-              <a:t>Mensagens</a:t>
-            </a:r>
-            <a:r>
-              <a:rPr kumimoji="0" lang="en-GB" sz="2750" b="0" i="0" u="none" strike="noStrike" kern="0" cap="none" spc="0" normalizeH="0" baseline="0" noProof="0" dirty="0">
-                <a:ln>
-                  <a:noFill/>
-                </a:ln>
-                <a:solidFill>
-                  <a:srgbClr val="505050"/>
-                </a:solidFill>
-                <a:effectLst/>
-                <a:uLnTx/>
-                <a:uFillTx/>
-                <a:latin typeface="Segoe UI Semilight" panose="020B0402040204020203" pitchFamily="34" charset="0"/>
-                <a:ea typeface="Calibri" panose="020F0502020204030204" pitchFamily="34" charset="0"/>
-                <a:cs typeface="Segoe UI Semilight" panose="020B0402040204020203" pitchFamily="34" charset="0"/>
-              </a:rPr>
-              <a:t> de </a:t>
-            </a:r>
-            <a:r>
-              <a:rPr kumimoji="0" lang="en-GB" sz="2750" b="0" i="0" u="none" strike="noStrike" kern="0" cap="none" spc="0" normalizeH="0" baseline="0" noProof="0" dirty="0" err="1">
-                <a:ln>
-                  <a:noFill/>
-                </a:ln>
-                <a:solidFill>
-                  <a:srgbClr val="505050"/>
-                </a:solidFill>
-                <a:effectLst/>
-                <a:uLnTx/>
-                <a:uFillTx/>
-                <a:latin typeface="Segoe UI Semilight" panose="020B0402040204020203" pitchFamily="34" charset="0"/>
-                <a:ea typeface="Calibri" panose="020F0502020204030204" pitchFamily="34" charset="0"/>
-                <a:cs typeface="Segoe UI Semilight" panose="020B0402040204020203" pitchFamily="34" charset="0"/>
-              </a:rPr>
-              <a:t>até</a:t>
-            </a:r>
-            <a:r>
-              <a:rPr kumimoji="0" lang="en-GB" sz="2750" b="0" i="0" u="none" strike="noStrike" kern="0" cap="none" spc="0" normalizeH="0" baseline="0" noProof="0" dirty="0">
-                <a:ln>
-                  <a:noFill/>
-                </a:ln>
-                <a:solidFill>
-                  <a:srgbClr val="505050"/>
-                </a:solidFill>
-                <a:effectLst/>
-                <a:uLnTx/>
-                <a:uFillTx/>
-                <a:latin typeface="Segoe UI Semilight" panose="020B0402040204020203" pitchFamily="34" charset="0"/>
-                <a:ea typeface="Calibri" panose="020F0502020204030204" pitchFamily="34" charset="0"/>
-                <a:cs typeface="Segoe UI Semilight" panose="020B0402040204020203" pitchFamily="34" charset="0"/>
-              </a:rPr>
-              <a:t> 64 kb</a:t>
-            </a:r>
-          </a:p>
-          <a:p>
-            <a:pPr marL="285750" marR="0" lvl="0" indent="-285750" defTabSz="914367" eaLnBrk="1" fontAlgn="auto" latinLnBrk="0" hangingPunct="1">
-              <a:lnSpc>
-                <a:spcPct val="100000"/>
-              </a:lnSpc>
-              <a:spcBef>
-                <a:spcPts val="0"/>
-              </a:spcBef>
-              <a:spcAft>
-                <a:spcPts val="588"/>
-              </a:spcAft>
-              <a:buClrTx/>
-              <a:buSzTx/>
-              <a:buFont typeface="Arial" panose="020B0604020202020204" pitchFamily="34" charset="0"/>
-              <a:buChar char="•"/>
-              <a:tabLst/>
-              <a:defRPr/>
-            </a:pPr>
-            <a:r>
-              <a:rPr lang="en-GB" sz="2750" kern="0" dirty="0">
-                <a:solidFill>
-                  <a:srgbClr val="505050"/>
-                </a:solidFill>
-                <a:latin typeface="Segoe UI Semilight" panose="020B0402040204020203" pitchFamily="34" charset="0"/>
-                <a:ea typeface="Calibri" panose="020F0502020204030204" pitchFamily="34" charset="0"/>
-                <a:cs typeface="Segoe UI Semilight" panose="020B0402040204020203" pitchFamily="34" charset="0"/>
-              </a:rPr>
-              <a:t>7 </a:t>
-            </a:r>
-            <a:r>
-              <a:rPr lang="en-GB" sz="2750" kern="0" dirty="0" err="1">
-                <a:solidFill>
-                  <a:srgbClr val="505050"/>
-                </a:solidFill>
-                <a:latin typeface="Segoe UI Semilight" panose="020B0402040204020203" pitchFamily="34" charset="0"/>
-                <a:ea typeface="Calibri" panose="020F0502020204030204" pitchFamily="34" charset="0"/>
-                <a:cs typeface="Segoe UI Semilight" panose="020B0402040204020203" pitchFamily="34" charset="0"/>
-              </a:rPr>
-              <a:t>dias</a:t>
-            </a:r>
-            <a:r>
-              <a:rPr lang="en-GB" sz="2750" kern="0" dirty="0">
-                <a:solidFill>
-                  <a:srgbClr val="505050"/>
-                </a:solidFill>
-                <a:latin typeface="Segoe UI Semilight" panose="020B0402040204020203" pitchFamily="34" charset="0"/>
-                <a:ea typeface="Calibri" panose="020F0502020204030204" pitchFamily="34" charset="0"/>
-                <a:cs typeface="Segoe UI Semilight" panose="020B0402040204020203" pitchFamily="34" charset="0"/>
-              </a:rPr>
-              <a:t> de tempo de </a:t>
-            </a:r>
-            <a:r>
-              <a:rPr lang="en-GB" sz="2750" kern="0" dirty="0" err="1">
-                <a:solidFill>
-                  <a:srgbClr val="505050"/>
-                </a:solidFill>
-                <a:latin typeface="Segoe UI Semilight" panose="020B0402040204020203" pitchFamily="34" charset="0"/>
-                <a:ea typeface="Calibri" panose="020F0502020204030204" pitchFamily="34" charset="0"/>
-                <a:cs typeface="Segoe UI Semilight" panose="020B0402040204020203" pitchFamily="34" charset="0"/>
-              </a:rPr>
-              <a:t>armazenamento</a:t>
-            </a:r>
-            <a:endParaRPr lang="en-GB" sz="2750" kern="0" dirty="0">
-              <a:solidFill>
-                <a:srgbClr val="505050"/>
-              </a:solidFill>
-              <a:latin typeface="Segoe UI Semilight" panose="020B0402040204020203" pitchFamily="34" charset="0"/>
-              <a:ea typeface="Calibri" panose="020F0502020204030204" pitchFamily="34" charset="0"/>
-              <a:cs typeface="Segoe UI Semilight" panose="020B0402040204020203" pitchFamily="34" charset="0"/>
             </a:endParaRPr>
           </a:p>
         </p:txBody>
@@ -22138,16 +20389,21 @@
     </p:spTree>
     <p:extLst>
       <p:ext uri="{BB962C8B-B14F-4D97-AF65-F5344CB8AC3E}">
-        <p14:creationId xmlns:p14="http://schemas.microsoft.com/office/powerpoint/2010/main" val="823523667"/>
+        <p14:creationId xmlns:p14="http://schemas.microsoft.com/office/powerpoint/2010/main" val="3605032694"/>
       </p:ext>
     </p:extLst>
   </p:cSld>
   <p:clrMapOvr>
     <a:masterClrMapping/>
   </p:clrMapOvr>
-  <p:transition>
-    <p:fade/>
-  </p:transition>
+  <mc:AlternateContent xmlns:mc="http://schemas.openxmlformats.org/markup-compatibility/2006" xmlns:p14="http://schemas.microsoft.com/office/powerpoint/2010/main">
+    <mc:Choice Requires="p14">
+      <p:transition p14:dur="0"/>
+    </mc:Choice>
+    <mc:Fallback xmlns="">
+      <p:transition/>
+    </mc:Fallback>
+  </mc:AlternateContent>
 </p:sld>
 </file>
 
@@ -22168,1385 +20424,10 @@
           <a:chExt cx="0" cy="0"/>
         </a:xfrm>
       </p:grpSpPr>
-      <p:sp>
-        <p:nvSpPr>
-          <p:cNvPr id="5" name="Title 2">
-            <a:extLst>
-              <a:ext uri="{FF2B5EF4-FFF2-40B4-BE49-F238E27FC236}">
-                <a16:creationId xmlns:a16="http://schemas.microsoft.com/office/drawing/2014/main" id="{4774A367-9F67-4C2B-A29F-54605E3BFCCC}"/>
-              </a:ext>
-            </a:extLst>
-          </p:cNvPr>
-          <p:cNvSpPr txBox="1">
-            <a:spLocks/>
-          </p:cNvSpPr>
-          <p:nvPr/>
-        </p:nvSpPr>
-        <p:spPr>
-          <a:xfrm>
-            <a:off x="421329" y="443514"/>
-            <a:ext cx="11655840" cy="899665"/>
-          </a:xfrm>
-          <a:prstGeom prst="rect">
-            <a:avLst/>
-          </a:prstGeom>
-        </p:spPr>
-        <p:txBody>
-          <a:bodyPr vert="horz" wrap="square" lIns="146304" tIns="91440" rIns="146304" bIns="91440" rtlCol="0" anchor="t">
-            <a:noAutofit/>
-          </a:bodyPr>
-          <a:lstStyle>
-            <a:lvl1pPr algn="l" defTabSz="685692" rtl="0" eaLnBrk="1" latinLnBrk="0" hangingPunct="1">
-              <a:lnSpc>
-                <a:spcPct val="90000"/>
-              </a:lnSpc>
-              <a:spcBef>
-                <a:spcPct val="0"/>
-              </a:spcBef>
-              <a:buNone/>
-              <a:defRPr lang="en-US" sz="3970" b="0" kern="1200" cap="none" spc="-75" baseline="0" dirty="0" smtClean="0">
-                <a:ln w="3175">
-                  <a:noFill/>
-                </a:ln>
-                <a:gradFill>
-                  <a:gsLst>
-                    <a:gs pos="1250">
-                      <a:schemeClr val="tx1"/>
-                    </a:gs>
-                    <a:gs pos="100000">
-                      <a:schemeClr val="tx1"/>
-                    </a:gs>
-                  </a:gsLst>
-                  <a:lin ang="5400000" scaled="0"/>
-                </a:gradFill>
-                <a:effectLst/>
-                <a:latin typeface="+mj-lt"/>
-                <a:ea typeface="+mn-ea"/>
-                <a:cs typeface="Segoe UI" pitchFamily="34" charset="0"/>
-              </a:defRPr>
-            </a:lvl1pPr>
-          </a:lstStyle>
-          <a:p>
-            <a:r>
-              <a:rPr lang="en-US" dirty="0">
-                <a:latin typeface="Segoe UI Semibold" panose="020B0702040204020203" pitchFamily="34" charset="0"/>
-                <a:cs typeface="Segoe UI Semibold" panose="020B0702040204020203" pitchFamily="34" charset="0"/>
-              </a:rPr>
-              <a:t>Storage -FILE</a:t>
-            </a:r>
-          </a:p>
-          <a:p>
-            <a:endParaRPr lang="en-US" dirty="0">
-              <a:latin typeface="Segoe UI Semibold" panose="020B0702040204020203" pitchFamily="34" charset="0"/>
-              <a:cs typeface="Segoe UI Semibold" panose="020B0702040204020203" pitchFamily="34" charset="0"/>
-            </a:endParaRPr>
-          </a:p>
-        </p:txBody>
-      </p:sp>
-      <p:sp>
-        <p:nvSpPr>
-          <p:cNvPr id="2" name="Title 1" hidden="1">
-            <a:extLst>
-              <a:ext uri="{FF2B5EF4-FFF2-40B4-BE49-F238E27FC236}">
-                <a16:creationId xmlns:a16="http://schemas.microsoft.com/office/drawing/2014/main" id="{2CC14988-42DA-4966-8C15-24A11D4C19B0}"/>
-              </a:ext>
-            </a:extLst>
-          </p:cNvPr>
-          <p:cNvSpPr>
-            <a:spLocks noGrp="1"/>
-          </p:cNvSpPr>
-          <p:nvPr>
-            <p:ph type="title"/>
-          </p:nvPr>
-        </p:nvSpPr>
-        <p:spPr/>
-        <p:txBody>
-          <a:bodyPr/>
-          <a:lstStyle/>
-          <a:p>
-            <a:r>
-              <a:rPr lang="en-US" dirty="0">
-                <a:latin typeface="Segoe UI Semibold" panose="020B0702040204020203" pitchFamily="34" charset="0"/>
-                <a:cs typeface="Segoe UI Semibold" panose="020B0702040204020203" pitchFamily="34" charset="0"/>
-              </a:rPr>
-              <a:t>Whiteboard design session walk-through</a:t>
-            </a:r>
-            <a:endParaRPr lang="en-US" dirty="0"/>
-          </a:p>
-        </p:txBody>
-      </p:sp>
-      <p:sp>
-        <p:nvSpPr>
-          <p:cNvPr id="7" name="Rectangle 3">
-            <a:extLst>
-              <a:ext uri="{FF2B5EF4-FFF2-40B4-BE49-F238E27FC236}">
-                <a16:creationId xmlns:a16="http://schemas.microsoft.com/office/drawing/2014/main" id="{8095550C-0821-5346-A1F3-95897DBA0B8D}"/>
-              </a:ext>
-            </a:extLst>
-          </p:cNvPr>
-          <p:cNvSpPr/>
-          <p:nvPr/>
-        </p:nvSpPr>
-        <p:spPr>
-          <a:xfrm>
-            <a:off x="421329" y="1343179"/>
-            <a:ext cx="9752685" cy="2738057"/>
-          </a:xfrm>
-          <a:prstGeom prst="rect">
-            <a:avLst/>
-          </a:prstGeom>
-        </p:spPr>
-        <p:txBody>
-          <a:bodyPr wrap="square">
-            <a:spAutoFit/>
-          </a:bodyPr>
-          <a:lstStyle/>
-          <a:p>
-            <a:pPr marL="0" marR="0" lvl="0" indent="0" defTabSz="914367" eaLnBrk="1" fontAlgn="auto" latinLnBrk="0" hangingPunct="1">
-              <a:lnSpc>
-                <a:spcPct val="107000"/>
-              </a:lnSpc>
-              <a:spcBef>
-                <a:spcPts val="0"/>
-              </a:spcBef>
-              <a:spcAft>
-                <a:spcPts val="0"/>
-              </a:spcAft>
-              <a:buClrTx/>
-              <a:buSzTx/>
-              <a:buFontTx/>
-              <a:buNone/>
-              <a:tabLst/>
-              <a:defRPr/>
-            </a:pPr>
-            <a:endParaRPr kumimoji="0" lang="en-US" sz="2750" b="0" i="0" u="none" strike="noStrike" kern="0" cap="none" spc="0" normalizeH="0" baseline="0" noProof="0" dirty="0">
-              <a:ln>
-                <a:noFill/>
-              </a:ln>
-              <a:solidFill>
-                <a:srgbClr val="505050"/>
-              </a:solidFill>
-              <a:effectLst/>
-              <a:uLnTx/>
-              <a:uFillTx/>
-              <a:latin typeface="Segoe UI Semilight" panose="020B0402040204020203" pitchFamily="34" charset="0"/>
-              <a:ea typeface="Calibri" panose="020F0502020204030204" pitchFamily="34" charset="0"/>
-              <a:cs typeface="Segoe UI Semilight" panose="020B0402040204020203" pitchFamily="34" charset="0"/>
-            </a:endParaRPr>
-          </a:p>
-          <a:p>
-            <a:pPr marL="285750" marR="0" lvl="0" indent="-285750" defTabSz="914367" eaLnBrk="1" fontAlgn="auto" latinLnBrk="0" hangingPunct="1">
-              <a:lnSpc>
-                <a:spcPct val="100000"/>
-              </a:lnSpc>
-              <a:spcBef>
-                <a:spcPts val="0"/>
-              </a:spcBef>
-              <a:spcAft>
-                <a:spcPts val="0"/>
-              </a:spcAft>
-              <a:buClrTx/>
-              <a:buSzTx/>
-              <a:buFont typeface="Arial" panose="020B0604020202020204" pitchFamily="34" charset="0"/>
-              <a:buChar char="•"/>
-              <a:tabLst/>
-              <a:defRPr/>
-            </a:pPr>
-            <a:r>
-              <a:rPr kumimoji="0" lang="en-US" sz="2750" b="0" i="0" u="none" strike="noStrike" kern="0" cap="none" spc="0" normalizeH="0" baseline="0" noProof="0" dirty="0" err="1">
-                <a:ln>
-                  <a:noFill/>
-                </a:ln>
-                <a:solidFill>
-                  <a:srgbClr val="505050"/>
-                </a:solidFill>
-                <a:effectLst/>
-                <a:uLnTx/>
-                <a:uFillTx/>
-                <a:latin typeface="Segoe UI Semilight" panose="020B0402040204020203" pitchFamily="34" charset="0"/>
-                <a:ea typeface="Calibri" panose="020F0502020204030204" pitchFamily="34" charset="0"/>
-                <a:cs typeface="Segoe UI Semilight" panose="020B0402040204020203" pitchFamily="34" charset="0"/>
-              </a:rPr>
-              <a:t>Serviço</a:t>
-            </a:r>
-            <a:r>
-              <a:rPr kumimoji="0" lang="en-US" sz="2750" b="0" i="0" u="none" strike="noStrike" kern="0" cap="none" spc="0" normalizeH="0" baseline="0" noProof="0" dirty="0">
-                <a:ln>
-                  <a:noFill/>
-                </a:ln>
-                <a:solidFill>
-                  <a:srgbClr val="505050"/>
-                </a:solidFill>
-                <a:effectLst/>
-                <a:uLnTx/>
-                <a:uFillTx/>
-                <a:latin typeface="Segoe UI Semilight" panose="020B0402040204020203" pitchFamily="34" charset="0"/>
-                <a:ea typeface="Calibri" panose="020F0502020204030204" pitchFamily="34" charset="0"/>
-                <a:cs typeface="Segoe UI Semilight" panose="020B0402040204020203" pitchFamily="34" charset="0"/>
-              </a:rPr>
-              <a:t> de </a:t>
-            </a:r>
-            <a:r>
-              <a:rPr kumimoji="0" lang="en-US" sz="2750" b="0" i="0" u="none" strike="noStrike" kern="0" cap="none" spc="0" normalizeH="0" baseline="0" noProof="0" dirty="0" err="1">
-                <a:ln>
-                  <a:noFill/>
-                </a:ln>
-                <a:solidFill>
-                  <a:srgbClr val="505050"/>
-                </a:solidFill>
-                <a:effectLst/>
-                <a:uLnTx/>
-                <a:uFillTx/>
-                <a:latin typeface="Segoe UI Semilight" panose="020B0402040204020203" pitchFamily="34" charset="0"/>
-                <a:ea typeface="Calibri" panose="020F0502020204030204" pitchFamily="34" charset="0"/>
-                <a:cs typeface="Segoe UI Semilight" panose="020B0402040204020203" pitchFamily="34" charset="0"/>
-              </a:rPr>
-              <a:t>compartilhamento</a:t>
-            </a:r>
-            <a:r>
-              <a:rPr kumimoji="0" lang="en-US" sz="2750" b="0" i="0" u="none" strike="noStrike" kern="0" cap="none" spc="0" normalizeH="0" baseline="0" noProof="0" dirty="0">
-                <a:ln>
-                  <a:noFill/>
-                </a:ln>
-                <a:solidFill>
-                  <a:srgbClr val="505050"/>
-                </a:solidFill>
-                <a:effectLst/>
-                <a:uLnTx/>
-                <a:uFillTx/>
-                <a:latin typeface="Segoe UI Semilight" panose="020B0402040204020203" pitchFamily="34" charset="0"/>
-                <a:ea typeface="Calibri" panose="020F0502020204030204" pitchFamily="34" charset="0"/>
-                <a:cs typeface="Segoe UI Semilight" panose="020B0402040204020203" pitchFamily="34" charset="0"/>
-              </a:rPr>
-              <a:t> de </a:t>
-            </a:r>
-            <a:r>
-              <a:rPr kumimoji="0" lang="en-US" sz="2750" b="0" i="0" u="none" strike="noStrike" kern="0" cap="none" spc="0" normalizeH="0" baseline="0" noProof="0" dirty="0" err="1">
-                <a:ln>
-                  <a:noFill/>
-                </a:ln>
-                <a:solidFill>
-                  <a:srgbClr val="505050"/>
-                </a:solidFill>
-                <a:effectLst/>
-                <a:uLnTx/>
-                <a:uFillTx/>
-                <a:latin typeface="Segoe UI Semilight" panose="020B0402040204020203" pitchFamily="34" charset="0"/>
-                <a:ea typeface="Calibri" panose="020F0502020204030204" pitchFamily="34" charset="0"/>
-                <a:cs typeface="Segoe UI Semilight" panose="020B0402040204020203" pitchFamily="34" charset="0"/>
-              </a:rPr>
-              <a:t>arquivos</a:t>
-            </a:r>
-            <a:r>
-              <a:rPr kumimoji="0" lang="en-US" sz="2750" b="0" i="0" u="none" strike="noStrike" kern="0" cap="none" spc="0" normalizeH="0" baseline="0" noProof="0" dirty="0">
-                <a:ln>
-                  <a:noFill/>
-                </a:ln>
-                <a:solidFill>
-                  <a:srgbClr val="505050"/>
-                </a:solidFill>
-                <a:effectLst/>
-                <a:uLnTx/>
-                <a:uFillTx/>
-                <a:latin typeface="Segoe UI Semilight" panose="020B0402040204020203" pitchFamily="34" charset="0"/>
-                <a:ea typeface="Calibri" panose="020F0502020204030204" pitchFamily="34" charset="0"/>
-                <a:cs typeface="Segoe UI Semilight" panose="020B0402040204020203" pitchFamily="34" charset="0"/>
-              </a:rPr>
-              <a:t> </a:t>
-            </a:r>
-            <a:r>
-              <a:rPr kumimoji="0" lang="en-US" sz="2750" b="0" i="0" u="none" strike="noStrike" kern="0" cap="none" spc="0" normalizeH="0" baseline="0" noProof="0" dirty="0" err="1">
-                <a:ln>
-                  <a:noFill/>
-                </a:ln>
-                <a:solidFill>
-                  <a:srgbClr val="505050"/>
-                </a:solidFill>
-                <a:effectLst/>
-                <a:uLnTx/>
-                <a:uFillTx/>
-                <a:latin typeface="Segoe UI Semilight" panose="020B0402040204020203" pitchFamily="34" charset="0"/>
-                <a:ea typeface="Calibri" panose="020F0502020204030204" pitchFamily="34" charset="0"/>
-                <a:cs typeface="Segoe UI Semilight" panose="020B0402040204020203" pitchFamily="34" charset="0"/>
-              </a:rPr>
-              <a:t>através</a:t>
-            </a:r>
-            <a:r>
-              <a:rPr kumimoji="0" lang="en-US" sz="2750" b="0" i="0" u="none" strike="noStrike" kern="0" cap="none" spc="0" normalizeH="0" baseline="0" noProof="0" dirty="0">
-                <a:ln>
-                  <a:noFill/>
-                </a:ln>
-                <a:solidFill>
-                  <a:srgbClr val="505050"/>
-                </a:solidFill>
-                <a:effectLst/>
-                <a:uLnTx/>
-                <a:uFillTx/>
-                <a:latin typeface="Segoe UI Semilight" panose="020B0402040204020203" pitchFamily="34" charset="0"/>
-                <a:ea typeface="Calibri" panose="020F0502020204030204" pitchFamily="34" charset="0"/>
-                <a:cs typeface="Segoe UI Semilight" panose="020B0402040204020203" pitchFamily="34" charset="0"/>
-              </a:rPr>
-              <a:t> do protocol SMB</a:t>
-            </a:r>
-          </a:p>
-          <a:p>
-            <a:pPr marL="285750" marR="0" lvl="0" indent="-285750" defTabSz="914367" eaLnBrk="1" fontAlgn="auto" latinLnBrk="0" hangingPunct="1">
-              <a:lnSpc>
-                <a:spcPct val="100000"/>
-              </a:lnSpc>
-              <a:spcBef>
-                <a:spcPts val="0"/>
-              </a:spcBef>
-              <a:spcAft>
-                <a:spcPts val="0"/>
-              </a:spcAft>
-              <a:buClrTx/>
-              <a:buSzTx/>
-              <a:buFont typeface="Arial" panose="020B0604020202020204" pitchFamily="34" charset="0"/>
-              <a:buChar char="•"/>
-              <a:tabLst/>
-              <a:defRPr/>
-            </a:pPr>
-            <a:r>
-              <a:rPr kumimoji="0" lang="en-GB" sz="2750" b="0" i="0" u="none" strike="noStrike" kern="0" cap="none" spc="0" normalizeH="0" baseline="0" noProof="0" dirty="0">
-                <a:ln>
-                  <a:noFill/>
-                </a:ln>
-                <a:solidFill>
-                  <a:srgbClr val="505050"/>
-                </a:solidFill>
-                <a:effectLst/>
-                <a:uLnTx/>
-                <a:uFillTx/>
-                <a:latin typeface="Segoe UI Semilight" panose="020B0402040204020203" pitchFamily="34" charset="0"/>
-                <a:ea typeface="Calibri" panose="020F0502020204030204" pitchFamily="34" charset="0"/>
-                <a:cs typeface="Segoe UI Semilight" panose="020B0402040204020203" pitchFamily="34" charset="0"/>
-              </a:rPr>
-              <a:t>1TB de </a:t>
-            </a:r>
-            <a:r>
-              <a:rPr kumimoji="0" lang="en-GB" sz="2750" b="0" i="0" u="none" strike="noStrike" kern="0" cap="none" spc="0" normalizeH="0" baseline="0" noProof="0" dirty="0" err="1">
-                <a:ln>
-                  <a:noFill/>
-                </a:ln>
-                <a:solidFill>
-                  <a:srgbClr val="505050"/>
-                </a:solidFill>
-                <a:effectLst/>
-                <a:uLnTx/>
-                <a:uFillTx/>
-                <a:latin typeface="Segoe UI Semilight" panose="020B0402040204020203" pitchFamily="34" charset="0"/>
-                <a:ea typeface="Calibri" panose="020F0502020204030204" pitchFamily="34" charset="0"/>
-                <a:cs typeface="Segoe UI Semilight" panose="020B0402040204020203" pitchFamily="34" charset="0"/>
-              </a:rPr>
-              <a:t>tamanho</a:t>
-            </a:r>
-            <a:r>
-              <a:rPr kumimoji="0" lang="en-GB" sz="2750" b="0" i="0" u="none" strike="noStrike" kern="0" cap="none" spc="0" normalizeH="0" baseline="0" noProof="0" dirty="0">
-                <a:ln>
-                  <a:noFill/>
-                </a:ln>
-                <a:solidFill>
-                  <a:srgbClr val="505050"/>
-                </a:solidFill>
-                <a:effectLst/>
-                <a:uLnTx/>
-                <a:uFillTx/>
-                <a:latin typeface="Segoe UI Semilight" panose="020B0402040204020203" pitchFamily="34" charset="0"/>
-                <a:ea typeface="Calibri" panose="020F0502020204030204" pitchFamily="34" charset="0"/>
-                <a:cs typeface="Segoe UI Semilight" panose="020B0402040204020203" pitchFamily="34" charset="0"/>
-              </a:rPr>
-              <a:t> </a:t>
-            </a:r>
-            <a:r>
-              <a:rPr kumimoji="0" lang="en-GB" sz="2750" b="0" i="0" u="none" strike="noStrike" kern="0" cap="none" spc="0" normalizeH="0" baseline="0" noProof="0" dirty="0" err="1">
-                <a:ln>
-                  <a:noFill/>
-                </a:ln>
-                <a:solidFill>
-                  <a:srgbClr val="505050"/>
-                </a:solidFill>
-                <a:effectLst/>
-                <a:uLnTx/>
-                <a:uFillTx/>
-                <a:latin typeface="Segoe UI Semilight" panose="020B0402040204020203" pitchFamily="34" charset="0"/>
-                <a:ea typeface="Calibri" panose="020F0502020204030204" pitchFamily="34" charset="0"/>
-                <a:cs typeface="Segoe UI Semilight" panose="020B0402040204020203" pitchFamily="34" charset="0"/>
-              </a:rPr>
-              <a:t>máximo</a:t>
-            </a:r>
-            <a:r>
-              <a:rPr kumimoji="0" lang="en-GB" sz="2750" b="0" i="0" u="none" strike="noStrike" kern="0" cap="none" spc="0" normalizeH="0" baseline="0" noProof="0" dirty="0">
-                <a:ln>
-                  <a:noFill/>
-                </a:ln>
-                <a:solidFill>
-                  <a:srgbClr val="505050"/>
-                </a:solidFill>
-                <a:effectLst/>
-                <a:uLnTx/>
-                <a:uFillTx/>
-                <a:latin typeface="Segoe UI Semilight" panose="020B0402040204020203" pitchFamily="34" charset="0"/>
-                <a:ea typeface="Calibri" panose="020F0502020204030204" pitchFamily="34" charset="0"/>
-                <a:cs typeface="Segoe UI Semilight" panose="020B0402040204020203" pitchFamily="34" charset="0"/>
-              </a:rPr>
-              <a:t> por </a:t>
-            </a:r>
-            <a:r>
-              <a:rPr kumimoji="0" lang="en-GB" sz="2750" b="0" i="0" u="none" strike="noStrike" kern="0" cap="none" spc="0" normalizeH="0" baseline="0" noProof="0" dirty="0" err="1">
-                <a:ln>
-                  <a:noFill/>
-                </a:ln>
-                <a:solidFill>
-                  <a:srgbClr val="505050"/>
-                </a:solidFill>
-                <a:effectLst/>
-                <a:uLnTx/>
-                <a:uFillTx/>
-                <a:latin typeface="Segoe UI Semilight" panose="020B0402040204020203" pitchFamily="34" charset="0"/>
-                <a:ea typeface="Calibri" panose="020F0502020204030204" pitchFamily="34" charset="0"/>
-                <a:cs typeface="Segoe UI Semilight" panose="020B0402040204020203" pitchFamily="34" charset="0"/>
-              </a:rPr>
-              <a:t>arquivo</a:t>
-            </a:r>
-            <a:endParaRPr kumimoji="0" lang="en-GB" sz="2750" b="0" i="0" u="none" strike="noStrike" kern="0" cap="none" spc="0" normalizeH="0" baseline="0" noProof="0" dirty="0">
-              <a:ln>
-                <a:noFill/>
-              </a:ln>
-              <a:solidFill>
-                <a:srgbClr val="505050"/>
-              </a:solidFill>
-              <a:effectLst/>
-              <a:uLnTx/>
-              <a:uFillTx/>
-              <a:latin typeface="Segoe UI Semilight" panose="020B0402040204020203" pitchFamily="34" charset="0"/>
-              <a:ea typeface="Calibri" panose="020F0502020204030204" pitchFamily="34" charset="0"/>
-              <a:cs typeface="Segoe UI Semilight" panose="020B0402040204020203" pitchFamily="34" charset="0"/>
-            </a:endParaRPr>
-          </a:p>
-          <a:p>
-            <a:pPr marL="285750" marR="0" lvl="0" indent="-285750" defTabSz="914367" eaLnBrk="1" fontAlgn="auto" latinLnBrk="0" hangingPunct="1">
-              <a:lnSpc>
-                <a:spcPct val="100000"/>
-              </a:lnSpc>
-              <a:spcBef>
-                <a:spcPts val="0"/>
-              </a:spcBef>
-              <a:spcAft>
-                <a:spcPts val="588"/>
-              </a:spcAft>
-              <a:buClrTx/>
-              <a:buSzTx/>
-              <a:buFont typeface="Arial" panose="020B0604020202020204" pitchFamily="34" charset="0"/>
-              <a:buChar char="•"/>
-              <a:tabLst/>
-              <a:defRPr/>
-            </a:pPr>
-            <a:r>
-              <a:rPr kumimoji="0" lang="en-GB" sz="2750" b="0" i="0" u="none" strike="noStrike" kern="0" cap="none" spc="0" normalizeH="0" baseline="0" noProof="0" dirty="0" err="1">
-                <a:ln>
-                  <a:noFill/>
-                </a:ln>
-                <a:solidFill>
-                  <a:srgbClr val="505050"/>
-                </a:solidFill>
-                <a:effectLst/>
-                <a:uLnTx/>
-                <a:uFillTx/>
-                <a:latin typeface="Segoe UI Semilight" panose="020B0402040204020203" pitchFamily="34" charset="0"/>
-                <a:ea typeface="Calibri" panose="020F0502020204030204" pitchFamily="34" charset="0"/>
-                <a:cs typeface="Segoe UI Semilight" panose="020B0402040204020203" pitchFamily="34" charset="0"/>
-              </a:rPr>
-              <a:t>Sincronização</a:t>
-            </a:r>
-            <a:r>
-              <a:rPr kumimoji="0" lang="en-GB" sz="2750" b="0" i="0" u="none" strike="noStrike" kern="0" cap="none" spc="0" normalizeH="0" baseline="0" noProof="0" dirty="0">
-                <a:ln>
-                  <a:noFill/>
-                </a:ln>
-                <a:solidFill>
-                  <a:srgbClr val="505050"/>
-                </a:solidFill>
-                <a:effectLst/>
-                <a:uLnTx/>
-                <a:uFillTx/>
-                <a:latin typeface="Segoe UI Semilight" panose="020B0402040204020203" pitchFamily="34" charset="0"/>
-                <a:ea typeface="Calibri" panose="020F0502020204030204" pitchFamily="34" charset="0"/>
-                <a:cs typeface="Segoe UI Semilight" panose="020B0402040204020203" pitchFamily="34" charset="0"/>
-              </a:rPr>
-              <a:t> de </a:t>
-            </a:r>
-            <a:r>
-              <a:rPr kumimoji="0" lang="en-GB" sz="2750" b="0" i="0" u="none" strike="noStrike" kern="0" cap="none" spc="0" normalizeH="0" baseline="0" noProof="0" dirty="0" err="1">
-                <a:ln>
-                  <a:noFill/>
-                </a:ln>
-                <a:solidFill>
-                  <a:srgbClr val="505050"/>
-                </a:solidFill>
-                <a:effectLst/>
-                <a:uLnTx/>
-                <a:uFillTx/>
-                <a:latin typeface="Segoe UI Semilight" panose="020B0402040204020203" pitchFamily="34" charset="0"/>
-                <a:ea typeface="Calibri" panose="020F0502020204030204" pitchFamily="34" charset="0"/>
-                <a:cs typeface="Segoe UI Semilight" panose="020B0402040204020203" pitchFamily="34" charset="0"/>
-              </a:rPr>
-              <a:t>Arquivos</a:t>
-            </a:r>
-            <a:r>
-              <a:rPr kumimoji="0" lang="en-GB" sz="2750" b="0" i="0" u="none" strike="noStrike" kern="0" cap="none" spc="0" normalizeH="0" baseline="0" noProof="0" dirty="0">
-                <a:ln>
-                  <a:noFill/>
-                </a:ln>
-                <a:solidFill>
-                  <a:srgbClr val="505050"/>
-                </a:solidFill>
-                <a:effectLst/>
-                <a:uLnTx/>
-                <a:uFillTx/>
-                <a:latin typeface="Segoe UI Semilight" panose="020B0402040204020203" pitchFamily="34" charset="0"/>
-                <a:ea typeface="Calibri" panose="020F0502020204030204" pitchFamily="34" charset="0"/>
-                <a:cs typeface="Segoe UI Semilight" panose="020B0402040204020203" pitchFamily="34" charset="0"/>
-              </a:rPr>
-              <a:t> </a:t>
-            </a:r>
-            <a:r>
-              <a:rPr kumimoji="0" lang="en-GB" sz="2750" b="0" i="0" u="none" strike="noStrike" kern="0" cap="none" spc="0" normalizeH="0" baseline="0" noProof="0" dirty="0" err="1">
-                <a:ln>
-                  <a:noFill/>
-                </a:ln>
-                <a:solidFill>
-                  <a:srgbClr val="505050"/>
-                </a:solidFill>
-                <a:effectLst/>
-                <a:uLnTx/>
-                <a:uFillTx/>
-                <a:latin typeface="Segoe UI Semilight" panose="020B0402040204020203" pitchFamily="34" charset="0"/>
-                <a:ea typeface="Calibri" panose="020F0502020204030204" pitchFamily="34" charset="0"/>
-                <a:cs typeface="Segoe UI Semilight" panose="020B0402040204020203" pitchFamily="34" charset="0"/>
-              </a:rPr>
-              <a:t>através</a:t>
-            </a:r>
-            <a:r>
-              <a:rPr kumimoji="0" lang="en-GB" sz="2750" b="0" i="0" u="none" strike="noStrike" kern="0" cap="none" spc="0" normalizeH="0" baseline="0" noProof="0" dirty="0">
-                <a:ln>
-                  <a:noFill/>
-                </a:ln>
-                <a:solidFill>
-                  <a:srgbClr val="505050"/>
-                </a:solidFill>
-                <a:effectLst/>
-                <a:uLnTx/>
-                <a:uFillTx/>
-                <a:latin typeface="Segoe UI Semilight" panose="020B0402040204020203" pitchFamily="34" charset="0"/>
-                <a:ea typeface="Calibri" panose="020F0502020204030204" pitchFamily="34" charset="0"/>
-                <a:cs typeface="Segoe UI Semilight" panose="020B0402040204020203" pitchFamily="34" charset="0"/>
-              </a:rPr>
-              <a:t> do Azure File Sync</a:t>
-            </a:r>
-          </a:p>
-          <a:p>
-            <a:pPr marR="0" lvl="0" defTabSz="914367" eaLnBrk="1" fontAlgn="auto" latinLnBrk="0" hangingPunct="1">
-              <a:lnSpc>
-                <a:spcPct val="100000"/>
-              </a:lnSpc>
-              <a:spcBef>
-                <a:spcPts val="0"/>
-              </a:spcBef>
-              <a:spcAft>
-                <a:spcPts val="588"/>
-              </a:spcAft>
-              <a:buClrTx/>
-              <a:buSzTx/>
-              <a:tabLst/>
-              <a:defRPr/>
-            </a:pPr>
-            <a:endParaRPr lang="en-GB" sz="2750" kern="0" dirty="0">
-              <a:solidFill>
-                <a:srgbClr val="505050"/>
-              </a:solidFill>
-              <a:latin typeface="Segoe UI Semilight" panose="020B0402040204020203" pitchFamily="34" charset="0"/>
-              <a:ea typeface="Calibri" panose="020F0502020204030204" pitchFamily="34" charset="0"/>
-              <a:cs typeface="Segoe UI Semilight" panose="020B0402040204020203" pitchFamily="34" charset="0"/>
-            </a:endParaRPr>
-          </a:p>
-        </p:txBody>
-      </p:sp>
     </p:spTree>
     <p:extLst>
       <p:ext uri="{BB962C8B-B14F-4D97-AF65-F5344CB8AC3E}">
-        <p14:creationId xmlns:p14="http://schemas.microsoft.com/office/powerpoint/2010/main" val="1283564715"/>
-      </p:ext>
-    </p:extLst>
-  </p:cSld>
-  <p:clrMapOvr>
-    <a:masterClrMapping/>
-  </p:clrMapOvr>
-  <p:transition>
-    <p:fade/>
-  </p:transition>
-</p:sld>
-</file>
-
-<file path=ppt/slides/slide7.xml><?xml version="1.0" encoding="utf-8"?>
-<p:sld xmlns:a="http://schemas.openxmlformats.org/drawingml/2006/main" xmlns:r="http://schemas.openxmlformats.org/officeDocument/2006/relationships" xmlns:p="http://schemas.openxmlformats.org/presentationml/2006/main">
-  <p:cSld>
-    <p:spTree>
-      <p:nvGrpSpPr>
-        <p:cNvPr id="1" name=""/>
-        <p:cNvGrpSpPr/>
-        <p:nvPr/>
-      </p:nvGrpSpPr>
-      <p:grpSpPr>
-        <a:xfrm>
-          <a:off x="0" y="0"/>
-          <a:ext cx="0" cy="0"/>
-          <a:chOff x="0" y="0"/>
-          <a:chExt cx="0" cy="0"/>
-        </a:xfrm>
-      </p:grpSpPr>
-      <p:sp>
-        <p:nvSpPr>
-          <p:cNvPr id="5" name="Title 2">
-            <a:extLst>
-              <a:ext uri="{FF2B5EF4-FFF2-40B4-BE49-F238E27FC236}">
-                <a16:creationId xmlns:a16="http://schemas.microsoft.com/office/drawing/2014/main" id="{4774A367-9F67-4C2B-A29F-54605E3BFCCC}"/>
-              </a:ext>
-            </a:extLst>
-          </p:cNvPr>
-          <p:cNvSpPr txBox="1">
-            <a:spLocks/>
-          </p:cNvSpPr>
-          <p:nvPr/>
-        </p:nvSpPr>
-        <p:spPr>
-          <a:xfrm>
-            <a:off x="421329" y="443514"/>
-            <a:ext cx="11655840" cy="899665"/>
-          </a:xfrm>
-          <a:prstGeom prst="rect">
-            <a:avLst/>
-          </a:prstGeom>
-        </p:spPr>
-        <p:txBody>
-          <a:bodyPr vert="horz" wrap="square" lIns="146304" tIns="91440" rIns="146304" bIns="91440" rtlCol="0" anchor="t">
-            <a:noAutofit/>
-          </a:bodyPr>
-          <a:lstStyle>
-            <a:lvl1pPr algn="l" defTabSz="685692" rtl="0" eaLnBrk="1" latinLnBrk="0" hangingPunct="1">
-              <a:lnSpc>
-                <a:spcPct val="90000"/>
-              </a:lnSpc>
-              <a:spcBef>
-                <a:spcPct val="0"/>
-              </a:spcBef>
-              <a:buNone/>
-              <a:defRPr lang="en-US" sz="3970" b="0" kern="1200" cap="none" spc="-75" baseline="0" dirty="0" smtClean="0">
-                <a:ln w="3175">
-                  <a:noFill/>
-                </a:ln>
-                <a:gradFill>
-                  <a:gsLst>
-                    <a:gs pos="1250">
-                      <a:schemeClr val="tx1"/>
-                    </a:gs>
-                    <a:gs pos="100000">
-                      <a:schemeClr val="tx1"/>
-                    </a:gs>
-                  </a:gsLst>
-                  <a:lin ang="5400000" scaled="0"/>
-                </a:gradFill>
-                <a:effectLst/>
-                <a:latin typeface="+mj-lt"/>
-                <a:ea typeface="+mn-ea"/>
-                <a:cs typeface="Segoe UI" pitchFamily="34" charset="0"/>
-              </a:defRPr>
-            </a:lvl1pPr>
-          </a:lstStyle>
-          <a:p>
-            <a:r>
-              <a:rPr lang="en-US" dirty="0">
-                <a:latin typeface="Segoe UI Semibold" panose="020B0702040204020203" pitchFamily="34" charset="0"/>
-                <a:cs typeface="Segoe UI Semibold" panose="020B0702040204020203" pitchFamily="34" charset="0"/>
-              </a:rPr>
-              <a:t>Storage Account</a:t>
-            </a:r>
-          </a:p>
-          <a:p>
-            <a:endParaRPr lang="en-US" dirty="0">
-              <a:latin typeface="Segoe UI Semibold" panose="020B0702040204020203" pitchFamily="34" charset="0"/>
-              <a:cs typeface="Segoe UI Semibold" panose="020B0702040204020203" pitchFamily="34" charset="0"/>
-            </a:endParaRPr>
-          </a:p>
-        </p:txBody>
-      </p:sp>
-      <p:sp>
-        <p:nvSpPr>
-          <p:cNvPr id="2" name="Title 1" hidden="1">
-            <a:extLst>
-              <a:ext uri="{FF2B5EF4-FFF2-40B4-BE49-F238E27FC236}">
-                <a16:creationId xmlns:a16="http://schemas.microsoft.com/office/drawing/2014/main" id="{2CC14988-42DA-4966-8C15-24A11D4C19B0}"/>
-              </a:ext>
-            </a:extLst>
-          </p:cNvPr>
-          <p:cNvSpPr>
-            <a:spLocks noGrp="1"/>
-          </p:cNvSpPr>
-          <p:nvPr>
-            <p:ph type="title"/>
-          </p:nvPr>
-        </p:nvSpPr>
-        <p:spPr/>
-        <p:txBody>
-          <a:bodyPr/>
-          <a:lstStyle/>
-          <a:p>
-            <a:r>
-              <a:rPr lang="en-US" dirty="0">
-                <a:latin typeface="Segoe UI Semibold" panose="020B0702040204020203" pitchFamily="34" charset="0"/>
-                <a:cs typeface="Segoe UI Semibold" panose="020B0702040204020203" pitchFamily="34" charset="0"/>
-              </a:rPr>
-              <a:t>Whiteboard design session walk-through</a:t>
-            </a:r>
-            <a:endParaRPr lang="en-US" dirty="0"/>
-          </a:p>
-        </p:txBody>
-      </p:sp>
-      <p:sp>
-        <p:nvSpPr>
-          <p:cNvPr id="7" name="Rectangle 3">
-            <a:extLst>
-              <a:ext uri="{FF2B5EF4-FFF2-40B4-BE49-F238E27FC236}">
-                <a16:creationId xmlns:a16="http://schemas.microsoft.com/office/drawing/2014/main" id="{8095550C-0821-5346-A1F3-95897DBA0B8D}"/>
-              </a:ext>
-            </a:extLst>
-          </p:cNvPr>
-          <p:cNvSpPr/>
-          <p:nvPr/>
-        </p:nvSpPr>
-        <p:spPr>
-          <a:xfrm>
-            <a:off x="421329" y="1343179"/>
-            <a:ext cx="9752685" cy="3661387"/>
-          </a:xfrm>
-          <a:prstGeom prst="rect">
-            <a:avLst/>
-          </a:prstGeom>
-        </p:spPr>
-        <p:txBody>
-          <a:bodyPr wrap="square">
-            <a:spAutoFit/>
-          </a:bodyPr>
-          <a:lstStyle/>
-          <a:p>
-            <a:pPr marL="0" marR="0" lvl="0" indent="0" defTabSz="914367" eaLnBrk="1" fontAlgn="auto" latinLnBrk="0" hangingPunct="1">
-              <a:lnSpc>
-                <a:spcPct val="107000"/>
-              </a:lnSpc>
-              <a:spcBef>
-                <a:spcPts val="0"/>
-              </a:spcBef>
-              <a:spcAft>
-                <a:spcPts val="0"/>
-              </a:spcAft>
-              <a:buClrTx/>
-              <a:buSzTx/>
-              <a:buFontTx/>
-              <a:buNone/>
-              <a:tabLst/>
-              <a:defRPr/>
-            </a:pPr>
-            <a:endParaRPr kumimoji="0" lang="en-US" sz="2750" b="0" i="0" u="none" strike="noStrike" kern="0" cap="none" spc="0" normalizeH="0" baseline="0" noProof="0" dirty="0">
-              <a:ln>
-                <a:noFill/>
-              </a:ln>
-              <a:solidFill>
-                <a:srgbClr val="505050"/>
-              </a:solidFill>
-              <a:effectLst/>
-              <a:uLnTx/>
-              <a:uFillTx/>
-              <a:latin typeface="Segoe UI Semilight" panose="020B0402040204020203" pitchFamily="34" charset="0"/>
-              <a:ea typeface="Calibri" panose="020F0502020204030204" pitchFamily="34" charset="0"/>
-              <a:cs typeface="Segoe UI Semilight" panose="020B0402040204020203" pitchFamily="34" charset="0"/>
-            </a:endParaRPr>
-          </a:p>
-          <a:p>
-            <a:pPr marL="285750" marR="0" lvl="0" indent="-285750" defTabSz="914367" eaLnBrk="1" fontAlgn="auto" latinLnBrk="0" hangingPunct="1">
-              <a:lnSpc>
-                <a:spcPct val="100000"/>
-              </a:lnSpc>
-              <a:spcBef>
-                <a:spcPts val="0"/>
-              </a:spcBef>
-              <a:spcAft>
-                <a:spcPts val="0"/>
-              </a:spcAft>
-              <a:buClrTx/>
-              <a:buSzTx/>
-              <a:buFont typeface="Arial" panose="020B0604020202020204" pitchFamily="34" charset="0"/>
-              <a:buChar char="•"/>
-              <a:tabLst/>
-              <a:defRPr/>
-            </a:pPr>
-            <a:r>
-              <a:rPr kumimoji="0" lang="en-US" sz="2750" b="0" i="0" u="none" strike="noStrike" kern="0" cap="none" spc="0" normalizeH="0" baseline="0" noProof="0" dirty="0" err="1">
-                <a:ln>
-                  <a:noFill/>
-                </a:ln>
-                <a:solidFill>
-                  <a:srgbClr val="505050"/>
-                </a:solidFill>
-                <a:effectLst/>
-                <a:uLnTx/>
-                <a:uFillTx/>
-                <a:latin typeface="Segoe UI Semilight" panose="020B0402040204020203" pitchFamily="34" charset="0"/>
-                <a:ea typeface="Calibri" panose="020F0502020204030204" pitchFamily="34" charset="0"/>
-                <a:cs typeface="Segoe UI Semilight" panose="020B0402040204020203" pitchFamily="34" charset="0"/>
-              </a:rPr>
-              <a:t>Emulador</a:t>
-            </a:r>
-            <a:r>
-              <a:rPr kumimoji="0" lang="en-US" sz="2750" b="0" i="0" u="none" strike="noStrike" kern="0" cap="none" spc="0" normalizeH="0" baseline="0" noProof="0" dirty="0">
-                <a:ln>
-                  <a:noFill/>
-                </a:ln>
-                <a:solidFill>
-                  <a:srgbClr val="505050"/>
-                </a:solidFill>
-                <a:effectLst/>
-                <a:uLnTx/>
-                <a:uFillTx/>
-                <a:latin typeface="Segoe UI Semilight" panose="020B0402040204020203" pitchFamily="34" charset="0"/>
-                <a:ea typeface="Calibri" panose="020F0502020204030204" pitchFamily="34" charset="0"/>
-                <a:cs typeface="Segoe UI Semilight" panose="020B0402040204020203" pitchFamily="34" charset="0"/>
-              </a:rPr>
-              <a:t> para Windows: Azurite ( Containers Docker )</a:t>
-            </a:r>
-          </a:p>
-          <a:p>
-            <a:pPr marL="285750" marR="0" lvl="0" indent="-285750" defTabSz="914367" eaLnBrk="1" fontAlgn="auto" latinLnBrk="0" hangingPunct="1">
-              <a:lnSpc>
-                <a:spcPct val="100000"/>
-              </a:lnSpc>
-              <a:spcBef>
-                <a:spcPts val="0"/>
-              </a:spcBef>
-              <a:spcAft>
-                <a:spcPts val="0"/>
-              </a:spcAft>
-              <a:buClrTx/>
-              <a:buSzTx/>
-              <a:buFont typeface="Arial" panose="020B0604020202020204" pitchFamily="34" charset="0"/>
-              <a:buChar char="•"/>
-              <a:tabLst/>
-              <a:defRPr/>
-            </a:pPr>
-            <a:r>
-              <a:rPr kumimoji="0" lang="en-GB" sz="2750" b="0" i="0" u="none" strike="noStrike" kern="0" cap="none" spc="0" normalizeH="0" baseline="0" noProof="0" dirty="0">
-                <a:ln>
-                  <a:noFill/>
-                </a:ln>
-                <a:solidFill>
-                  <a:srgbClr val="505050"/>
-                </a:solidFill>
-                <a:effectLst/>
-                <a:uLnTx/>
-                <a:uFillTx/>
-                <a:latin typeface="Segoe UI Semilight" panose="020B0402040204020203" pitchFamily="34" charset="0"/>
-                <a:ea typeface="Calibri" panose="020F0502020204030204" pitchFamily="34" charset="0"/>
-                <a:cs typeface="Segoe UI Semilight" panose="020B0402040204020203" pitchFamily="34" charset="0"/>
-              </a:rPr>
-              <a:t>Microsoft Azure Storage Explorer </a:t>
-            </a:r>
-            <a:r>
-              <a:rPr kumimoji="0" lang="en-GB" sz="2750" b="0" i="0" u="none" strike="noStrike" kern="0" cap="none" spc="0" normalizeH="0" baseline="0" noProof="0" dirty="0" err="1">
-                <a:ln>
-                  <a:noFill/>
-                </a:ln>
-                <a:solidFill>
-                  <a:srgbClr val="505050"/>
-                </a:solidFill>
-                <a:effectLst/>
-                <a:uLnTx/>
-                <a:uFillTx/>
-                <a:latin typeface="Segoe UI Semilight" panose="020B0402040204020203" pitchFamily="34" charset="0"/>
-                <a:ea typeface="Calibri" panose="020F0502020204030204" pitchFamily="34" charset="0"/>
-                <a:cs typeface="Segoe UI Semilight" panose="020B0402040204020203" pitchFamily="34" charset="0"/>
-              </a:rPr>
-              <a:t>como</a:t>
-            </a:r>
-            <a:r>
-              <a:rPr kumimoji="0" lang="en-GB" sz="2750" b="0" i="0" u="none" strike="noStrike" kern="0" cap="none" spc="0" normalizeH="0" baseline="0" noProof="0" dirty="0">
-                <a:ln>
-                  <a:noFill/>
-                </a:ln>
-                <a:solidFill>
-                  <a:srgbClr val="505050"/>
-                </a:solidFill>
-                <a:effectLst/>
-                <a:uLnTx/>
-                <a:uFillTx/>
-                <a:latin typeface="Segoe UI Semilight" panose="020B0402040204020203" pitchFamily="34" charset="0"/>
-                <a:ea typeface="Calibri" panose="020F0502020204030204" pitchFamily="34" charset="0"/>
-                <a:cs typeface="Segoe UI Semilight" panose="020B0402040204020203" pitchFamily="34" charset="0"/>
-              </a:rPr>
-              <a:t> ferramenta de </a:t>
-            </a:r>
-            <a:r>
-              <a:rPr kumimoji="0" lang="en-GB" sz="2750" b="0" i="0" u="none" strike="noStrike" kern="0" cap="none" spc="0" normalizeH="0" baseline="0" noProof="0" dirty="0" err="1">
-                <a:ln>
-                  <a:noFill/>
-                </a:ln>
-                <a:solidFill>
-                  <a:srgbClr val="505050"/>
-                </a:solidFill>
-                <a:effectLst/>
-                <a:uLnTx/>
-                <a:uFillTx/>
-                <a:latin typeface="Segoe UI Semilight" panose="020B0402040204020203" pitchFamily="34" charset="0"/>
-                <a:ea typeface="Calibri" panose="020F0502020204030204" pitchFamily="34" charset="0"/>
-                <a:cs typeface="Segoe UI Semilight" panose="020B0402040204020203" pitchFamily="34" charset="0"/>
-              </a:rPr>
-              <a:t>gerenciamento</a:t>
-            </a:r>
-            <a:endParaRPr kumimoji="0" lang="en-GB" sz="2750" b="0" i="0" u="none" strike="noStrike" kern="0" cap="none" spc="0" normalizeH="0" baseline="0" noProof="0" dirty="0">
-              <a:ln>
-                <a:noFill/>
-              </a:ln>
-              <a:solidFill>
-                <a:srgbClr val="505050"/>
-              </a:solidFill>
-              <a:effectLst/>
-              <a:uLnTx/>
-              <a:uFillTx/>
-              <a:latin typeface="Segoe UI Semilight" panose="020B0402040204020203" pitchFamily="34" charset="0"/>
-              <a:ea typeface="Calibri" panose="020F0502020204030204" pitchFamily="34" charset="0"/>
-              <a:cs typeface="Segoe UI Semilight" panose="020B0402040204020203" pitchFamily="34" charset="0"/>
-            </a:endParaRPr>
-          </a:p>
-          <a:p>
-            <a:pPr marL="285750" marR="0" lvl="0" indent="-285750" defTabSz="914367" eaLnBrk="1" fontAlgn="auto" latinLnBrk="0" hangingPunct="1">
-              <a:lnSpc>
-                <a:spcPct val="100000"/>
-              </a:lnSpc>
-              <a:spcBef>
-                <a:spcPts val="0"/>
-              </a:spcBef>
-              <a:spcAft>
-                <a:spcPts val="588"/>
-              </a:spcAft>
-              <a:buClrTx/>
-              <a:buSzTx/>
-              <a:buFont typeface="Arial" panose="020B0604020202020204" pitchFamily="34" charset="0"/>
-              <a:buChar char="•"/>
-              <a:tabLst/>
-              <a:defRPr/>
-            </a:pPr>
-            <a:r>
-              <a:rPr kumimoji="0" lang="en-GB" sz="2750" b="0" i="0" u="none" strike="noStrike" kern="0" cap="none" spc="0" normalizeH="0" baseline="0" noProof="0" dirty="0" err="1">
-                <a:ln>
-                  <a:noFill/>
-                </a:ln>
-                <a:solidFill>
-                  <a:srgbClr val="505050"/>
-                </a:solidFill>
-                <a:effectLst/>
-                <a:uLnTx/>
-                <a:uFillTx/>
-                <a:latin typeface="Segoe UI Semilight" panose="020B0402040204020203" pitchFamily="34" charset="0"/>
-                <a:ea typeface="Calibri" panose="020F0502020204030204" pitchFamily="34" charset="0"/>
-                <a:cs typeface="Segoe UI Semilight" panose="020B0402040204020203" pitchFamily="34" charset="0"/>
-              </a:rPr>
-              <a:t>Bibliotecas</a:t>
-            </a:r>
-            <a:r>
-              <a:rPr kumimoji="0" lang="en-GB" sz="2750" b="0" i="0" u="none" strike="noStrike" kern="0" cap="none" spc="0" normalizeH="0" baseline="0" noProof="0" dirty="0">
-                <a:ln>
-                  <a:noFill/>
-                </a:ln>
-                <a:solidFill>
-                  <a:srgbClr val="505050"/>
-                </a:solidFill>
-                <a:effectLst/>
-                <a:uLnTx/>
-                <a:uFillTx/>
-                <a:latin typeface="Segoe UI Semilight" panose="020B0402040204020203" pitchFamily="34" charset="0"/>
-                <a:ea typeface="Calibri" panose="020F0502020204030204" pitchFamily="34" charset="0"/>
-                <a:cs typeface="Segoe UI Semilight" panose="020B0402040204020203" pitchFamily="34" charset="0"/>
-              </a:rPr>
-              <a:t> para .NET, Java, C++ , </a:t>
-            </a:r>
-            <a:r>
-              <a:rPr kumimoji="0" lang="en-GB" sz="2750" b="0" i="0" u="none" strike="noStrike" kern="0" cap="none" spc="0" normalizeH="0" baseline="0" noProof="0" dirty="0" err="1">
-                <a:ln>
-                  <a:noFill/>
-                </a:ln>
-                <a:solidFill>
-                  <a:srgbClr val="505050"/>
-                </a:solidFill>
-                <a:effectLst/>
-                <a:uLnTx/>
-                <a:uFillTx/>
-                <a:latin typeface="Segoe UI Semilight" panose="020B0402040204020203" pitchFamily="34" charset="0"/>
-                <a:ea typeface="Calibri" panose="020F0502020204030204" pitchFamily="34" charset="0"/>
-                <a:cs typeface="Segoe UI Semilight" panose="020B0402040204020203" pitchFamily="34" charset="0"/>
-              </a:rPr>
-              <a:t>Node.JS</a:t>
-            </a:r>
-            <a:r>
-              <a:rPr kumimoji="0" lang="en-GB" sz="2750" b="0" i="0" u="none" strike="noStrike" kern="0" cap="none" spc="0" normalizeH="0" baseline="0" noProof="0" dirty="0">
-                <a:ln>
-                  <a:noFill/>
-                </a:ln>
-                <a:solidFill>
-                  <a:srgbClr val="505050"/>
-                </a:solidFill>
-                <a:effectLst/>
-                <a:uLnTx/>
-                <a:uFillTx/>
-                <a:latin typeface="Segoe UI Semilight" panose="020B0402040204020203" pitchFamily="34" charset="0"/>
-                <a:ea typeface="Calibri" panose="020F0502020204030204" pitchFamily="34" charset="0"/>
-                <a:cs typeface="Segoe UI Semilight" panose="020B0402040204020203" pitchFamily="34" charset="0"/>
-              </a:rPr>
-              <a:t> , PHP, Ruby e Python</a:t>
-            </a:r>
-          </a:p>
-          <a:p>
-            <a:pPr marL="285750" marR="0" lvl="0" indent="-285750" defTabSz="914367" eaLnBrk="1" fontAlgn="auto" latinLnBrk="0" hangingPunct="1">
-              <a:lnSpc>
-                <a:spcPct val="100000"/>
-              </a:lnSpc>
-              <a:spcBef>
-                <a:spcPts val="0"/>
-              </a:spcBef>
-              <a:spcAft>
-                <a:spcPts val="588"/>
-              </a:spcAft>
-              <a:buClrTx/>
-              <a:buSzTx/>
-              <a:buFont typeface="Arial" panose="020B0604020202020204" pitchFamily="34" charset="0"/>
-              <a:buChar char="•"/>
-              <a:tabLst/>
-              <a:defRPr/>
-            </a:pPr>
-            <a:r>
-              <a:rPr lang="en-GB" sz="2750" kern="0" dirty="0">
-                <a:solidFill>
-                  <a:srgbClr val="505050"/>
-                </a:solidFill>
-                <a:latin typeface="Segoe UI Semilight" panose="020B0402040204020203" pitchFamily="34" charset="0"/>
-                <a:ea typeface="Calibri" panose="020F0502020204030204" pitchFamily="34" charset="0"/>
-                <a:cs typeface="Segoe UI Semilight" panose="020B0402040204020203" pitchFamily="34" charset="0"/>
-              </a:rPr>
-              <a:t>Azure Storage Services REST API</a:t>
-            </a:r>
-            <a:endParaRPr kumimoji="0" lang="en-GB" sz="2750" b="0" i="0" u="none" strike="noStrike" kern="0" cap="none" spc="0" normalizeH="0" baseline="0" noProof="0" dirty="0">
-              <a:ln>
-                <a:noFill/>
-              </a:ln>
-              <a:solidFill>
-                <a:srgbClr val="505050"/>
-              </a:solidFill>
-              <a:effectLst/>
-              <a:uLnTx/>
-              <a:uFillTx/>
-              <a:latin typeface="Segoe UI Semilight" panose="020B0402040204020203" pitchFamily="34" charset="0"/>
-              <a:ea typeface="Calibri" panose="020F0502020204030204" pitchFamily="34" charset="0"/>
-              <a:cs typeface="Segoe UI Semilight" panose="020B0402040204020203" pitchFamily="34" charset="0"/>
-            </a:endParaRPr>
-          </a:p>
-          <a:p>
-            <a:pPr marR="0" lvl="0" defTabSz="914367" eaLnBrk="1" fontAlgn="auto" latinLnBrk="0" hangingPunct="1">
-              <a:lnSpc>
-                <a:spcPct val="100000"/>
-              </a:lnSpc>
-              <a:spcBef>
-                <a:spcPts val="0"/>
-              </a:spcBef>
-              <a:spcAft>
-                <a:spcPts val="588"/>
-              </a:spcAft>
-              <a:buClrTx/>
-              <a:buSzTx/>
-              <a:tabLst/>
-              <a:defRPr/>
-            </a:pPr>
-            <a:endParaRPr lang="en-GB" sz="2750" kern="0" dirty="0">
-              <a:solidFill>
-                <a:srgbClr val="505050"/>
-              </a:solidFill>
-              <a:latin typeface="Segoe UI Semilight" panose="020B0402040204020203" pitchFamily="34" charset="0"/>
-              <a:ea typeface="Calibri" panose="020F0502020204030204" pitchFamily="34" charset="0"/>
-              <a:cs typeface="Segoe UI Semilight" panose="020B0402040204020203" pitchFamily="34" charset="0"/>
-            </a:endParaRPr>
-          </a:p>
-        </p:txBody>
-      </p:sp>
-    </p:spTree>
-    <p:extLst>
-      <p:ext uri="{BB962C8B-B14F-4D97-AF65-F5344CB8AC3E}">
-        <p14:creationId xmlns:p14="http://schemas.microsoft.com/office/powerpoint/2010/main" val="1363787123"/>
-      </p:ext>
-    </p:extLst>
-  </p:cSld>
-  <p:clrMapOvr>
-    <a:masterClrMapping/>
-  </p:clrMapOvr>
-  <p:transition>
-    <p:fade/>
-  </p:transition>
-</p:sld>
-</file>
-
-<file path=ppt/slides/slide8.xml><?xml version="1.0" encoding="utf-8"?>
-<p:sld xmlns:a="http://schemas.openxmlformats.org/drawingml/2006/main" xmlns:r="http://schemas.openxmlformats.org/officeDocument/2006/relationships" xmlns:p="http://schemas.openxmlformats.org/presentationml/2006/main">
-  <p:cSld>
-    <p:spTree>
-      <p:nvGrpSpPr>
-        <p:cNvPr id="1" name=""/>
-        <p:cNvGrpSpPr/>
-        <p:nvPr/>
-      </p:nvGrpSpPr>
-      <p:grpSpPr>
-        <a:xfrm>
-          <a:off x="0" y="0"/>
-          <a:ext cx="0" cy="0"/>
-          <a:chOff x="0" y="0"/>
-          <a:chExt cx="0" cy="0"/>
-        </a:xfrm>
-      </p:grpSpPr>
-      <p:sp>
-        <p:nvSpPr>
-          <p:cNvPr id="3" name="Espaço Reservado para Texto 2">
-            <a:extLst>
-              <a:ext uri="{FF2B5EF4-FFF2-40B4-BE49-F238E27FC236}">
-                <a16:creationId xmlns:a16="http://schemas.microsoft.com/office/drawing/2014/main" id="{DEF5F165-08C8-0B46-91E0-883DF14BAB70}"/>
-              </a:ext>
-            </a:extLst>
-          </p:cNvPr>
-          <p:cNvSpPr>
-            <a:spLocks noGrp="1"/>
-          </p:cNvSpPr>
-          <p:nvPr>
-            <p:ph type="body" sz="quarter" idx="10"/>
-          </p:nvPr>
-        </p:nvSpPr>
-        <p:spPr>
-          <a:xfrm>
-            <a:off x="269238" y="2501142"/>
-            <a:ext cx="11653523" cy="592150"/>
-          </a:xfrm>
-        </p:spPr>
-        <p:txBody>
-          <a:bodyPr/>
-          <a:lstStyle/>
-          <a:p>
-            <a:pPr marL="457200" indent="-457200">
-              <a:buFont typeface="Arial" panose="020B0604020202020204" pitchFamily="34" charset="0"/>
-              <a:buChar char="•"/>
-            </a:pPr>
-            <a:r>
-              <a:rPr lang="pt-BR" dirty="0" err="1"/>
-              <a:t>https</a:t>
-            </a:r>
-            <a:r>
-              <a:rPr lang="pt-BR" dirty="0"/>
-              <a:t>://</a:t>
-            </a:r>
-            <a:r>
-              <a:rPr lang="pt-BR" dirty="0" err="1"/>
-              <a:t>azure.microsoft.com</a:t>
-            </a:r>
-            <a:r>
-              <a:rPr lang="pt-BR" dirty="0"/>
-              <a:t>/</a:t>
-            </a:r>
-            <a:r>
-              <a:rPr lang="pt-BR" dirty="0" err="1"/>
-              <a:t>pt-br</a:t>
-            </a:r>
-            <a:r>
-              <a:rPr lang="pt-BR" dirty="0"/>
-              <a:t>/</a:t>
-            </a:r>
-            <a:r>
-              <a:rPr lang="pt-BR" dirty="0" err="1"/>
-              <a:t>features</a:t>
-            </a:r>
-            <a:r>
-              <a:rPr lang="pt-BR" dirty="0"/>
-              <a:t>/</a:t>
-            </a:r>
-            <a:r>
-              <a:rPr lang="pt-BR" dirty="0" err="1"/>
-              <a:t>storage-explorer</a:t>
-            </a:r>
-            <a:r>
-              <a:rPr lang="pt-BR" dirty="0"/>
-              <a:t>/</a:t>
-            </a:r>
-          </a:p>
-        </p:txBody>
-      </p:sp>
-      <p:sp>
-        <p:nvSpPr>
-          <p:cNvPr id="6" name="Title 2">
-            <a:extLst>
-              <a:ext uri="{FF2B5EF4-FFF2-40B4-BE49-F238E27FC236}">
-                <a16:creationId xmlns:a16="http://schemas.microsoft.com/office/drawing/2014/main" id="{1D3890F8-11E4-514B-ACC7-4CF070909C73}"/>
-              </a:ext>
-            </a:extLst>
-          </p:cNvPr>
-          <p:cNvSpPr txBox="1">
-            <a:spLocks/>
-          </p:cNvSpPr>
-          <p:nvPr/>
-        </p:nvSpPr>
-        <p:spPr>
-          <a:xfrm>
-            <a:off x="421329" y="443514"/>
-            <a:ext cx="11655840" cy="899665"/>
-          </a:xfrm>
-          <a:prstGeom prst="rect">
-            <a:avLst/>
-          </a:prstGeom>
-        </p:spPr>
-        <p:txBody>
-          <a:bodyPr vert="horz" wrap="square" lIns="146304" tIns="91440" rIns="146304" bIns="91440" rtlCol="0" anchor="t">
-            <a:noAutofit/>
-          </a:bodyPr>
-          <a:lstStyle>
-            <a:lvl1pPr algn="l" defTabSz="685692" rtl="0" eaLnBrk="1" latinLnBrk="0" hangingPunct="1">
-              <a:lnSpc>
-                <a:spcPct val="90000"/>
-              </a:lnSpc>
-              <a:spcBef>
-                <a:spcPct val="0"/>
-              </a:spcBef>
-              <a:buNone/>
-              <a:defRPr lang="en-US" sz="3970" b="0" kern="1200" cap="none" spc="-75" baseline="0" dirty="0" smtClean="0">
-                <a:ln w="3175">
-                  <a:noFill/>
-                </a:ln>
-                <a:gradFill>
-                  <a:gsLst>
-                    <a:gs pos="1250">
-                      <a:schemeClr val="tx1"/>
-                    </a:gs>
-                    <a:gs pos="100000">
-                      <a:schemeClr val="tx1"/>
-                    </a:gs>
-                  </a:gsLst>
-                  <a:lin ang="5400000" scaled="0"/>
-                </a:gradFill>
-                <a:effectLst/>
-                <a:latin typeface="+mj-lt"/>
-                <a:ea typeface="+mn-ea"/>
-                <a:cs typeface="Segoe UI" pitchFamily="34" charset="0"/>
-              </a:defRPr>
-            </a:lvl1pPr>
-          </a:lstStyle>
-          <a:p>
-            <a:r>
-              <a:rPr lang="en-US" dirty="0">
-                <a:latin typeface="Segoe UI Semibold" panose="020B0702040204020203" pitchFamily="34" charset="0"/>
-                <a:cs typeface="Segoe UI Semibold" panose="020B0702040204020203" pitchFamily="34" charset="0"/>
-              </a:rPr>
-              <a:t>Azure Storage Explorer</a:t>
-            </a:r>
-          </a:p>
-          <a:p>
-            <a:endParaRPr lang="en-US" dirty="0">
-              <a:latin typeface="Segoe UI Semibold" panose="020B0702040204020203" pitchFamily="34" charset="0"/>
-              <a:cs typeface="Segoe UI Semibold" panose="020B0702040204020203" pitchFamily="34" charset="0"/>
-            </a:endParaRPr>
-          </a:p>
-        </p:txBody>
-      </p:sp>
-    </p:spTree>
-    <p:extLst>
-      <p:ext uri="{BB962C8B-B14F-4D97-AF65-F5344CB8AC3E}">
-        <p14:creationId xmlns:p14="http://schemas.microsoft.com/office/powerpoint/2010/main" val="2750226642"/>
-      </p:ext>
-    </p:extLst>
-  </p:cSld>
-  <p:clrMapOvr>
-    <a:masterClrMapping/>
-  </p:clrMapOvr>
-  <p:transition>
-    <p:fade/>
-  </p:transition>
-</p:sld>
-</file>
-
-<file path=ppt/slides/slide9.xml><?xml version="1.0" encoding="utf-8"?>
-<p:sld xmlns:a="http://schemas.openxmlformats.org/drawingml/2006/main" xmlns:r="http://schemas.openxmlformats.org/officeDocument/2006/relationships" xmlns:p="http://schemas.openxmlformats.org/presentationml/2006/main">
-  <p:cSld>
-    <p:spTree>
-      <p:nvGrpSpPr>
-        <p:cNvPr id="1" name=""/>
-        <p:cNvGrpSpPr/>
-        <p:nvPr/>
-      </p:nvGrpSpPr>
-      <p:grpSpPr>
-        <a:xfrm>
-          <a:off x="0" y="0"/>
-          <a:ext cx="0" cy="0"/>
-          <a:chOff x="0" y="0"/>
-          <a:chExt cx="0" cy="0"/>
-        </a:xfrm>
-      </p:grpSpPr>
-      <p:sp>
-        <p:nvSpPr>
-          <p:cNvPr id="2" name="Title 1"/>
-          <p:cNvSpPr>
-            <a:spLocks noGrp="1"/>
-          </p:cNvSpPr>
-          <p:nvPr>
-            <p:ph type="title"/>
-          </p:nvPr>
-        </p:nvSpPr>
-        <p:spPr>
-          <a:xfrm>
-            <a:off x="269239" y="2084172"/>
-            <a:ext cx="11653523" cy="2139688"/>
-          </a:xfrm>
-        </p:spPr>
-        <p:txBody>
-          <a:bodyPr/>
-          <a:lstStyle/>
-          <a:p>
-            <a:r>
-              <a:rPr lang="en-US" dirty="0">
-                <a:solidFill>
-                  <a:schemeClr val="bg1"/>
-                </a:solidFill>
-              </a:rPr>
-              <a:t>Hands-on lab</a:t>
-            </a:r>
-            <a:br>
-              <a:rPr lang="en-US" dirty="0">
-                <a:solidFill>
-                  <a:schemeClr val="bg1"/>
-                </a:solidFill>
-              </a:rPr>
-            </a:br>
-            <a:r>
-              <a:rPr lang="en-US" dirty="0">
-                <a:solidFill>
-                  <a:schemeClr val="bg1"/>
-                </a:solidFill>
-              </a:rPr>
-              <a:t>Azure Storage</a:t>
-            </a:r>
-          </a:p>
-        </p:txBody>
-      </p:sp>
-    </p:spTree>
-    <p:extLst>
-      <p:ext uri="{BB962C8B-B14F-4D97-AF65-F5344CB8AC3E}">
-        <p14:creationId xmlns:p14="http://schemas.microsoft.com/office/powerpoint/2010/main" val="3605032694"/>
+        <p14:creationId xmlns:p14="http://schemas.microsoft.com/office/powerpoint/2010/main" val="1897784522"/>
       </p:ext>
     </p:extLst>
   </p:cSld>
@@ -23555,10 +20436,14 @@
   </p:clrMapOvr>
   <mc:AlternateContent xmlns:mc="http://schemas.openxmlformats.org/markup-compatibility/2006" xmlns:p14="http://schemas.microsoft.com/office/powerpoint/2010/main">
     <mc:Choice Requires="p14">
-      <p:transition p14:dur="0"/>
+      <p:transition spd="med" p14:dur="700">
+        <p:fade/>
+      </p:transition>
     </mc:Choice>
     <mc:Fallback xmlns="">
-      <p:transition/>
+      <p:transition spd="med">
+        <p:fade/>
+      </p:transition>
     </mc:Fallback>
   </mc:AlternateContent>
 </p:sld>
